--- a/Programming with C#/5. C# Data Structures and Algorithms/09. Combinatorics - ✘/Combinatorics.pptx
+++ b/Programming with C#/5. C# Data Structures and Algorithms/09. Combinatorics - ✘/Combinatorics.pptx
@@ -5,10 +5,10 @@
     <p:sldMasterId id="2147483672" r:id="rId1"/>
   </p:sldMasterIdLst>
   <p:notesMasterIdLst>
-    <p:notesMasterId r:id="rId46"/>
+    <p:notesMasterId r:id="rId49"/>
   </p:notesMasterIdLst>
   <p:handoutMasterIdLst>
-    <p:handoutMasterId r:id="rId47"/>
+    <p:handoutMasterId r:id="rId50"/>
   </p:handoutMasterIdLst>
   <p:sldIdLst>
     <p:sldId id="610" r:id="rId2"/>
@@ -17,49 +17,52 @@
     <p:sldId id="613" r:id="rId5"/>
     <p:sldId id="614" r:id="rId6"/>
     <p:sldId id="615" r:id="rId7"/>
-    <p:sldId id="618" r:id="rId8"/>
-    <p:sldId id="646" r:id="rId9"/>
-    <p:sldId id="647" r:id="rId10"/>
-    <p:sldId id="648" r:id="rId11"/>
-    <p:sldId id="655" r:id="rId12"/>
-    <p:sldId id="652" r:id="rId13"/>
-    <p:sldId id="651" r:id="rId14"/>
-    <p:sldId id="653" r:id="rId15"/>
-    <p:sldId id="656" r:id="rId16"/>
-    <p:sldId id="645" r:id="rId17"/>
-    <p:sldId id="649" r:id="rId18"/>
-    <p:sldId id="650" r:id="rId19"/>
-    <p:sldId id="661" r:id="rId20"/>
-    <p:sldId id="657" r:id="rId21"/>
-    <p:sldId id="658" r:id="rId22"/>
-    <p:sldId id="662" r:id="rId23"/>
-    <p:sldId id="627" r:id="rId24"/>
-    <p:sldId id="628" r:id="rId25"/>
-    <p:sldId id="629" r:id="rId26"/>
-    <p:sldId id="630" r:id="rId27"/>
-    <p:sldId id="660" r:id="rId28"/>
-    <p:sldId id="631" r:id="rId29"/>
-    <p:sldId id="632" r:id="rId30"/>
-    <p:sldId id="633" r:id="rId31"/>
-    <p:sldId id="634" r:id="rId32"/>
-    <p:sldId id="635" r:id="rId33"/>
-    <p:sldId id="636" r:id="rId34"/>
-    <p:sldId id="659" r:id="rId35"/>
-    <p:sldId id="663" r:id="rId36"/>
-    <p:sldId id="654" r:id="rId37"/>
-    <p:sldId id="637" r:id="rId38"/>
-    <p:sldId id="638" r:id="rId39"/>
-    <p:sldId id="639" r:id="rId40"/>
-    <p:sldId id="640" r:id="rId41"/>
-    <p:sldId id="664" r:id="rId42"/>
-    <p:sldId id="643" r:id="rId43"/>
-    <p:sldId id="644" r:id="rId44"/>
-    <p:sldId id="543" r:id="rId45"/>
+    <p:sldId id="665" r:id="rId8"/>
+    <p:sldId id="666" r:id="rId9"/>
+    <p:sldId id="618" r:id="rId10"/>
+    <p:sldId id="646" r:id="rId11"/>
+    <p:sldId id="647" r:id="rId12"/>
+    <p:sldId id="648" r:id="rId13"/>
+    <p:sldId id="655" r:id="rId14"/>
+    <p:sldId id="652" r:id="rId15"/>
+    <p:sldId id="651" r:id="rId16"/>
+    <p:sldId id="653" r:id="rId17"/>
+    <p:sldId id="656" r:id="rId18"/>
+    <p:sldId id="645" r:id="rId19"/>
+    <p:sldId id="649" r:id="rId20"/>
+    <p:sldId id="650" r:id="rId21"/>
+    <p:sldId id="661" r:id="rId22"/>
+    <p:sldId id="657" r:id="rId23"/>
+    <p:sldId id="658" r:id="rId24"/>
+    <p:sldId id="662" r:id="rId25"/>
+    <p:sldId id="627" r:id="rId26"/>
+    <p:sldId id="628" r:id="rId27"/>
+    <p:sldId id="629" r:id="rId28"/>
+    <p:sldId id="630" r:id="rId29"/>
+    <p:sldId id="660" r:id="rId30"/>
+    <p:sldId id="631" r:id="rId31"/>
+    <p:sldId id="632" r:id="rId32"/>
+    <p:sldId id="633" r:id="rId33"/>
+    <p:sldId id="634" r:id="rId34"/>
+    <p:sldId id="635" r:id="rId35"/>
+    <p:sldId id="636" r:id="rId36"/>
+    <p:sldId id="659" r:id="rId37"/>
+    <p:sldId id="663" r:id="rId38"/>
+    <p:sldId id="654" r:id="rId39"/>
+    <p:sldId id="637" r:id="rId40"/>
+    <p:sldId id="638" r:id="rId41"/>
+    <p:sldId id="639" r:id="rId42"/>
+    <p:sldId id="640" r:id="rId43"/>
+    <p:sldId id="664" r:id="rId44"/>
+    <p:sldId id="667" r:id="rId45"/>
+    <p:sldId id="643" r:id="rId46"/>
+    <p:sldId id="644" r:id="rId47"/>
+    <p:sldId id="543" r:id="rId48"/>
   </p:sldIdLst>
   <p:sldSz cx="9144000" cy="6858000" type="screen4x3"/>
   <p:notesSz cx="6881813" cy="9296400"/>
   <p:custDataLst>
-    <p:tags r:id="rId48"/>
+    <p:tags r:id="rId51"/>
   </p:custDataLst>
   <p:defaultTextStyle>
     <a:defPPr>
@@ -188,7 +191,7 @@
   </p:defaultTextStyle>
   <p:extLst>
     <p:ext uri="{EFAFB233-063F-42B5-8137-9DF3F51BA10A}">
-      <p15:sldGuideLst xmlns:p15="http://schemas.microsoft.com/office/powerpoint/2012/main" xmlns="">
+      <p15:sldGuideLst xmlns="" xmlns:p15="http://schemas.microsoft.com/office/powerpoint/2012/main">
         <p15:guide id="1" orient="horz" pos="2160">
           <p15:clr>
             <a:srgbClr val="A4A3A4"/>
@@ -202,7 +205,7 @@
       </p15:sldGuideLst>
     </p:ext>
     <p:ext uri="{2D200454-40CA-4A62-9FC3-DE9A4176ACB9}">
-      <p15:notesGuideLst xmlns:p15="http://schemas.microsoft.com/office/powerpoint/2012/main" xmlns="">
+      <p15:notesGuideLst xmlns="" xmlns:p15="http://schemas.microsoft.com/office/powerpoint/2012/main">
         <p15:guide id="1" orient="horz" pos="2928">
           <p15:clr>
             <a:srgbClr val="A4A3A4"/>
@@ -334,7 +337,7 @@
             <a:fld id="{3BF7C7B5-275F-4D1F-9AB4-9255447DBC73}" type="datetimeFigureOut">
               <a:rPr lang="en-US"/>
               <a:pPr/>
-              <a:t>11-06-2013</a:t>
+              <a:t>9/1/2014</a:t>
             </a:fld>
             <a:endParaRPr lang="en-US" dirty="0"/>
           </a:p>
@@ -565,7 +568,7 @@
             <a:fld id="{9B46F231-FB2B-4655-A644-E2477325E686}" type="datetimeFigureOut">
               <a:rPr lang="en-US"/>
               <a:pPr/>
-              <a:t>11-06-2013</a:t>
+              <a:t>9/1/2014</a:t>
             </a:fld>
             <a:endParaRPr lang="en-US" dirty="0"/>
           </a:p>
@@ -5630,6 +5633,391 @@
 </p:sldLayout>
 </file>
 
+<file path=ppt/slideLayouts/slideLayout7.xml><?xml version="1.0" encoding="utf-8"?>
+<p:sldLayout xmlns:a="http://schemas.openxmlformats.org/drawingml/2006/main" xmlns:r="http://schemas.openxmlformats.org/officeDocument/2006/relationships" xmlns:p="http://schemas.openxmlformats.org/presentationml/2006/main" userDrawn="1">
+  <p:cSld name="Source Code Example">
+    <p:spTree>
+      <p:nvGrpSpPr>
+        <p:cNvPr id="1" name=""/>
+        <p:cNvGrpSpPr/>
+        <p:nvPr/>
+      </p:nvGrpSpPr>
+      <p:grpSpPr>
+        <a:xfrm>
+          <a:off x="0" y="0"/>
+          <a:ext cx="0" cy="0"/>
+          <a:chOff x="0" y="0"/>
+          <a:chExt cx="0" cy="0"/>
+        </a:xfrm>
+      </p:grpSpPr>
+      <p:sp>
+        <p:nvSpPr>
+          <p:cNvPr id="3" name="Title 1"/>
+          <p:cNvSpPr>
+            <a:spLocks noGrp="1"/>
+          </p:cNvSpPr>
+          <p:nvPr>
+            <p:ph type="title" hasCustomPrompt="1"/>
+          </p:nvPr>
+        </p:nvSpPr>
+        <p:spPr>
+          <a:xfrm>
+            <a:off x="1828800" y="76200"/>
+            <a:ext cx="7086600" cy="914400"/>
+          </a:xfrm>
+          <a:prstGeom prst="rect">
+            <a:avLst/>
+          </a:prstGeom>
+        </p:spPr>
+        <p:txBody>
+          <a:bodyPr anchor="ctr" anchorCtr="0">
+            <a:noAutofit/>
+          </a:bodyPr>
+          <a:lstStyle>
+            <a:lvl1pPr>
+              <a:lnSpc>
+                <a:spcPts val="4000"/>
+              </a:lnSpc>
+              <a:defRPr sz="4000"/>
+            </a:lvl1pPr>
+          </a:lstStyle>
+          <a:p>
+            <a:r>
+              <a:rPr lang="en-US" dirty="0" smtClean="0"/>
+              <a:t>Slide Title</a:t>
+            </a:r>
+            <a:endParaRPr lang="en-US" dirty="0"/>
+          </a:p>
+        </p:txBody>
+      </p:sp>
+      <p:sp>
+        <p:nvSpPr>
+          <p:cNvPr id="4" name="Content Placeholder 2"/>
+          <p:cNvSpPr>
+            <a:spLocks noGrp="1"/>
+          </p:cNvSpPr>
+          <p:nvPr>
+            <p:ph idx="1" hasCustomPrompt="1"/>
+          </p:nvPr>
+        </p:nvSpPr>
+        <p:spPr>
+          <a:xfrm>
+            <a:off x="228600" y="1066800"/>
+            <a:ext cx="8686800" cy="579646"/>
+          </a:xfrm>
+          <a:prstGeom prst="rect">
+            <a:avLst/>
+          </a:prstGeom>
+        </p:spPr>
+        <p:txBody>
+          <a:bodyPr>
+            <a:spAutoFit/>
+          </a:bodyPr>
+          <a:lstStyle>
+            <a:lvl1pPr marL="282575" indent="-282575">
+              <a:lnSpc>
+                <a:spcPts val="3800"/>
+              </a:lnSpc>
+              <a:spcBef>
+                <a:spcPts val="600"/>
+              </a:spcBef>
+              <a:spcAft>
+                <a:spcPts val="600"/>
+              </a:spcAft>
+              <a:buClr>
+                <a:schemeClr val="accent5">
+                  <a:lumMod val="40000"/>
+                  <a:lumOff val="60000"/>
+                </a:schemeClr>
+              </a:buClr>
+              <a:buNone/>
+              <a:tabLst>
+                <a:tab pos="282575" algn="l"/>
+              </a:tabLst>
+              <a:defRPr sz="3000" baseline="0">
+                <a:solidFill>
+                  <a:schemeClr val="tx1">
+                    <a:lumMod val="40000"/>
+                    <a:lumOff val="60000"/>
+                  </a:schemeClr>
+                </a:solidFill>
+              </a:defRPr>
+            </a:lvl1pPr>
+            <a:lvl2pPr>
+              <a:lnSpc>
+                <a:spcPts val="3800"/>
+              </a:lnSpc>
+              <a:spcBef>
+                <a:spcPts val="600"/>
+              </a:spcBef>
+              <a:spcAft>
+                <a:spcPts val="600"/>
+              </a:spcAft>
+              <a:buClr>
+                <a:srgbClr val="8FD600"/>
+              </a:buClr>
+              <a:defRPr sz="3000">
+                <a:solidFill>
+                  <a:schemeClr val="tx1">
+                    <a:lumMod val="40000"/>
+                    <a:lumOff val="60000"/>
+                  </a:schemeClr>
+                </a:solidFill>
+              </a:defRPr>
+            </a:lvl2pPr>
+            <a:lvl3pPr>
+              <a:lnSpc>
+                <a:spcPts val="3800"/>
+              </a:lnSpc>
+              <a:spcBef>
+                <a:spcPts val="600"/>
+              </a:spcBef>
+              <a:spcAft>
+                <a:spcPts val="600"/>
+              </a:spcAft>
+              <a:buClr>
+                <a:srgbClr val="FFAD9F"/>
+              </a:buClr>
+              <a:defRPr sz="2800">
+                <a:solidFill>
+                  <a:schemeClr val="tx1">
+                    <a:lumMod val="40000"/>
+                    <a:lumOff val="60000"/>
+                  </a:schemeClr>
+                </a:solidFill>
+              </a:defRPr>
+            </a:lvl3pPr>
+            <a:lvl4pPr>
+              <a:lnSpc>
+                <a:spcPts val="3800"/>
+              </a:lnSpc>
+              <a:spcBef>
+                <a:spcPts val="600"/>
+              </a:spcBef>
+              <a:spcAft>
+                <a:spcPts val="600"/>
+              </a:spcAft>
+              <a:buClr>
+                <a:srgbClr val="FACF82"/>
+              </a:buClr>
+              <a:defRPr sz="2600">
+                <a:solidFill>
+                  <a:schemeClr val="tx1">
+                    <a:lumMod val="40000"/>
+                    <a:lumOff val="60000"/>
+                  </a:schemeClr>
+                </a:solidFill>
+              </a:defRPr>
+            </a:lvl4pPr>
+            <a:lvl5pPr>
+              <a:lnSpc>
+                <a:spcPts val="3800"/>
+              </a:lnSpc>
+              <a:spcBef>
+                <a:spcPts val="600"/>
+              </a:spcBef>
+              <a:spcAft>
+                <a:spcPts val="600"/>
+              </a:spcAft>
+              <a:defRPr sz="2400">
+                <a:solidFill>
+                  <a:schemeClr val="tx1">
+                    <a:lumMod val="40000"/>
+                    <a:lumOff val="60000"/>
+                  </a:schemeClr>
+                </a:solidFill>
+              </a:defRPr>
+            </a:lvl5pPr>
+          </a:lstStyle>
+          <a:p>
+            <a:pPr lvl="0"/>
+            <a:r>
+              <a:rPr lang="en-US" dirty="0" smtClean="0"/>
+              <a:t>Example description</a:t>
+            </a:r>
+            <a:endParaRPr lang="en-US" dirty="0"/>
+          </a:p>
+        </p:txBody>
+      </p:sp>
+      <p:sp>
+        <p:nvSpPr>
+          <p:cNvPr id="6" name="Text Placeholder 5"/>
+          <p:cNvSpPr>
+            <a:spLocks noGrp="1"/>
+          </p:cNvSpPr>
+          <p:nvPr>
+            <p:ph type="body" sz="quarter" idx="10" hasCustomPrompt="1"/>
+          </p:nvPr>
+        </p:nvSpPr>
+        <p:spPr>
+          <a:xfrm>
+            <a:off x="342900" y="1828800"/>
+            <a:ext cx="8382000" cy="4524315"/>
+          </a:xfrm>
+          <a:prstGeom prst="rect">
+            <a:avLst/>
+          </a:prstGeom>
+          <a:solidFill>
+            <a:schemeClr val="accent5">
+              <a:lumMod val="40000"/>
+              <a:lumOff val="60000"/>
+              <a:alpha val="25000"/>
+            </a:schemeClr>
+          </a:solidFill>
+          <a:ln w="12700">
+            <a:solidFill>
+              <a:schemeClr val="accent5">
+                <a:lumMod val="60000"/>
+                <a:lumOff val="40000"/>
+              </a:schemeClr>
+            </a:solidFill>
+          </a:ln>
+        </p:spPr>
+        <p:txBody>
+          <a:bodyPr wrap="square">
+            <a:spAutoFit/>
+          </a:bodyPr>
+          <a:lstStyle>
+            <a:lvl1pPr marL="0" indent="0" algn="l">
+              <a:spcBef>
+                <a:spcPts val="0"/>
+              </a:spcBef>
+              <a:buNone/>
+              <a:defRPr lang="en-US" sz="1800" smtClean="0">
+                <a:solidFill>
+                  <a:srgbClr val="8CF4F2"/>
+                </a:solidFill>
+                <a:latin typeface="Consolas" pitchFamily="49" charset="0"/>
+                <a:cs typeface="Consolas" pitchFamily="49" charset="0"/>
+              </a:defRPr>
+            </a:lvl1pPr>
+          </a:lstStyle>
+          <a:p>
+            <a:pPr lvl="0"/>
+            <a:r>
+              <a:rPr lang="en-US" noProof="1" smtClean="0"/>
+              <a:t>Source code box</a:t>
+            </a:r>
+          </a:p>
+          <a:p>
+            <a:pPr lvl="0"/>
+            <a:endParaRPr lang="en-US" noProof="1" smtClean="0"/>
+          </a:p>
+          <a:p>
+            <a:pPr lvl="0"/>
+            <a:endParaRPr lang="en-US" noProof="1" smtClean="0"/>
+          </a:p>
+          <a:p>
+            <a:pPr lvl="0"/>
+            <a:endParaRPr lang="en-US" noProof="1" smtClean="0"/>
+          </a:p>
+          <a:p>
+            <a:pPr lvl="0"/>
+            <a:endParaRPr lang="en-US" noProof="1" smtClean="0"/>
+          </a:p>
+          <a:p>
+            <a:pPr lvl="0"/>
+            <a:endParaRPr lang="en-US" noProof="1" smtClean="0"/>
+          </a:p>
+          <a:p>
+            <a:pPr lvl="0"/>
+            <a:endParaRPr lang="en-US" noProof="1" smtClean="0"/>
+          </a:p>
+          <a:p>
+            <a:pPr lvl="0"/>
+            <a:endParaRPr lang="en-US" noProof="1" smtClean="0"/>
+          </a:p>
+          <a:p>
+            <a:pPr lvl="0"/>
+            <a:endParaRPr lang="en-US" noProof="1" smtClean="0"/>
+          </a:p>
+          <a:p>
+            <a:pPr lvl="0"/>
+            <a:endParaRPr lang="en-US" noProof="1" smtClean="0"/>
+          </a:p>
+          <a:p>
+            <a:pPr lvl="0"/>
+            <a:endParaRPr lang="en-US" noProof="1" smtClean="0"/>
+          </a:p>
+          <a:p>
+            <a:pPr lvl="0"/>
+            <a:endParaRPr lang="en-US" noProof="1" smtClean="0"/>
+          </a:p>
+          <a:p>
+            <a:pPr lvl="0"/>
+            <a:endParaRPr lang="en-US" noProof="1" smtClean="0"/>
+          </a:p>
+          <a:p>
+            <a:pPr lvl="0"/>
+            <a:endParaRPr lang="en-US" noProof="1" smtClean="0"/>
+          </a:p>
+          <a:p>
+            <a:pPr lvl="0"/>
+            <a:endParaRPr lang="en-US" noProof="1" smtClean="0"/>
+          </a:p>
+          <a:p>
+            <a:pPr lvl="0"/>
+            <a:endParaRPr lang="en-US" noProof="1" smtClean="0"/>
+          </a:p>
+        </p:txBody>
+      </p:sp>
+      <p:sp>
+        <p:nvSpPr>
+          <p:cNvPr id="8" name="Slide Number Placeholder 7"/>
+          <p:cNvSpPr>
+            <a:spLocks noGrp="1"/>
+          </p:cNvSpPr>
+          <p:nvPr>
+            <p:ph type="sldNum" sz="quarter" idx="11"/>
+          </p:nvPr>
+        </p:nvSpPr>
+        <p:spPr>
+          <a:xfrm>
+            <a:off x="8610600" y="6553200"/>
+            <a:ext cx="457200" cy="228600"/>
+          </a:xfrm>
+          <a:prstGeom prst="rect">
+            <a:avLst/>
+          </a:prstGeom>
+        </p:spPr>
+        <p:txBody>
+          <a:bodyPr/>
+          <a:lstStyle/>
+          <a:p>
+            <a:pPr>
+              <a:defRPr/>
+            </a:pPr>
+            <a:fld id="{58452FF4-89E3-4D1B-9927-2DBDC00E58D7}" type="slidenum">
+              <a:rPr lang="en-US" smtClean="0"/>
+              <a:pPr>
+                <a:defRPr/>
+              </a:pPr>
+              <a:t>‹#›</a:t>
+            </a:fld>
+            <a:endParaRPr lang="en-US" dirty="0"/>
+          </a:p>
+        </p:txBody>
+      </p:sp>
+    </p:spTree>
+    <p:extLst>
+      <p:ext uri="{BB962C8B-B14F-4D97-AF65-F5344CB8AC3E}">
+        <p14:creationId xmlns:p14="http://schemas.microsoft.com/office/powerpoint/2010/main" val="4284443202"/>
+      </p:ext>
+    </p:extLst>
+  </p:cSld>
+  <p:clrMapOvr>
+    <a:masterClrMapping/>
+  </p:clrMapOvr>
+  <p:timing>
+    <p:tnLst>
+      <p:par>
+        <p:cTn id="1" dur="indefinite" restart="never" nodeType="tmRoot"/>
+      </p:par>
+    </p:tnLst>
+  </p:timing>
+</p:sldLayout>
+</file>
+
 <file path=ppt/slideMasters/slideMaster1.xml><?xml version="1.0" encoding="utf-8"?>
 <p:sldMaster xmlns:a="http://schemas.openxmlformats.org/drawingml/2006/main" xmlns:r="http://schemas.openxmlformats.org/officeDocument/2006/relationships" xmlns:p="http://schemas.openxmlformats.org/presentationml/2006/main">
   <p:cSld>
@@ -5664,7 +6052,7 @@
           <p:nvPr userDrawn="1"/>
         </p:nvPicPr>
         <p:blipFill>
-          <a:blip r:embed="rId8">
+          <a:blip r:embed="rId9">
             <a:extLst>
               <a:ext uri="{28A0092B-C50C-407E-A947-70E740481C1C}">
                 <a14:useLocalDpi xmlns:a14="http://schemas.microsoft.com/office/drawing/2010/main"/>
@@ -5705,7 +6093,7 @@
           <p:nvPr userDrawn="1"/>
         </p:nvPicPr>
         <p:blipFill>
-          <a:blip r:embed="rId9" cstate="email">
+          <a:blip r:embed="rId10" cstate="email">
             <a:extLst>
               <a:ext uri="{28A0092B-C50C-407E-A947-70E740481C1C}">
                 <a14:useLocalDpi xmlns:a14="http://schemas.microsoft.com/office/drawing/2010/main"/>
@@ -5769,7 +6157,7 @@
           <p:nvPr userDrawn="1"/>
         </p:nvPicPr>
         <p:blipFill>
-          <a:blip r:embed="rId10" cstate="email">
+          <a:blip r:embed="rId11" cstate="email">
             <a:extLst>
               <a:ext uri="{28A0092B-C50C-407E-A947-70E740481C1C}">
                 <a14:useLocalDpi xmlns:a14="http://schemas.microsoft.com/office/drawing/2010/main"/>
@@ -5833,11 +6221,11 @@
           <p:nvPr userDrawn="1"/>
         </p:nvPicPr>
         <p:blipFill>
-          <a:blip r:embed="rId11">
+          <a:blip r:embed="rId12">
             <a:extLst>
               <a:ext uri="{BEBA8EAE-BF5A-486C-A8C5-ECC9F3942E4B}">
                 <a14:imgProps xmlns:a14="http://schemas.microsoft.com/office/drawing/2010/main">
-                  <a14:imgLayer r:embed="rId12">
+                  <a14:imgLayer r:embed="rId13">
                     <a14:imgEffect>
                       <a14:brightnessContrast bright="20000"/>
                     </a14:imgEffect>
@@ -5892,6 +6280,7 @@
     <p:sldLayoutId id="2147483689" r:id="rId4"/>
     <p:sldLayoutId id="2147483703" r:id="rId5"/>
     <p:sldLayoutId id="2147483707" r:id="rId6"/>
+    <p:sldLayoutId id="2147483708" r:id="rId7"/>
   </p:sldLayoutIdLst>
   <p:timing>
     <p:tnLst>
@@ -6458,94 +6847,6 @@
           </a:p>
         </p:txBody>
       </p:sp>
-      <p:sp>
-        <p:nvSpPr>
-          <p:cNvPr id="4" name="Text Placeholder 3"/>
-          <p:cNvSpPr>
-            <a:spLocks noGrp="1"/>
-          </p:cNvSpPr>
-          <p:nvPr>
-            <p:ph type="body" sz="quarter" idx="10"/>
-          </p:nvPr>
-        </p:nvSpPr>
-        <p:spPr>
-          <a:xfrm>
-            <a:off x="457200" y="4886980"/>
-            <a:ext cx="3352800" cy="523220"/>
-          </a:xfrm>
-        </p:spPr>
-        <p:txBody>
-          <a:bodyPr/>
-          <a:lstStyle/>
-          <a:p>
-            <a:r>
-              <a:rPr lang="en-US" dirty="0" smtClean="0"/>
-              <a:t>Nikolay Kostov</a:t>
-            </a:r>
-            <a:endParaRPr lang="en-US" dirty="0"/>
-          </a:p>
-        </p:txBody>
-      </p:sp>
-      <p:sp>
-        <p:nvSpPr>
-          <p:cNvPr id="5" name="Text Placeholder 4"/>
-          <p:cNvSpPr>
-            <a:spLocks noGrp="1"/>
-          </p:cNvSpPr>
-          <p:nvPr>
-            <p:ph type="body" sz="quarter" idx="11"/>
-          </p:nvPr>
-        </p:nvSpPr>
-        <p:spPr>
-          <a:xfrm>
-            <a:off x="457200" y="5757446"/>
-            <a:ext cx="2090957" cy="646331"/>
-          </a:xfrm>
-        </p:spPr>
-        <p:txBody>
-          <a:bodyPr/>
-          <a:lstStyle/>
-          <a:p>
-            <a:r>
-              <a:rPr lang="en-US" dirty="0"/>
-              <a:t>Telerik Corporation</a:t>
-            </a:r>
-          </a:p>
-          <a:p>
-            <a:endParaRPr lang="en-US" dirty="0"/>
-          </a:p>
-        </p:txBody>
-      </p:sp>
-      <p:sp>
-        <p:nvSpPr>
-          <p:cNvPr id="6" name="Text Placeholder 5"/>
-          <p:cNvSpPr>
-            <a:spLocks noGrp="1"/>
-          </p:cNvSpPr>
-          <p:nvPr>
-            <p:ph type="body" sz="quarter" idx="12"/>
-          </p:nvPr>
-        </p:nvSpPr>
-        <p:spPr>
-          <a:xfrm>
-            <a:off x="457200" y="6062246"/>
-            <a:ext cx="1707903" cy="338554"/>
-          </a:xfrm>
-        </p:spPr>
-        <p:txBody>
-          <a:bodyPr/>
-          <a:lstStyle/>
-          <a:p>
-            <a:r>
-              <a:rPr lang="en-US" dirty="0" smtClean="0">
-                <a:hlinkClick r:id="rId2"/>
-              </a:rPr>
-              <a:t>http://Nikolay.IT</a:t>
-            </a:r>
-            <a:endParaRPr lang="en-US" dirty="0"/>
-          </a:p>
-        </p:txBody>
-      </p:sp>
       <p:pic>
         <p:nvPicPr>
           <p:cNvPr id="11266" name="Picture 2" descr="File:Partition3D.svg"/>
@@ -6555,11 +6856,11 @@
           <p:nvPr/>
         </p:nvPicPr>
         <p:blipFill>
-          <a:blip r:embed="rId3">
+          <a:blip r:embed="rId2">
             <a:extLst>
               <a:ext uri="{BEBA8EAE-BF5A-486C-A8C5-ECC9F3942E4B}">
                 <a14:imgProps xmlns:a14="http://schemas.microsoft.com/office/drawing/2010/main">
-                  <a14:imgLayer r:embed="rId4">
+                  <a14:imgLayer r:embed="rId3">
                     <a14:imgEffect>
                       <a14:brightnessContrast contrast="20000"/>
                     </a14:imgEffect>
@@ -6605,7 +6906,7 @@
           <p:nvPr/>
         </p:nvPicPr>
         <p:blipFill>
-          <a:blip r:embed="rId5">
+          <a:blip r:embed="rId4">
             <a:duotone>
               <a:prstClr val="black"/>
               <a:schemeClr val="accent4">
@@ -6658,7 +6959,7 @@
           <p:nvPr/>
         </p:nvPicPr>
         <p:blipFill>
-          <a:blip r:embed="rId6">
+          <a:blip r:embed="rId5">
             <a:duotone>
               <a:prstClr val="black"/>
               <a:schemeClr val="accent4">
@@ -6669,7 +6970,7 @@
             <a:extLst>
               <a:ext uri="{BEBA8EAE-BF5A-486C-A8C5-ECC9F3942E4B}">
                 <a14:imgProps xmlns:a14="http://schemas.microsoft.com/office/drawing/2010/main">
-                  <a14:imgLayer r:embed="rId7">
+                  <a14:imgLayer r:embed="rId6">
                     <a14:imgEffect>
                       <a14:backgroundRemoval t="1750" b="97750" l="2320" r="96392">
                         <a14:foregroundMark x1="16237" y1="80250" x2="55412" y2="64250"/>
@@ -6725,276 +7026,10 @@
           </a:extLst>
         </p:spPr>
       </p:pic>
-      <p:sp>
-        <p:nvSpPr>
-          <p:cNvPr id="13" name="Text Placeholder 3"/>
-          <p:cNvSpPr txBox="1">
-            <a:spLocks/>
-          </p:cNvSpPr>
-          <p:nvPr/>
-        </p:nvSpPr>
-        <p:spPr>
-          <a:xfrm>
-            <a:off x="457200" y="5391090"/>
-            <a:ext cx="3352800" cy="400110"/>
-          </a:xfrm>
-          <a:prstGeom prst="rect">
-            <a:avLst/>
-          </a:prstGeom>
-          <a:noFill/>
-        </p:spPr>
-        <p:txBody>
-          <a:bodyPr wrap="square" rtlCol="0">
-            <a:spAutoFit/>
-          </a:bodyPr>
-          <a:lstStyle>
-            <a:lvl1pPr marL="319088" indent="-319088" algn="l" rtl="0" eaLnBrk="1" fontAlgn="base" hangingPunct="1">
-              <a:spcBef>
-                <a:spcPct val="0"/>
-              </a:spcBef>
-              <a:spcAft>
-                <a:spcPct val="0"/>
-              </a:spcAft>
-              <a:buClr>
-                <a:schemeClr val="accent5">
-                  <a:lumMod val="40000"/>
-                  <a:lumOff val="60000"/>
-                </a:schemeClr>
-              </a:buClr>
-              <a:buSzPct val="70000"/>
-              <a:buFont typeface="Wingdings 2" pitchFamily="18" charset="2"/>
-              <a:buNone/>
-              <a:defRPr lang="en-US" sz="2800" b="1" kern="1200" dirty="0" smtClean="0">
-                <a:solidFill>
-                  <a:srgbClr val="DEFF9B"/>
-                </a:solidFill>
-                <a:effectLst>
-                  <a:outerShdw blurRad="38100" dist="38100" dir="2700000" algn="tl">
-                    <a:srgbClr val="000000">
-                      <a:alpha val="43137"/>
-                    </a:srgbClr>
-                  </a:outerShdw>
-                </a:effectLst>
-                <a:latin typeface="Corbel" pitchFamily="34" charset="0"/>
-                <a:ea typeface="+mn-ea"/>
-                <a:cs typeface="+mn-cs"/>
-              </a:defRPr>
-            </a:lvl1pPr>
-            <a:lvl2pPr marL="630238" indent="-273050" algn="l" rtl="0" eaLnBrk="1" fontAlgn="base" hangingPunct="1">
-              <a:spcBef>
-                <a:spcPct val="20000"/>
-              </a:spcBef>
-              <a:spcAft>
-                <a:spcPct val="0"/>
-              </a:spcAft>
-              <a:buClr>
-                <a:schemeClr val="accent2">
-                  <a:lumMod val="60000"/>
-                  <a:lumOff val="40000"/>
-                </a:schemeClr>
-              </a:buClr>
-              <a:buFont typeface="Wingdings 2" pitchFamily="18" charset="2"/>
-              <a:buChar char=""/>
-              <a:defRPr sz="3000" b="1" kern="1200">
-                <a:solidFill>
-                  <a:schemeClr val="tx1">
-                    <a:lumMod val="20000"/>
-                    <a:lumOff val="80000"/>
-                  </a:schemeClr>
-                </a:solidFill>
-                <a:effectLst>
-                  <a:outerShdw blurRad="38100" dist="38100" dir="2700000" algn="tl">
-                    <a:srgbClr val="000000">
-                      <a:alpha val="43137"/>
-                    </a:srgbClr>
-                  </a:outerShdw>
-                </a:effectLst>
-                <a:latin typeface="+mn-lt"/>
-                <a:ea typeface="+mn-ea"/>
-                <a:cs typeface="+mn-cs"/>
-              </a:defRPr>
-            </a:lvl2pPr>
-            <a:lvl3pPr marL="922338" indent="-273050" algn="l" rtl="0" eaLnBrk="1" fontAlgn="base" hangingPunct="1">
-              <a:spcBef>
-                <a:spcPct val="20000"/>
-              </a:spcBef>
-              <a:spcAft>
-                <a:spcPct val="0"/>
-              </a:spcAft>
-              <a:buClr>
-                <a:schemeClr val="tx1">
-                  <a:lumMod val="50000"/>
-                </a:schemeClr>
-              </a:buClr>
-              <a:buFont typeface="Wingdings 2" pitchFamily="18" charset="2"/>
-              <a:buChar char=""/>
-              <a:defRPr sz="2800" b="1" kern="1200">
-                <a:solidFill>
-                  <a:schemeClr val="tx1">
-                    <a:lumMod val="20000"/>
-                    <a:lumOff val="80000"/>
-                  </a:schemeClr>
-                </a:solidFill>
-                <a:effectLst>
-                  <a:outerShdw blurRad="38100" dist="38100" dir="2700000" algn="tl">
-                    <a:srgbClr val="000000">
-                      <a:alpha val="43137"/>
-                    </a:srgbClr>
-                  </a:outerShdw>
-                </a:effectLst>
-                <a:latin typeface="+mn-lt"/>
-                <a:ea typeface="+mn-ea"/>
-                <a:cs typeface="+mn-cs"/>
-              </a:defRPr>
-            </a:lvl3pPr>
-            <a:lvl4pPr marL="1187450" indent="-228600" algn="l" rtl="0" eaLnBrk="1" fontAlgn="base" hangingPunct="1">
-              <a:spcBef>
-                <a:spcPct val="20000"/>
-              </a:spcBef>
-              <a:spcAft>
-                <a:spcPct val="0"/>
-              </a:spcAft>
-              <a:buClr>
-                <a:srgbClr val="F8BD52"/>
-              </a:buClr>
-              <a:buFont typeface="Wingdings 2" pitchFamily="18" charset="2"/>
-              <a:buChar char=""/>
-              <a:defRPr sz="2600" b="1" kern="1200">
-                <a:solidFill>
-                  <a:schemeClr val="tx1">
-                    <a:lumMod val="20000"/>
-                    <a:lumOff val="80000"/>
-                  </a:schemeClr>
-                </a:solidFill>
-                <a:effectLst>
-                  <a:outerShdw blurRad="38100" dist="38100" dir="2700000" algn="tl">
-                    <a:srgbClr val="000000">
-                      <a:alpha val="43137"/>
-                    </a:srgbClr>
-                  </a:outerShdw>
-                </a:effectLst>
-                <a:latin typeface="+mn-lt"/>
-                <a:ea typeface="+mn-ea"/>
-                <a:cs typeface="+mn-cs"/>
-              </a:defRPr>
-            </a:lvl4pPr>
-            <a:lvl5pPr marL="1425575" indent="-228600" algn="l" rtl="0" eaLnBrk="1" fontAlgn="base" hangingPunct="1">
-              <a:spcBef>
-                <a:spcPct val="20000"/>
-              </a:spcBef>
-              <a:spcAft>
-                <a:spcPct val="0"/>
-              </a:spcAft>
-              <a:buClr>
-                <a:srgbClr val="46A6BD"/>
-              </a:buClr>
-              <a:buFont typeface="Wingdings 2" pitchFamily="18" charset="2"/>
-              <a:buChar char=""/>
-              <a:defRPr sz="2400" b="1" kern="1200">
-                <a:solidFill>
-                  <a:schemeClr val="tx1">
-                    <a:lumMod val="20000"/>
-                    <a:lumOff val="80000"/>
-                  </a:schemeClr>
-                </a:solidFill>
-                <a:effectLst>
-                  <a:outerShdw blurRad="38100" dist="38100" dir="2700000" algn="tl">
-                    <a:srgbClr val="000000">
-                      <a:alpha val="43137"/>
-                    </a:srgbClr>
-                  </a:outerShdw>
-                </a:effectLst>
-                <a:latin typeface="+mn-lt"/>
-                <a:ea typeface="+mn-ea"/>
-                <a:cs typeface="+mn-cs"/>
-              </a:defRPr>
-            </a:lvl5pPr>
-            <a:lvl6pPr marL="1673352" indent="-228600" algn="l" rtl="0" eaLnBrk="1" latinLnBrk="0" hangingPunct="1">
-              <a:spcBef>
-                <a:spcPct val="20000"/>
-              </a:spcBef>
-              <a:buClr>
-                <a:schemeClr val="accent6"/>
-              </a:buClr>
-              <a:buFont typeface="Wingdings 2"/>
-              <a:buChar char=""/>
-              <a:defRPr sz="1800" kern="1200">
-                <a:solidFill>
-                  <a:schemeClr val="tx1"/>
-                </a:solidFill>
-                <a:latin typeface="+mn-lt"/>
-                <a:ea typeface="+mn-ea"/>
-                <a:cs typeface="+mn-cs"/>
-              </a:defRPr>
-            </a:lvl6pPr>
-            <a:lvl7pPr marL="1911096" indent="-228600" algn="l" rtl="0" eaLnBrk="1" latinLnBrk="0" hangingPunct="1">
-              <a:spcBef>
-                <a:spcPct val="20000"/>
-              </a:spcBef>
-              <a:buClr>
-                <a:schemeClr val="tx2"/>
-              </a:buClr>
-              <a:buFont typeface="Wingdings 2"/>
-              <a:buChar char=""/>
-              <a:defRPr sz="1600" kern="1200">
-                <a:solidFill>
-                  <a:schemeClr val="tx1"/>
-                </a:solidFill>
-                <a:latin typeface="+mn-lt"/>
-                <a:ea typeface="+mn-ea"/>
-                <a:cs typeface="+mn-cs"/>
-              </a:defRPr>
-            </a:lvl7pPr>
-            <a:lvl8pPr marL="2121408" indent="-182880" algn="l" rtl="0" eaLnBrk="1" latinLnBrk="0" hangingPunct="1">
-              <a:spcBef>
-                <a:spcPct val="20000"/>
-              </a:spcBef>
-              <a:buClr>
-                <a:schemeClr val="tx2"/>
-              </a:buClr>
-              <a:buFont typeface="Wingdings 2"/>
-              <a:buChar char=""/>
-              <a:defRPr sz="1400" kern="1200">
-                <a:solidFill>
-                  <a:schemeClr val="tx1"/>
-                </a:solidFill>
-                <a:latin typeface="+mn-lt"/>
-                <a:ea typeface="+mn-ea"/>
-                <a:cs typeface="+mn-cs"/>
-              </a:defRPr>
-            </a:lvl8pPr>
-            <a:lvl9pPr marL="2322576" indent="-182880" algn="l" rtl="0" eaLnBrk="1" latinLnBrk="0" hangingPunct="1">
-              <a:spcBef>
-                <a:spcPct val="20000"/>
-              </a:spcBef>
-              <a:buClr>
-                <a:schemeClr val="tx2"/>
-              </a:buClr>
-              <a:buFont typeface="Wingdings 2"/>
-              <a:buChar char=""/>
-              <a:defRPr sz="1400" kern="1200">
-                <a:solidFill>
-                  <a:schemeClr val="tx1"/>
-                </a:solidFill>
-                <a:latin typeface="+mn-lt"/>
-                <a:ea typeface="+mn-ea"/>
-                <a:cs typeface="+mn-cs"/>
-              </a:defRPr>
-            </a:lvl9pPr>
-          </a:lstStyle>
-          <a:p>
-            <a:r>
-              <a:rPr lang="en-US" sz="2000" dirty="0" smtClean="0"/>
-              <a:t>Technical Trainer</a:t>
-            </a:r>
-            <a:endParaRPr lang="en-US" sz="2000" dirty="0"/>
-          </a:p>
-        </p:txBody>
-      </p:sp>
       <p:pic>
         <p:nvPicPr>
           <p:cNvPr id="11" name="Picture 10">
-            <a:hlinkClick r:id="rId8"/>
+            <a:hlinkClick r:id="rId7"/>
           </p:cNvPr>
           <p:cNvPicPr>
             <a:picLocks noChangeAspect="1"/>
@@ -7002,7 +7037,7 @@
           <p:nvPr/>
         </p:nvPicPr>
         <p:blipFill>
-          <a:blip r:embed="rId9" cstate="screen">
+          <a:blip r:embed="rId8" cstate="screen">
             <a:extLst>
               <a:ext uri="{28A0092B-C50C-407E-A947-70E740481C1C}">
                 <a14:useLocalDpi xmlns:a14="http://schemas.microsoft.com/office/drawing/2010/main"/>
@@ -7032,7 +7067,7 @@
           <p:nvPr/>
         </p:nvPicPr>
         <p:blipFill>
-          <a:blip r:embed="rId10">
+          <a:blip r:embed="rId9">
             <a:extLst>
               <a:ext uri="{28A0092B-C50C-407E-A947-70E740481C1C}">
                 <a14:useLocalDpi xmlns:a14="http://schemas.microsoft.com/office/drawing/2010/main"/>
@@ -7046,7 +7081,7 @@
         </p:blipFill>
         <p:spPr bwMode="auto">
           <a:xfrm rot="414227">
-            <a:off x="3529341" y="4757609"/>
+            <a:off x="351026" y="3657903"/>
             <a:ext cx="1362586" cy="1486456"/>
           </a:xfrm>
           <a:prstGeom prst="rect">
@@ -7087,6 +7122,121 @@
           </a:extLst>
         </p:spPr>
       </p:pic>
+      <p:sp>
+        <p:nvSpPr>
+          <p:cNvPr id="16" name="Text Placeholder 27"/>
+          <p:cNvSpPr>
+            <a:spLocks noGrp="1"/>
+          </p:cNvSpPr>
+          <p:nvPr>
+            <p:ph type="body" sz="quarter" idx="12"/>
+          </p:nvPr>
+        </p:nvSpPr>
+        <p:spPr>
+          <a:xfrm>
+            <a:off x="457199" y="5121649"/>
+            <a:ext cx="4621676" cy="461665"/>
+          </a:xfrm>
+        </p:spPr>
+        <p:txBody>
+          <a:bodyPr/>
+          <a:lstStyle/>
+          <a:p>
+            <a:pPr marL="0" indent="0" eaLnBrk="1" hangingPunct="1">
+              <a:spcBef>
+                <a:spcPct val="20000"/>
+              </a:spcBef>
+            </a:pPr>
+            <a:r>
+              <a:rPr lang="en-US" sz="2400" dirty="0">
+                <a:solidFill>
+                  <a:schemeClr val="tx2">
+                    <a:lumMod val="50000"/>
+                  </a:schemeClr>
+                </a:solidFill>
+              </a:rPr>
+              <a:t>Data Structures and Algorithms</a:t>
+            </a:r>
+          </a:p>
+        </p:txBody>
+      </p:sp>
+      <p:sp>
+        <p:nvSpPr>
+          <p:cNvPr id="17" name="Text Placeholder 28"/>
+          <p:cNvSpPr>
+            <a:spLocks noGrp="1"/>
+          </p:cNvSpPr>
+          <p:nvPr>
+            <p:ph type="body" sz="quarter" idx="10"/>
+          </p:nvPr>
+        </p:nvSpPr>
+        <p:spPr>
+          <a:xfrm>
+            <a:off x="457199" y="5496290"/>
+            <a:ext cx="3990513" cy="400110"/>
+          </a:xfrm>
+        </p:spPr>
+        <p:txBody>
+          <a:bodyPr/>
+          <a:lstStyle/>
+          <a:p>
+            <a:pPr eaLnBrk="1" hangingPunct="1">
+              <a:spcBef>
+                <a:spcPct val="20000"/>
+              </a:spcBef>
+            </a:pPr>
+            <a:r>
+              <a:rPr lang="en-US" sz="2000" dirty="0">
+                <a:solidFill>
+                  <a:schemeClr val="tx2">
+                    <a:lumMod val="20000"/>
+                    <a:lumOff val="80000"/>
+                  </a:schemeClr>
+                </a:solidFill>
+              </a:rPr>
+              <a:t>Telerik Software Academy</a:t>
+            </a:r>
+          </a:p>
+        </p:txBody>
+      </p:sp>
+      <p:sp>
+        <p:nvSpPr>
+          <p:cNvPr id="18" name="Text Placeholder 29"/>
+          <p:cNvSpPr>
+            <a:spLocks noGrp="1"/>
+          </p:cNvSpPr>
+          <p:nvPr>
+            <p:ph type="body" sz="quarter" idx="11"/>
+          </p:nvPr>
+        </p:nvSpPr>
+        <p:spPr>
+          <a:xfrm>
+            <a:off x="457199" y="5801090"/>
+            <a:ext cx="3990513" cy="369332"/>
+          </a:xfrm>
+        </p:spPr>
+        <p:txBody>
+          <a:bodyPr/>
+          <a:lstStyle/>
+          <a:p>
+            <a:pPr marL="319088" indent="-319088" eaLnBrk="1" hangingPunct="1">
+              <a:spcBef>
+                <a:spcPct val="20000"/>
+              </a:spcBef>
+            </a:pPr>
+            <a:r>
+              <a:rPr lang="en-US" dirty="0">
+                <a:hlinkClick r:id="rId10"/>
+              </a:rPr>
+              <a:t>http://academy.telerik.com</a:t>
+            </a:r>
+            <a:r>
+              <a:rPr lang="en-US" dirty="0"/>
+              <a:t> </a:t>
+            </a:r>
+          </a:p>
+        </p:txBody>
+      </p:sp>
     </p:spTree>
     <p:extLst>
       <p:ext uri="{BB962C8B-B14F-4D97-AF65-F5344CB8AC3E}">
@@ -7126,6 +7276,691 @@
       </p:grpSpPr>
       <p:sp>
         <p:nvSpPr>
+          <p:cNvPr id="4" name="Title 3"/>
+          <p:cNvSpPr>
+            <a:spLocks noGrp="1"/>
+          </p:cNvSpPr>
+          <p:nvPr>
+            <p:ph type="title"/>
+          </p:nvPr>
+        </p:nvSpPr>
+        <p:spPr/>
+        <p:txBody>
+          <a:bodyPr/>
+          <a:lstStyle/>
+          <a:p>
+            <a:r>
+              <a:rPr lang="en-US" dirty="0" smtClean="0"/>
+              <a:t>Variations</a:t>
+            </a:r>
+            <a:endParaRPr lang="en-US" dirty="0"/>
+          </a:p>
+        </p:txBody>
+      </p:sp>
+      <p:sp>
+        <p:nvSpPr>
+          <p:cNvPr id="5" name="Content Placeholder 4"/>
+          <p:cNvSpPr>
+            <a:spLocks noGrp="1"/>
+          </p:cNvSpPr>
+          <p:nvPr>
+            <p:ph idx="1"/>
+          </p:nvPr>
+        </p:nvSpPr>
+        <p:spPr/>
+        <p:txBody>
+          <a:bodyPr/>
+          <a:lstStyle/>
+          <a:p>
+            <a:r>
+              <a:rPr lang="en-US" dirty="0" smtClean="0">
+                <a:solidFill>
+                  <a:schemeClr val="accent5">
+                    <a:lumMod val="20000"/>
+                    <a:lumOff val="80000"/>
+                  </a:schemeClr>
+                </a:solidFill>
+              </a:rPr>
+              <a:t>Variations (with repetitions)</a:t>
+            </a:r>
+          </a:p>
+          <a:p>
+            <a:pPr lvl="1"/>
+            <a:r>
+              <a:rPr lang="en-US" dirty="0" smtClean="0"/>
+              <a:t>Easiest </a:t>
+            </a:r>
+            <a:r>
+              <a:rPr lang="en-US" dirty="0"/>
+              <a:t>to </a:t>
+            </a:r>
+            <a:r>
+              <a:rPr lang="en-US" dirty="0" smtClean="0"/>
+              <a:t>calculate</a:t>
+            </a:r>
+            <a:endParaRPr lang="en-US" dirty="0"/>
+          </a:p>
+          <a:p>
+            <a:r>
+              <a:rPr lang="en-US" dirty="0"/>
+              <a:t>When you have </a:t>
+            </a:r>
+            <a:r>
+              <a:rPr lang="en-US" i="1" dirty="0">
+                <a:solidFill>
+                  <a:schemeClr val="accent5">
+                    <a:lumMod val="20000"/>
+                    <a:lumOff val="80000"/>
+                  </a:schemeClr>
+                </a:solidFill>
+              </a:rPr>
+              <a:t>n</a:t>
+            </a:r>
+            <a:r>
+              <a:rPr lang="en-US" dirty="0"/>
+              <a:t> things </a:t>
+            </a:r>
+            <a:r>
+              <a:rPr lang="en-US" dirty="0" smtClean="0"/>
+              <a:t>to</a:t>
+            </a:r>
+            <a:br>
+              <a:rPr lang="en-US" dirty="0" smtClean="0"/>
+            </a:br>
+            <a:r>
+              <a:rPr lang="en-US" dirty="0" smtClean="0"/>
+              <a:t>choose </a:t>
+            </a:r>
+            <a:r>
+              <a:rPr lang="en-US" dirty="0"/>
+              <a:t>from ... you </a:t>
+            </a:r>
+            <a:r>
+              <a:rPr lang="en-US" dirty="0" smtClean="0"/>
+              <a:t>have</a:t>
+            </a:r>
+            <a:br>
+              <a:rPr lang="en-US" dirty="0" smtClean="0"/>
+            </a:br>
+            <a:r>
+              <a:rPr lang="en-US" i="1" dirty="0">
+                <a:solidFill>
+                  <a:schemeClr val="accent5">
+                    <a:lumMod val="20000"/>
+                    <a:lumOff val="80000"/>
+                  </a:schemeClr>
+                </a:solidFill>
+              </a:rPr>
+              <a:t>n</a:t>
+            </a:r>
+            <a:r>
+              <a:rPr lang="en-US" dirty="0" smtClean="0"/>
+              <a:t> </a:t>
+            </a:r>
+            <a:r>
+              <a:rPr lang="en-US" dirty="0"/>
+              <a:t>choices each </a:t>
+            </a:r>
+            <a:r>
+              <a:rPr lang="en-US" dirty="0" smtClean="0"/>
+              <a:t>time!</a:t>
+            </a:r>
+          </a:p>
+          <a:p>
+            <a:r>
+              <a:rPr lang="en-US" dirty="0" smtClean="0"/>
+              <a:t>When </a:t>
+            </a:r>
+            <a:r>
+              <a:rPr lang="en-US" dirty="0"/>
+              <a:t>choosing </a:t>
+            </a:r>
+            <a:r>
+              <a:rPr lang="en-US" i="1" dirty="0" smtClean="0">
+                <a:solidFill>
+                  <a:schemeClr val="accent4"/>
+                </a:solidFill>
+              </a:rPr>
+              <a:t>k</a:t>
+            </a:r>
+            <a:r>
+              <a:rPr lang="en-US" dirty="0" smtClean="0"/>
+              <a:t> </a:t>
+            </a:r>
+            <a:r>
+              <a:rPr lang="en-US" dirty="0"/>
+              <a:t>of </a:t>
+            </a:r>
+            <a:r>
+              <a:rPr lang="en-US" dirty="0" smtClean="0"/>
+              <a:t>them,</a:t>
+            </a:r>
+            <a:br>
+              <a:rPr lang="en-US" dirty="0" smtClean="0"/>
+            </a:br>
+            <a:r>
+              <a:rPr lang="en-US" dirty="0" smtClean="0"/>
+              <a:t>the variations are</a:t>
+            </a:r>
+            <a:r>
+              <a:rPr lang="en-US" dirty="0"/>
+              <a:t>:</a:t>
+            </a:r>
+          </a:p>
+          <a:p>
+            <a:pPr lvl="1">
+              <a:spcAft>
+                <a:spcPts val="0"/>
+              </a:spcAft>
+            </a:pPr>
+            <a:r>
+              <a:rPr lang="en-US" sz="3200" i="1" dirty="0">
+                <a:solidFill>
+                  <a:schemeClr val="accent5">
+                    <a:lumMod val="20000"/>
+                    <a:lumOff val="80000"/>
+                  </a:schemeClr>
+                </a:solidFill>
+              </a:rPr>
+              <a:t>n</a:t>
+            </a:r>
+            <a:r>
+              <a:rPr lang="en-US" dirty="0"/>
+              <a:t> × </a:t>
+            </a:r>
+            <a:r>
+              <a:rPr lang="en-US" sz="3200" i="1" dirty="0">
+                <a:solidFill>
+                  <a:schemeClr val="accent5">
+                    <a:lumMod val="20000"/>
+                    <a:lumOff val="80000"/>
+                  </a:schemeClr>
+                </a:solidFill>
+              </a:rPr>
+              <a:t>n</a:t>
+            </a:r>
+            <a:r>
+              <a:rPr lang="en-US" dirty="0"/>
+              <a:t> × </a:t>
+            </a:r>
+            <a:r>
+              <a:rPr lang="en-US" dirty="0" smtClean="0"/>
+              <a:t>... </a:t>
+            </a:r>
+            <a:r>
+              <a:rPr lang="en-US" dirty="0"/>
+              <a:t>×</a:t>
+            </a:r>
+            <a:r>
+              <a:rPr lang="en-US" i="1" dirty="0" smtClean="0"/>
+              <a:t> </a:t>
+            </a:r>
+            <a:r>
+              <a:rPr lang="en-US" sz="3200" i="1" dirty="0">
+                <a:solidFill>
+                  <a:schemeClr val="accent5">
+                    <a:lumMod val="20000"/>
+                    <a:lumOff val="80000"/>
+                  </a:schemeClr>
+                </a:solidFill>
+              </a:rPr>
+              <a:t>n</a:t>
+            </a:r>
+            <a:r>
+              <a:rPr lang="en-US" dirty="0"/>
+              <a:t> </a:t>
+            </a:r>
+            <a:r>
+              <a:rPr lang="en-US" i="1" dirty="0" smtClean="0"/>
+              <a:t>(</a:t>
+            </a:r>
+            <a:r>
+              <a:rPr lang="en-US" sz="3200" i="1" dirty="0" smtClean="0">
+                <a:solidFill>
+                  <a:schemeClr val="accent4"/>
+                </a:solidFill>
+              </a:rPr>
+              <a:t>k</a:t>
+            </a:r>
+            <a:r>
+              <a:rPr lang="en-US" i="1" dirty="0" smtClean="0"/>
+              <a:t> </a:t>
+            </a:r>
+            <a:r>
+              <a:rPr lang="en-US" i="1" dirty="0"/>
+              <a:t>times</a:t>
+            </a:r>
+            <a:r>
+              <a:rPr lang="en-US" i="1" dirty="0" smtClean="0"/>
+              <a:t>)</a:t>
+            </a:r>
+          </a:p>
+          <a:p>
+            <a:pPr marL="357188" lvl="1" indent="0">
+              <a:spcBef>
+                <a:spcPts val="0"/>
+              </a:spcBef>
+              <a:buNone/>
+            </a:pPr>
+            <a:r>
+              <a:rPr lang="en-US" sz="6000" dirty="0" smtClean="0"/>
+              <a:t>	       </a:t>
+            </a:r>
+            <a:r>
+              <a:rPr lang="en-US" sz="5400" noProof="1" smtClean="0"/>
+              <a:t>n</a:t>
+            </a:r>
+            <a:r>
+              <a:rPr lang="en-US" sz="5400" baseline="30000" noProof="1" smtClean="0"/>
+              <a:t>k</a:t>
+            </a:r>
+            <a:endParaRPr lang="en-US" sz="5400" i="1" noProof="1" smtClean="0"/>
+          </a:p>
+        </p:txBody>
+      </p:sp>
+      <p:pic>
+        <p:nvPicPr>
+          <p:cNvPr id="3075" name="Picture 3"/>
+          <p:cNvPicPr>
+            <a:picLocks noChangeAspect="1" noChangeArrowheads="1"/>
+          </p:cNvPicPr>
+          <p:nvPr/>
+        </p:nvPicPr>
+        <p:blipFill>
+          <a:blip r:embed="rId2">
+            <a:extLst>
+              <a:ext uri="{BEBA8EAE-BF5A-486C-A8C5-ECC9F3942E4B}">
+                <a14:imgProps xmlns:a14="http://schemas.microsoft.com/office/drawing/2010/main">
+                  <a14:imgLayer r:embed="rId3">
+                    <a14:imgEffect>
+                      <a14:brightnessContrast contrast="20000"/>
+                    </a14:imgEffect>
+                  </a14:imgLayer>
+                </a14:imgProps>
+              </a:ext>
+              <a:ext uri="{28A0092B-C50C-407E-A947-70E740481C1C}">
+                <a14:useLocalDpi xmlns:a14="http://schemas.microsoft.com/office/drawing/2010/main" val="0"/>
+              </a:ext>
+            </a:extLst>
+          </a:blip>
+          <a:srcRect/>
+          <a:stretch>
+            <a:fillRect/>
+          </a:stretch>
+        </p:blipFill>
+        <p:spPr bwMode="auto">
+          <a:xfrm>
+            <a:off x="6346683" y="1066801"/>
+            <a:ext cx="2232310" cy="5381624"/>
+          </a:xfrm>
+          <a:prstGeom prst="rect">
+            <a:avLst/>
+          </a:prstGeom>
+          <a:noFill/>
+          <a:ln>
+            <a:noFill/>
+          </a:ln>
+          <a:effectLst/>
+          <a:extLst>
+            <a:ext uri="{909E8E84-426E-40DD-AFC4-6F175D3DCCD1}">
+              <a14:hiddenFill xmlns:a14="http://schemas.microsoft.com/office/drawing/2010/main">
+                <a:solidFill>
+                  <a:schemeClr val="accent1"/>
+                </a:solidFill>
+              </a14:hiddenFill>
+            </a:ext>
+            <a:ext uri="{91240B29-F687-4F45-9708-019B960494DF}">
+              <a14:hiddenLine xmlns:a14="http://schemas.microsoft.com/office/drawing/2010/main" w="9525">
+                <a:solidFill>
+                  <a:schemeClr val="tx1"/>
+                </a:solidFill>
+                <a:miter lim="800000"/>
+                <a:headEnd/>
+                <a:tailEnd/>
+              </a14:hiddenLine>
+            </a:ext>
+            <a:ext uri="{AF507438-7753-43E0-B8FC-AC1667EBCBE1}">
+              <a14:hiddenEffects xmlns:a14="http://schemas.microsoft.com/office/drawing/2010/main">
+                <a:effectLst>
+                  <a:outerShdw dist="35921" dir="2700000" algn="ctr" rotWithShape="0">
+                    <a:schemeClr val="bg2"/>
+                  </a:outerShdw>
+                </a:effectLst>
+              </a14:hiddenEffects>
+            </a:ext>
+          </a:extLst>
+        </p:spPr>
+      </p:pic>
+      <p:sp>
+        <p:nvSpPr>
+          <p:cNvPr id="6" name="Slide Number Placeholder 3"/>
+          <p:cNvSpPr>
+            <a:spLocks noGrp="1"/>
+          </p:cNvSpPr>
+          <p:nvPr>
+            <p:ph type="sldNum" sz="quarter" idx="10"/>
+          </p:nvPr>
+        </p:nvSpPr>
+        <p:spPr>
+          <a:xfrm>
+            <a:off x="8610600" y="6553200"/>
+            <a:ext cx="457200" cy="228600"/>
+          </a:xfrm>
+        </p:spPr>
+        <p:txBody>
+          <a:bodyPr/>
+          <a:lstStyle/>
+          <a:p>
+            <a:pPr>
+              <a:defRPr/>
+            </a:pPr>
+            <a:fld id="{58452FF4-89E3-4D1B-9927-2DBDC00E58D7}" type="slidenum">
+              <a:rPr lang="en-US" smtClean="0"/>
+              <a:pPr>
+                <a:defRPr/>
+              </a:pPr>
+              <a:t>10</a:t>
+            </a:fld>
+            <a:endParaRPr lang="en-US" dirty="0"/>
+          </a:p>
+        </p:txBody>
+      </p:sp>
+    </p:spTree>
+    <p:extLst>
+      <p:ext uri="{BB962C8B-B14F-4D97-AF65-F5344CB8AC3E}">
+        <p14:creationId xmlns:p14="http://schemas.microsoft.com/office/powerpoint/2010/main" val="1749888822"/>
+      </p:ext>
+    </p:extLst>
+  </p:cSld>
+  <p:clrMapOvr>
+    <a:masterClrMapping/>
+  </p:clrMapOvr>
+  <p:timing>
+    <p:tnLst>
+      <p:par>
+        <p:cTn id="1" dur="indefinite" restart="never" nodeType="tmRoot"/>
+      </p:par>
+    </p:tnLst>
+  </p:timing>
+</p:sld>
+</file>
+
+<file path=ppt/slides/slide11.xml><?xml version="1.0" encoding="utf-8"?>
+<p:sld xmlns:a="http://schemas.openxmlformats.org/drawingml/2006/main" xmlns:r="http://schemas.openxmlformats.org/officeDocument/2006/relationships" xmlns:p="http://schemas.openxmlformats.org/presentationml/2006/main">
+  <p:cSld>
+    <p:spTree>
+      <p:nvGrpSpPr>
+        <p:cNvPr id="1" name=""/>
+        <p:cNvGrpSpPr/>
+        <p:nvPr/>
+      </p:nvGrpSpPr>
+      <p:grpSpPr>
+        <a:xfrm>
+          <a:off x="0" y="0"/>
+          <a:ext cx="0" cy="0"/>
+          <a:chOff x="0" y="0"/>
+          <a:chExt cx="0" cy="0"/>
+        </a:xfrm>
+      </p:grpSpPr>
+      <p:sp>
+        <p:nvSpPr>
+          <p:cNvPr id="2" name="Title 1"/>
+          <p:cNvSpPr>
+            <a:spLocks noGrp="1"/>
+          </p:cNvSpPr>
+          <p:nvPr>
+            <p:ph type="title"/>
+          </p:nvPr>
+        </p:nvSpPr>
+        <p:spPr/>
+        <p:txBody>
+          <a:bodyPr/>
+          <a:lstStyle/>
+          <a:p>
+            <a:r>
+              <a:rPr lang="en-US" dirty="0" smtClean="0"/>
+              <a:t>Variations (2)</a:t>
+            </a:r>
+            <a:endParaRPr lang="en-US" dirty="0"/>
+          </a:p>
+        </p:txBody>
+      </p:sp>
+      <p:sp>
+        <p:nvSpPr>
+          <p:cNvPr id="3" name="Content Placeholder 2"/>
+          <p:cNvSpPr>
+            <a:spLocks noGrp="1"/>
+          </p:cNvSpPr>
+          <p:nvPr>
+            <p:ph idx="1"/>
+          </p:nvPr>
+        </p:nvSpPr>
+        <p:spPr/>
+        <p:txBody>
+          <a:bodyPr/>
+          <a:lstStyle/>
+          <a:p>
+            <a:r>
+              <a:rPr lang="en-US" dirty="0" smtClean="0"/>
+              <a:t>Example</a:t>
+            </a:r>
+            <a:r>
+              <a:rPr lang="en-US" dirty="0"/>
+              <a:t>: in the lock </a:t>
+            </a:r>
+            <a:r>
+              <a:rPr lang="en-US" dirty="0" smtClean="0"/>
+              <a:t>below, </a:t>
+            </a:r>
+            <a:r>
+              <a:rPr lang="en-US" dirty="0"/>
+              <a:t>there are 10 numbers to choose from (0</a:t>
+            </a:r>
+            <a:r>
+              <a:rPr lang="en-US" dirty="0" smtClean="0"/>
+              <a:t>, 1, … 9</a:t>
+            </a:r>
+            <a:r>
+              <a:rPr lang="en-US" dirty="0"/>
+              <a:t>) and you choose 3 of them:</a:t>
+            </a:r>
+          </a:p>
+          <a:p>
+            <a:pPr lvl="1"/>
+            <a:r>
+              <a:rPr lang="en-US" dirty="0"/>
+              <a:t>10 × 10 × </a:t>
+            </a:r>
+            <a:r>
+              <a:rPr lang="en-US" dirty="0" smtClean="0"/>
+              <a:t>10 </a:t>
+            </a:r>
+            <a:r>
+              <a:rPr lang="en-US" dirty="0"/>
+              <a:t>(3 times) = </a:t>
+            </a:r>
+            <a:r>
+              <a:rPr lang="en-US" i="1" dirty="0">
+                <a:solidFill>
+                  <a:schemeClr val="accent5">
+                    <a:lumMod val="20000"/>
+                    <a:lumOff val="80000"/>
+                  </a:schemeClr>
+                </a:solidFill>
+                <a:latin typeface="Consolas" panose="020B0609020204030204" pitchFamily="49" charset="0"/>
+                <a:cs typeface="Consolas" panose="020B0609020204030204" pitchFamily="49" charset="0"/>
+              </a:rPr>
+              <a:t>10</a:t>
+            </a:r>
+            <a:r>
+              <a:rPr lang="en-US" i="1" baseline="30000" dirty="0">
+                <a:solidFill>
+                  <a:schemeClr val="accent5">
+                    <a:lumMod val="20000"/>
+                    <a:lumOff val="80000"/>
+                  </a:schemeClr>
+                </a:solidFill>
+                <a:latin typeface="Consolas" panose="020B0609020204030204" pitchFamily="49" charset="0"/>
+                <a:cs typeface="Consolas" panose="020B0609020204030204" pitchFamily="49" charset="0"/>
+              </a:rPr>
+              <a:t>3</a:t>
+            </a:r>
+            <a:r>
+              <a:rPr lang="en-US" dirty="0"/>
+              <a:t> = </a:t>
+            </a:r>
+            <a:r>
+              <a:rPr lang="en-US" dirty="0" smtClean="0"/>
+              <a:t>1 000 variations</a:t>
+            </a:r>
+            <a:endParaRPr lang="en-US" dirty="0"/>
+          </a:p>
+          <a:p>
+            <a:endParaRPr lang="en-US" dirty="0" smtClean="0"/>
+          </a:p>
+          <a:p>
+            <a:endParaRPr lang="en-US" dirty="0"/>
+          </a:p>
+          <a:p>
+            <a:endParaRPr lang="en-US" dirty="0" smtClean="0"/>
+          </a:p>
+          <a:p>
+            <a:endParaRPr lang="en-US" dirty="0" smtClean="0"/>
+          </a:p>
+          <a:p>
+            <a:r>
+              <a:rPr lang="en-US" dirty="0" smtClean="0"/>
+              <a:t>All variations from (0, 0, 0) to (9, 9, 9) </a:t>
+            </a:r>
+            <a:endParaRPr lang="en-US" dirty="0"/>
+          </a:p>
+        </p:txBody>
+      </p:sp>
+      <p:sp>
+        <p:nvSpPr>
+          <p:cNvPr id="4" name="Slide Number Placeholder 3"/>
+          <p:cNvSpPr>
+            <a:spLocks noGrp="1"/>
+          </p:cNvSpPr>
+          <p:nvPr>
+            <p:ph type="sldNum" sz="quarter" idx="10"/>
+          </p:nvPr>
+        </p:nvSpPr>
+        <p:spPr/>
+        <p:txBody>
+          <a:bodyPr/>
+          <a:lstStyle/>
+          <a:p>
+            <a:pPr>
+              <a:defRPr/>
+            </a:pPr>
+            <a:fld id="{58452FF4-89E3-4D1B-9927-2DBDC00E58D7}" type="slidenum">
+              <a:rPr lang="en-US" smtClean="0"/>
+              <a:pPr>
+                <a:defRPr/>
+              </a:pPr>
+              <a:t>11</a:t>
+            </a:fld>
+            <a:endParaRPr lang="en-US" dirty="0"/>
+          </a:p>
+        </p:txBody>
+      </p:sp>
+      <p:pic>
+        <p:nvPicPr>
+          <p:cNvPr id="4099" name="Picture 3"/>
+          <p:cNvPicPr>
+            <a:picLocks noChangeAspect="1" noChangeArrowheads="1"/>
+          </p:cNvPicPr>
+          <p:nvPr/>
+        </p:nvPicPr>
+        <p:blipFill>
+          <a:blip r:embed="rId2">
+            <a:extLst>
+              <a:ext uri="{28A0092B-C50C-407E-A947-70E740481C1C}">
+                <a14:useLocalDpi xmlns:a14="http://schemas.microsoft.com/office/drawing/2010/main" val="0"/>
+              </a:ext>
+            </a:extLst>
+          </a:blip>
+          <a:srcRect/>
+          <a:stretch>
+            <a:fillRect/>
+          </a:stretch>
+        </p:blipFill>
+        <p:spPr bwMode="auto">
+          <a:xfrm>
+            <a:off x="2362200" y="3381500"/>
+            <a:ext cx="4419600" cy="2341006"/>
+          </a:xfrm>
+          <a:prstGeom prst="rect">
+            <a:avLst/>
+          </a:prstGeom>
+          <a:noFill/>
+          <a:ln>
+            <a:noFill/>
+          </a:ln>
+          <a:effectLst>
+            <a:softEdge rad="63500"/>
+          </a:effectLst>
+          <a:extLst>
+            <a:ext uri="{909E8E84-426E-40DD-AFC4-6F175D3DCCD1}">
+              <a14:hiddenFill xmlns:a14="http://schemas.microsoft.com/office/drawing/2010/main">
+                <a:solidFill>
+                  <a:schemeClr val="accent1"/>
+                </a:solidFill>
+              </a14:hiddenFill>
+            </a:ext>
+            <a:ext uri="{91240B29-F687-4F45-9708-019B960494DF}">
+              <a14:hiddenLine xmlns:a14="http://schemas.microsoft.com/office/drawing/2010/main" w="9525">
+                <a:solidFill>
+                  <a:schemeClr val="tx1"/>
+                </a:solidFill>
+                <a:miter lim="800000"/>
+                <a:headEnd/>
+                <a:tailEnd/>
+              </a14:hiddenLine>
+            </a:ext>
+          </a:extLst>
+        </p:spPr>
+      </p:pic>
+    </p:spTree>
+    <p:extLst>
+      <p:ext uri="{BB962C8B-B14F-4D97-AF65-F5344CB8AC3E}">
+        <p14:creationId xmlns:p14="http://schemas.microsoft.com/office/powerpoint/2010/main" val="2925390646"/>
+      </p:ext>
+    </p:extLst>
+  </p:cSld>
+  <p:clrMapOvr>
+    <a:masterClrMapping/>
+  </p:clrMapOvr>
+  <p:timing>
+    <p:tnLst>
+      <p:par>
+        <p:cTn id="1" dur="indefinite" restart="never" nodeType="tmRoot"/>
+      </p:par>
+    </p:tnLst>
+  </p:timing>
+</p:sld>
+</file>
+
+<file path=ppt/slides/slide12.xml><?xml version="1.0" encoding="utf-8"?>
+<p:sld xmlns:a="http://schemas.openxmlformats.org/drawingml/2006/main" xmlns:r="http://schemas.openxmlformats.org/officeDocument/2006/relationships" xmlns:p="http://schemas.openxmlformats.org/presentationml/2006/main">
+  <p:cSld>
+    <p:spTree>
+      <p:nvGrpSpPr>
+        <p:cNvPr id="1" name=""/>
+        <p:cNvGrpSpPr/>
+        <p:nvPr/>
+      </p:nvGrpSpPr>
+      <p:grpSpPr>
+        <a:xfrm>
+          <a:off x="0" y="0"/>
+          <a:ext cx="0" cy="0"/>
+          <a:chOff x="0" y="0"/>
+          <a:chExt cx="0" cy="0"/>
+        </a:xfrm>
+      </p:grpSpPr>
+      <p:sp>
+        <p:nvSpPr>
           <p:cNvPr id="6" name="Title 5"/>
           <p:cNvSpPr>
             <a:spLocks noGrp="1"/>
@@ -7386,7 +8221,7 @@
 </p:sld>
 </file>
 
-<file path=ppt/slides/slide11.xml><?xml version="1.0" encoding="utf-8"?>
+<file path=ppt/slides/slide13.xml><?xml version="1.0" encoding="utf-8"?>
 <p:sld xmlns:a="http://schemas.openxmlformats.org/drawingml/2006/main" xmlns:r="http://schemas.openxmlformats.org/officeDocument/2006/relationships" xmlns:p="http://schemas.openxmlformats.org/presentationml/2006/main">
   <p:cSld>
     <p:spTree>
@@ -7533,7 +8368,7 @@
 </p:sld>
 </file>
 
-<file path=ppt/slides/slide12.xml><?xml version="1.0" encoding="utf-8"?>
+<file path=ppt/slides/slide14.xml><?xml version="1.0" encoding="utf-8"?>
 <p:sld xmlns:a="http://schemas.openxmlformats.org/drawingml/2006/main" xmlns:r="http://schemas.openxmlformats.org/officeDocument/2006/relationships" xmlns:p="http://schemas.openxmlformats.org/presentationml/2006/main">
   <p:cSld>
     <p:spTree>
@@ -7799,7 +8634,7 @@
               <a:pPr>
                 <a:defRPr/>
               </a:pPr>
-              <a:t>12</a:t>
+              <a:t>14</a:t>
             </a:fld>
             <a:endParaRPr lang="en-US" dirty="0"/>
           </a:p>
@@ -7953,7 +8788,7 @@
 </p:sld>
 </file>
 
-<file path=ppt/slides/slide13.xml><?xml version="1.0" encoding="utf-8"?>
+<file path=ppt/slides/slide15.xml><?xml version="1.0" encoding="utf-8"?>
 <p:sld xmlns:a="http://schemas.openxmlformats.org/drawingml/2006/main" xmlns:r="http://schemas.openxmlformats.org/officeDocument/2006/relationships" xmlns:p="http://schemas.openxmlformats.org/presentationml/2006/main">
   <p:cSld>
     <p:spTree>
@@ -8167,7 +9002,7 @@
               <a:pPr>
                 <a:defRPr/>
               </a:pPr>
-              <a:t>13</a:t>
+              <a:t>15</a:t>
             </a:fld>
             <a:endParaRPr lang="en-US" dirty="0"/>
           </a:p>
@@ -8523,7 +9358,7 @@
 </p:sld>
 </file>
 
-<file path=ppt/slides/slide14.xml><?xml version="1.0" encoding="utf-8"?>
+<file path=ppt/slides/slide16.xml><?xml version="1.0" encoding="utf-8"?>
 <p:sld xmlns:a="http://schemas.openxmlformats.org/drawingml/2006/main" xmlns:r="http://schemas.openxmlformats.org/officeDocument/2006/relationships" xmlns:p="http://schemas.openxmlformats.org/presentationml/2006/main">
   <p:cSld>
     <p:spTree>
@@ -8822,7 +9657,7 @@
 </p:sld>
 </file>
 
-<file path=ppt/slides/slide15.xml><?xml version="1.0" encoding="utf-8"?>
+<file path=ppt/slides/slide17.xml><?xml version="1.0" encoding="utf-8"?>
 <p:sld xmlns:a="http://schemas.openxmlformats.org/drawingml/2006/main" xmlns:r="http://schemas.openxmlformats.org/officeDocument/2006/relationships" xmlns:p="http://schemas.openxmlformats.org/presentationml/2006/main">
   <p:cSld>
     <p:spTree>
@@ -8969,7 +9804,7 @@
 </p:sld>
 </file>
 
-<file path=ppt/slides/slide16.xml><?xml version="1.0" encoding="utf-8"?>
+<file path=ppt/slides/slide18.xml><?xml version="1.0" encoding="utf-8"?>
 <p:sld xmlns:a="http://schemas.openxmlformats.org/drawingml/2006/main" xmlns:r="http://schemas.openxmlformats.org/officeDocument/2006/relationships" xmlns:p="http://schemas.openxmlformats.org/presentationml/2006/main">
   <p:cSld>
     <p:spTree>
@@ -9230,7 +10065,7 @@
 </p:sld>
 </file>
 
-<file path=ppt/slides/slide17.xml><?xml version="1.0" encoding="utf-8"?>
+<file path=ppt/slides/slide19.xml><?xml version="1.0" encoding="utf-8"?>
 <p:sld xmlns:a="http://schemas.openxmlformats.org/drawingml/2006/main" xmlns:r="http://schemas.openxmlformats.org/officeDocument/2006/relationships" xmlns:p="http://schemas.openxmlformats.org/presentationml/2006/main">
   <p:cSld>
     <p:spTree>
@@ -9484,7 +10319,7 @@
               <a:pPr>
                 <a:defRPr/>
               </a:pPr>
-              <a:t>17</a:t>
+              <a:t>19</a:t>
             </a:fld>
             <a:endParaRPr lang="en-US" dirty="0"/>
           </a:p>
@@ -9575,427 +10410,6 @@
 </p:sld>
 </file>
 
-<file path=ppt/slides/slide18.xml><?xml version="1.0" encoding="utf-8"?>
-<p:sld xmlns:a="http://schemas.openxmlformats.org/drawingml/2006/main" xmlns:r="http://schemas.openxmlformats.org/officeDocument/2006/relationships" xmlns:p="http://schemas.openxmlformats.org/presentationml/2006/main">
-  <p:cSld>
-    <p:spTree>
-      <p:nvGrpSpPr>
-        <p:cNvPr id="1" name=""/>
-        <p:cNvGrpSpPr/>
-        <p:nvPr/>
-      </p:nvGrpSpPr>
-      <p:grpSpPr>
-        <a:xfrm>
-          <a:off x="0" y="0"/>
-          <a:ext cx="0" cy="0"/>
-          <a:chOff x="0" y="0"/>
-          <a:chExt cx="0" cy="0"/>
-        </a:xfrm>
-      </p:grpSpPr>
-      <p:sp>
-        <p:nvSpPr>
-          <p:cNvPr id="6" name="Title 5"/>
-          <p:cNvSpPr>
-            <a:spLocks noGrp="1"/>
-          </p:cNvSpPr>
-          <p:nvPr>
-            <p:ph type="title"/>
-          </p:nvPr>
-        </p:nvSpPr>
-        <p:spPr/>
-        <p:txBody>
-          <a:bodyPr/>
-          <a:lstStyle/>
-          <a:p>
-            <a:r>
-              <a:rPr lang="en-US" dirty="0" smtClean="0"/>
-              <a:t>Generating Permutations</a:t>
-            </a:r>
-            <a:endParaRPr lang="bg-BG" dirty="0"/>
-          </a:p>
-        </p:txBody>
-      </p:sp>
-      <p:sp>
-        <p:nvSpPr>
-          <p:cNvPr id="8" name="Text Placeholder 7"/>
-          <p:cNvSpPr>
-            <a:spLocks noGrp="1"/>
-          </p:cNvSpPr>
-          <p:nvPr>
-            <p:ph type="body" sz="quarter" idx="11"/>
-          </p:nvPr>
-        </p:nvSpPr>
-        <p:spPr>
-          <a:xfrm>
-            <a:off x="609600" y="1295400"/>
-            <a:ext cx="6781800" cy="4939814"/>
-          </a:xfrm>
-        </p:spPr>
-        <p:txBody>
-          <a:bodyPr/>
-          <a:lstStyle/>
-          <a:p>
-            <a:r>
-              <a:rPr lang="fr-FR" sz="2100" dirty="0"/>
-              <a:t>static void Perm&lt;T&gt;(T[] arr, int k)</a:t>
-            </a:r>
-          </a:p>
-          <a:p>
-            <a:r>
-              <a:rPr lang="bg-BG" sz="2100" dirty="0"/>
-              <a:t>{</a:t>
-            </a:r>
-          </a:p>
-          <a:p>
-            <a:r>
-              <a:rPr lang="fr-FR" sz="2100" dirty="0" smtClean="0"/>
-              <a:t>  if </a:t>
-            </a:r>
-            <a:r>
-              <a:rPr lang="fr-FR" sz="2100" dirty="0"/>
-              <a:t>(k &gt;= arr.Length)</a:t>
-            </a:r>
-          </a:p>
-          <a:p>
-            <a:r>
-              <a:rPr lang="fr-FR" sz="2100" dirty="0" smtClean="0"/>
-              <a:t>    Print(arr</a:t>
-            </a:r>
-            <a:r>
-              <a:rPr lang="fr-FR" sz="2100" dirty="0"/>
-              <a:t>);</a:t>
-            </a:r>
-          </a:p>
-          <a:p>
-            <a:r>
-              <a:rPr lang="fr-FR" sz="2100" dirty="0" smtClean="0"/>
-              <a:t>  else</a:t>
-            </a:r>
-            <a:endParaRPr lang="fr-FR" sz="2100" dirty="0"/>
-          </a:p>
-          <a:p>
-            <a:r>
-              <a:rPr lang="en-US" sz="2100" dirty="0" smtClean="0"/>
-              <a:t>  </a:t>
-            </a:r>
-            <a:r>
-              <a:rPr lang="bg-BG" sz="2100" dirty="0" smtClean="0"/>
-              <a:t>{</a:t>
-            </a:r>
-            <a:endParaRPr lang="bg-BG" sz="2100" dirty="0"/>
-          </a:p>
-          <a:p>
-            <a:r>
-              <a:rPr lang="fr-FR" sz="2100" dirty="0" smtClean="0"/>
-              <a:t>    Perm(arr</a:t>
-            </a:r>
-            <a:r>
-              <a:rPr lang="fr-FR" sz="2100" dirty="0"/>
-              <a:t>, k + 1);</a:t>
-            </a:r>
-          </a:p>
-          <a:p>
-            <a:r>
-              <a:rPr lang="nn-NO" sz="2100" dirty="0" smtClean="0"/>
-              <a:t>    for </a:t>
-            </a:r>
-            <a:r>
-              <a:rPr lang="nn-NO" sz="2100" dirty="0"/>
-              <a:t>(int i = k + 1; i &lt; arr.Length; i++)</a:t>
-            </a:r>
-          </a:p>
-          <a:p>
-            <a:r>
-              <a:rPr lang="en-US" sz="2100" dirty="0" smtClean="0"/>
-              <a:t>    </a:t>
-            </a:r>
-            <a:r>
-              <a:rPr lang="bg-BG" sz="2100" dirty="0" smtClean="0"/>
-              <a:t>{</a:t>
-            </a:r>
-            <a:endParaRPr lang="bg-BG" sz="2100" dirty="0"/>
-          </a:p>
-          <a:p>
-            <a:r>
-              <a:rPr lang="fr-FR" sz="2100" dirty="0" smtClean="0"/>
-              <a:t>      Swap(ref </a:t>
-            </a:r>
-            <a:r>
-              <a:rPr lang="fr-FR" sz="2100" dirty="0"/>
-              <a:t>arr[k], ref arr[i]);</a:t>
-            </a:r>
-          </a:p>
-          <a:p>
-            <a:r>
-              <a:rPr lang="fr-FR" sz="2100" dirty="0" smtClean="0"/>
-              <a:t>      Perm(arr</a:t>
-            </a:r>
-            <a:r>
-              <a:rPr lang="fr-FR" sz="2100" dirty="0"/>
-              <a:t>, k + 1);</a:t>
-            </a:r>
-          </a:p>
-          <a:p>
-            <a:r>
-              <a:rPr lang="fr-FR" sz="2100" dirty="0" smtClean="0"/>
-              <a:t>      Swap(ref </a:t>
-            </a:r>
-            <a:r>
-              <a:rPr lang="fr-FR" sz="2100" dirty="0"/>
-              <a:t>arr[k], ref arr[i]);</a:t>
-            </a:r>
-          </a:p>
-          <a:p>
-            <a:r>
-              <a:rPr lang="en-US" sz="2100" dirty="0" smtClean="0"/>
-              <a:t>    </a:t>
-            </a:r>
-            <a:r>
-              <a:rPr lang="bg-BG" sz="2100" dirty="0" smtClean="0"/>
-              <a:t>}</a:t>
-            </a:r>
-            <a:endParaRPr lang="bg-BG" sz="2100" dirty="0"/>
-          </a:p>
-          <a:p>
-            <a:r>
-              <a:rPr lang="en-US" sz="2100" dirty="0" smtClean="0"/>
-              <a:t>  </a:t>
-            </a:r>
-            <a:r>
-              <a:rPr lang="bg-BG" sz="2100" dirty="0" smtClean="0"/>
-              <a:t>}</a:t>
-            </a:r>
-            <a:endParaRPr lang="bg-BG" sz="2100" dirty="0"/>
-          </a:p>
-          <a:p>
-            <a:r>
-              <a:rPr lang="bg-BG" sz="2100" dirty="0"/>
-              <a:t>}</a:t>
-            </a:r>
-            <a:endParaRPr lang="bg-BG" sz="2100" dirty="0"/>
-          </a:p>
-        </p:txBody>
-      </p:sp>
-      <p:pic>
-        <p:nvPicPr>
-          <p:cNvPr id="6147" name="Picture 3"/>
-          <p:cNvPicPr>
-            <a:picLocks noChangeAspect="1" noChangeArrowheads="1"/>
-          </p:cNvPicPr>
-          <p:nvPr/>
-        </p:nvPicPr>
-        <p:blipFill>
-          <a:blip r:embed="rId2">
-            <a:extLst>
-              <a:ext uri="{28A0092B-C50C-407E-A947-70E740481C1C}">
-                <a14:useLocalDpi xmlns:a14="http://schemas.microsoft.com/office/drawing/2010/main" val="0"/>
-              </a:ext>
-            </a:extLst>
-          </a:blip>
-          <a:srcRect/>
-          <a:stretch>
-            <a:fillRect/>
-          </a:stretch>
-        </p:blipFill>
-        <p:spPr bwMode="auto">
-          <a:xfrm>
-            <a:off x="7669022" y="1406981"/>
-            <a:ext cx="1093978" cy="4713754"/>
-          </a:xfrm>
-          <a:prstGeom prst="rect">
-            <a:avLst/>
-          </a:prstGeom>
-          <a:ln>
-            <a:noFill/>
-          </a:ln>
-          <a:effectLst>
-            <a:outerShdw blurRad="190500" algn="tl" rotWithShape="0">
-              <a:srgbClr val="000000">
-                <a:alpha val="70000"/>
-              </a:srgbClr>
-            </a:outerShdw>
-          </a:effectLst>
-          <a:extLst>
-            <a:ext uri="{909E8E84-426E-40DD-AFC4-6F175D3DCCD1}">
-              <a14:hiddenFill xmlns:a14="http://schemas.microsoft.com/office/drawing/2010/main">
-                <a:solidFill>
-                  <a:schemeClr val="accent1"/>
-                </a:solidFill>
-              </a14:hiddenFill>
-            </a:ext>
-            <a:ext uri="{91240B29-F687-4F45-9708-019B960494DF}">
-              <a14:hiddenLine xmlns:a14="http://schemas.microsoft.com/office/drawing/2010/main" w="9525">
-                <a:solidFill>
-                  <a:schemeClr val="tx1"/>
-                </a:solidFill>
-                <a:miter lim="800000"/>
-                <a:headEnd/>
-                <a:tailEnd/>
-              </a14:hiddenLine>
-            </a:ext>
-          </a:extLst>
-        </p:spPr>
-      </p:pic>
-    </p:spTree>
-    <p:extLst>
-      <p:ext uri="{BB962C8B-B14F-4D97-AF65-F5344CB8AC3E}">
-        <p14:creationId xmlns:p14="http://schemas.microsoft.com/office/powerpoint/2010/main" val="49663460"/>
-      </p:ext>
-    </p:extLst>
-  </p:cSld>
-  <p:clrMapOvr>
-    <a:masterClrMapping/>
-  </p:clrMapOvr>
-  <p:timing>
-    <p:tnLst>
-      <p:par>
-        <p:cTn id="1" dur="indefinite" restart="never" nodeType="tmRoot"/>
-      </p:par>
-    </p:tnLst>
-  </p:timing>
-</p:sld>
-</file>
-
-<file path=ppt/slides/slide19.xml><?xml version="1.0" encoding="utf-8"?>
-<p:sld xmlns:a="http://schemas.openxmlformats.org/drawingml/2006/main" xmlns:r="http://schemas.openxmlformats.org/officeDocument/2006/relationships" xmlns:p="http://schemas.openxmlformats.org/presentationml/2006/main">
-  <p:cSld>
-    <p:spTree>
-      <p:nvGrpSpPr>
-        <p:cNvPr id="1" name=""/>
-        <p:cNvGrpSpPr/>
-        <p:nvPr/>
-      </p:nvGrpSpPr>
-      <p:grpSpPr>
-        <a:xfrm>
-          <a:off x="0" y="0"/>
-          <a:ext cx="0" cy="0"/>
-          <a:chOff x="0" y="0"/>
-          <a:chExt cx="0" cy="0"/>
-        </a:xfrm>
-      </p:grpSpPr>
-      <p:sp>
-        <p:nvSpPr>
-          <p:cNvPr id="6" name="Title 5"/>
-          <p:cNvSpPr>
-            <a:spLocks noGrp="1"/>
-          </p:cNvSpPr>
-          <p:nvPr>
-            <p:ph type="ctrTitle"/>
-          </p:nvPr>
-        </p:nvSpPr>
-        <p:spPr>
-          <a:xfrm>
-            <a:off x="609600" y="1219200"/>
-            <a:ext cx="7924800" cy="914400"/>
-          </a:xfrm>
-        </p:spPr>
-        <p:txBody>
-          <a:bodyPr/>
-          <a:lstStyle/>
-          <a:p>
-            <a:r>
-              <a:rPr lang="en-US" sz="5400" dirty="0" smtClean="0"/>
-              <a:t>Generating Permutations</a:t>
-            </a:r>
-            <a:endParaRPr lang="bg-BG" dirty="0"/>
-          </a:p>
-        </p:txBody>
-      </p:sp>
-      <p:sp>
-        <p:nvSpPr>
-          <p:cNvPr id="7" name="Subtitle 6"/>
-          <p:cNvSpPr>
-            <a:spLocks noGrp="1"/>
-          </p:cNvSpPr>
-          <p:nvPr>
-            <p:ph type="subTitle" idx="1"/>
-          </p:nvPr>
-        </p:nvSpPr>
-        <p:spPr>
-          <a:xfrm>
-            <a:off x="609600" y="2209800"/>
-            <a:ext cx="7924800" cy="569120"/>
-          </a:xfrm>
-        </p:spPr>
-        <p:txBody>
-          <a:bodyPr/>
-          <a:lstStyle/>
-          <a:p>
-            <a:r>
-              <a:rPr lang="en-US" dirty="0" smtClean="0"/>
-              <a:t>Live Demo</a:t>
-            </a:r>
-            <a:endParaRPr lang="bg-BG" dirty="0"/>
-          </a:p>
-        </p:txBody>
-      </p:sp>
-      <p:pic>
-        <p:nvPicPr>
-          <p:cNvPr id="7170" name="Picture 2"/>
-          <p:cNvPicPr>
-            <a:picLocks noChangeAspect="1" noChangeArrowheads="1"/>
-          </p:cNvPicPr>
-          <p:nvPr/>
-        </p:nvPicPr>
-        <p:blipFill>
-          <a:blip r:embed="rId2">
-            <a:extLst>
-              <a:ext uri="{28A0092B-C50C-407E-A947-70E740481C1C}">
-                <a14:useLocalDpi xmlns:a14="http://schemas.microsoft.com/office/drawing/2010/main" val="0"/>
-              </a:ext>
-            </a:extLst>
-          </a:blip>
-          <a:srcRect/>
-          <a:stretch>
-            <a:fillRect/>
-          </a:stretch>
-        </p:blipFill>
-        <p:spPr bwMode="auto">
-          <a:xfrm>
-            <a:off x="1385455" y="3048000"/>
-            <a:ext cx="6366740" cy="3124200"/>
-          </a:xfrm>
-          <a:prstGeom prst="rect">
-            <a:avLst/>
-          </a:prstGeom>
-          <a:noFill/>
-          <a:ln>
-            <a:noFill/>
-          </a:ln>
-          <a:extLst>
-            <a:ext uri="{909E8E84-426E-40DD-AFC4-6F175D3DCCD1}">
-              <a14:hiddenFill xmlns:a14="http://schemas.microsoft.com/office/drawing/2010/main">
-                <a:solidFill>
-                  <a:schemeClr val="accent1"/>
-                </a:solidFill>
-              </a14:hiddenFill>
-            </a:ext>
-            <a:ext uri="{91240B29-F687-4F45-9708-019B960494DF}">
-              <a14:hiddenLine xmlns:a14="http://schemas.microsoft.com/office/drawing/2010/main" w="9525">
-                <a:solidFill>
-                  <a:schemeClr val="tx1"/>
-                </a:solidFill>
-                <a:miter lim="800000"/>
-                <a:headEnd/>
-                <a:tailEnd/>
-              </a14:hiddenLine>
-            </a:ext>
-          </a:extLst>
-        </p:spPr>
-      </p:pic>
-    </p:spTree>
-    <p:extLst>
-      <p:ext uri="{BB962C8B-B14F-4D97-AF65-F5344CB8AC3E}">
-        <p14:creationId xmlns:p14="http://schemas.microsoft.com/office/powerpoint/2010/main" val="2304678170"/>
-      </p:ext>
-    </p:extLst>
-  </p:cSld>
-  <p:clrMapOvr>
-    <a:masterClrMapping/>
-  </p:clrMapOvr>
-</p:sld>
-</file>
-
 <file path=ppt/slides/slide2.xml><?xml version="1.0" encoding="utf-8"?>
 <p:sld xmlns:a="http://schemas.openxmlformats.org/drawingml/2006/main" xmlns:r="http://schemas.openxmlformats.org/officeDocument/2006/relationships" xmlns:p="http://schemas.openxmlformats.org/presentationml/2006/main">
   <p:cSld>
@@ -10048,7 +10462,7 @@
         </p:nvSpPr>
         <p:spPr>
           <a:xfrm>
-            <a:off x="228600" y="1066800"/>
+            <a:off x="228600" y="1219200"/>
             <a:ext cx="8686800" cy="5562600"/>
           </a:xfrm>
         </p:spPr>
@@ -10131,19 +10545,6 @@
             <a:r>
               <a:rPr lang="en-US" dirty="0" smtClean="0"/>
               <a:t>Resources</a:t>
-            </a:r>
-          </a:p>
-          <a:p>
-            <a:pPr marL="442913" indent="-442913">
-              <a:lnSpc>
-                <a:spcPts val="4500"/>
-              </a:lnSpc>
-              <a:buFontTx/>
-              <a:buAutoNum type="arabicPeriod"/>
-            </a:pPr>
-            <a:r>
-              <a:rPr lang="en-US" dirty="0" smtClean="0"/>
-              <a:t>Test Questions</a:t>
             </a:r>
           </a:p>
         </p:txBody>
@@ -10245,7 +10646,7 @@
       </p:grpSpPr>
       <p:sp>
         <p:nvSpPr>
-          <p:cNvPr id="2" name="Title 1"/>
+          <p:cNvPr id="6" name="Title 5"/>
           <p:cNvSpPr>
             <a:spLocks noGrp="1"/>
           </p:cNvSpPr>
@@ -10259,362 +10660,237 @@
           <a:lstStyle/>
           <a:p>
             <a:r>
-              <a:rPr lang="en-US" sz="3800" dirty="0" smtClean="0"/>
-              <a:t>Permutations with Repetitions</a:t>
-            </a:r>
-            <a:endParaRPr lang="en-US" sz="3800" dirty="0"/>
+              <a:rPr lang="en-US" dirty="0" smtClean="0"/>
+              <a:t>Generating Permutations</a:t>
+            </a:r>
+            <a:endParaRPr lang="bg-BG" dirty="0"/>
           </a:p>
         </p:txBody>
       </p:sp>
       <p:sp>
         <p:nvSpPr>
-          <p:cNvPr id="3" name="Content Placeholder 2"/>
+          <p:cNvPr id="8" name="Text Placeholder 7"/>
           <p:cNvSpPr>
             <a:spLocks noGrp="1"/>
           </p:cNvSpPr>
           <p:nvPr>
-            <p:ph idx="1"/>
+            <p:ph type="body" sz="quarter" idx="11"/>
           </p:nvPr>
         </p:nvSpPr>
-        <p:spPr/>
+        <p:spPr>
+          <a:xfrm>
+            <a:off x="609600" y="1295400"/>
+            <a:ext cx="6781800" cy="4939814"/>
+          </a:xfrm>
+        </p:spPr>
         <p:txBody>
           <a:bodyPr/>
           <a:lstStyle/>
           <a:p>
-            <a:pPr>
-              <a:lnSpc>
-                <a:spcPct val="110000"/>
-              </a:lnSpc>
-              <a:spcBef>
-                <a:spcPts val="0"/>
-              </a:spcBef>
-              <a:spcAft>
-                <a:spcPts val="0"/>
-              </a:spcAft>
-            </a:pPr>
-            <a:r>
-              <a:rPr lang="en-US" sz="2800" dirty="0" smtClean="0"/>
-              <a:t>We have a set of elements, with repetitions</a:t>
-            </a:r>
-          </a:p>
-          <a:p>
-            <a:pPr lvl="1">
-              <a:lnSpc>
-                <a:spcPct val="110000"/>
-              </a:lnSpc>
-              <a:spcBef>
-                <a:spcPts val="0"/>
-              </a:spcBef>
-              <a:spcAft>
-                <a:spcPts val="0"/>
-              </a:spcAft>
-            </a:pPr>
-            <a:r>
-              <a:rPr lang="en-US" sz="2800" dirty="0" smtClean="0"/>
-              <a:t>E. g. set = </a:t>
-            </a:r>
-            <a:r>
-              <a:rPr lang="en-US" sz="2800" noProof="1" smtClean="0"/>
-              <a:t>{ 3, 5, 1, 5, 5 }</a:t>
-            </a:r>
-          </a:p>
-          <a:p>
-            <a:pPr>
-              <a:lnSpc>
-                <a:spcPct val="110000"/>
-              </a:lnSpc>
-              <a:spcBef>
-                <a:spcPts val="1200"/>
-              </a:spcBef>
-              <a:spcAft>
-                <a:spcPts val="0"/>
-              </a:spcAft>
-            </a:pPr>
-            <a:r>
-              <a:rPr lang="en-US" sz="2800" dirty="0" smtClean="0"/>
-              <a:t>We want to generate all unique permutations (without duplicates):</a:t>
-            </a:r>
-          </a:p>
-          <a:p>
-            <a:pPr marL="347663" lvl="1" indent="0">
-              <a:lnSpc>
-                <a:spcPct val="110000"/>
-              </a:lnSpc>
-              <a:spcAft>
-                <a:spcPts val="0"/>
-              </a:spcAft>
-              <a:buNone/>
-            </a:pPr>
-            <a:r>
-              <a:rPr lang="en-US" sz="2600" dirty="0"/>
-              <a:t>{ 1, 3, 5, 5, 5 }   </a:t>
-            </a:r>
-            <a:r>
-              <a:rPr lang="en-US" sz="2600" dirty="0" smtClean="0"/>
-              <a:t>{ </a:t>
-            </a:r>
-            <a:r>
-              <a:rPr lang="en-US" sz="2600" dirty="0"/>
-              <a:t>1, 5, 3, 5, 5 </a:t>
-            </a:r>
-            <a:r>
-              <a:rPr lang="en-US" sz="2600" dirty="0" smtClean="0"/>
-              <a:t>}   { </a:t>
-            </a:r>
-            <a:r>
-              <a:rPr lang="en-US" sz="2600" dirty="0"/>
-              <a:t>1, 5, 5, 3, 5 </a:t>
-            </a:r>
-            <a:r>
-              <a:rPr lang="en-US" sz="2600" dirty="0" smtClean="0"/>
-              <a:t>}   </a:t>
-            </a:r>
-            <a:r>
-              <a:rPr lang="en-US" sz="2600" dirty="0"/>
-              <a:t>{ 1, 5, 5, 5, 3 }</a:t>
-            </a:r>
-          </a:p>
-          <a:p>
-            <a:pPr marL="347663" lvl="1" indent="0">
-              <a:lnSpc>
-                <a:spcPct val="110000"/>
-              </a:lnSpc>
-              <a:spcAft>
-                <a:spcPts val="0"/>
-              </a:spcAft>
-              <a:buNone/>
-            </a:pPr>
-            <a:r>
-              <a:rPr lang="en-US" sz="2600" dirty="0"/>
-              <a:t>{ 3, 1, 5, 5, 5 }   </a:t>
-            </a:r>
-            <a:r>
-              <a:rPr lang="en-US" sz="2600" dirty="0" smtClean="0"/>
-              <a:t>{ </a:t>
-            </a:r>
-            <a:r>
-              <a:rPr lang="en-US" sz="2600" dirty="0"/>
-              <a:t>3, 5, 1, 5, 5 </a:t>
-            </a:r>
-            <a:r>
-              <a:rPr lang="en-US" sz="2600" dirty="0" smtClean="0"/>
-              <a:t>}   { </a:t>
-            </a:r>
-            <a:r>
-              <a:rPr lang="en-US" sz="2600" dirty="0"/>
-              <a:t>3, 5, 5, 1, 5 }  </a:t>
-            </a:r>
-            <a:r>
-              <a:rPr lang="en-US" sz="2600" dirty="0" smtClean="0"/>
-              <a:t> </a:t>
-            </a:r>
-            <a:r>
-              <a:rPr lang="en-US" sz="2600" dirty="0"/>
-              <a:t>{ 3, 5, 5, 5, 1 }</a:t>
-            </a:r>
-          </a:p>
-          <a:p>
-            <a:pPr marL="347663" lvl="1" indent="0">
-              <a:lnSpc>
-                <a:spcPct val="110000"/>
-              </a:lnSpc>
-              <a:spcAft>
-                <a:spcPts val="0"/>
-              </a:spcAft>
-              <a:buNone/>
-            </a:pPr>
-            <a:r>
-              <a:rPr lang="en-US" sz="2600" dirty="0"/>
-              <a:t>{ 5, 1, 3, 5, 5 }   </a:t>
-            </a:r>
-            <a:r>
-              <a:rPr lang="en-US" sz="2600" dirty="0" smtClean="0"/>
-              <a:t>{ </a:t>
-            </a:r>
-            <a:r>
-              <a:rPr lang="en-US" sz="2600" dirty="0"/>
-              <a:t>5, 1, 5, 3, 5 </a:t>
-            </a:r>
-            <a:r>
-              <a:rPr lang="en-US" sz="2600" dirty="0" smtClean="0"/>
-              <a:t>}   { </a:t>
-            </a:r>
-            <a:r>
-              <a:rPr lang="en-US" sz="2600" dirty="0"/>
-              <a:t>5, 1, 5, 5, 3 }   </a:t>
-            </a:r>
-            <a:r>
-              <a:rPr lang="en-US" sz="2600" dirty="0" smtClean="0"/>
-              <a:t>{ </a:t>
-            </a:r>
-            <a:r>
-              <a:rPr lang="en-US" sz="2600" dirty="0"/>
-              <a:t>5, 3, 1, 5, 5 }</a:t>
-            </a:r>
-          </a:p>
-          <a:p>
-            <a:pPr marL="347663" lvl="1" indent="0">
-              <a:lnSpc>
-                <a:spcPct val="110000"/>
-              </a:lnSpc>
-              <a:spcAft>
-                <a:spcPts val="0"/>
-              </a:spcAft>
-              <a:buNone/>
-            </a:pPr>
-            <a:r>
-              <a:rPr lang="en-US" sz="2600" dirty="0"/>
-              <a:t>{ 5, 3, 5, 1, 5 }   </a:t>
-            </a:r>
-            <a:r>
-              <a:rPr lang="en-US" sz="2600" dirty="0" smtClean="0"/>
-              <a:t>{ </a:t>
-            </a:r>
-            <a:r>
-              <a:rPr lang="en-US" sz="2600" dirty="0"/>
-              <a:t>5, 3, 5, 5, 1 </a:t>
-            </a:r>
-            <a:r>
-              <a:rPr lang="en-US" sz="2600" dirty="0" smtClean="0"/>
-              <a:t>}   { </a:t>
-            </a:r>
-            <a:r>
-              <a:rPr lang="en-US" sz="2600" dirty="0"/>
-              <a:t>5, 5, 1, 3, 5 }   </a:t>
-            </a:r>
-            <a:r>
-              <a:rPr lang="en-US" sz="2600" dirty="0" smtClean="0"/>
-              <a:t>{ </a:t>
-            </a:r>
-            <a:r>
-              <a:rPr lang="en-US" sz="2600" dirty="0"/>
-              <a:t>5, 5, 1, 5, 3 }</a:t>
-            </a:r>
-          </a:p>
-          <a:p>
-            <a:pPr marL="347663" lvl="1" indent="0">
-              <a:lnSpc>
-                <a:spcPct val="110000"/>
-              </a:lnSpc>
-              <a:spcAft>
-                <a:spcPts val="0"/>
-              </a:spcAft>
-              <a:buNone/>
-            </a:pPr>
-            <a:r>
-              <a:rPr lang="en-US" sz="2600" dirty="0"/>
-              <a:t>{ 5, </a:t>
-            </a:r>
-            <a:r>
-              <a:rPr lang="en-US" sz="2600" dirty="0" smtClean="0"/>
-              <a:t>5, </a:t>
-            </a:r>
-            <a:r>
-              <a:rPr lang="en-US" sz="2600" dirty="0"/>
-              <a:t>3, 1, 5 }   </a:t>
-            </a:r>
-            <a:r>
-              <a:rPr lang="en-US" sz="2600" dirty="0" smtClean="0"/>
-              <a:t>{ </a:t>
-            </a:r>
-            <a:r>
-              <a:rPr lang="en-US" sz="2600" dirty="0"/>
-              <a:t>5, 5, 3, 5, 1 </a:t>
-            </a:r>
-            <a:r>
-              <a:rPr lang="en-US" sz="2600" dirty="0" smtClean="0"/>
-              <a:t>}   { </a:t>
-            </a:r>
-            <a:r>
-              <a:rPr lang="en-US" sz="2600" dirty="0"/>
-              <a:t>5, 5, 5, 1, 3 }   </a:t>
-            </a:r>
-            <a:r>
-              <a:rPr lang="en-US" sz="2600" dirty="0" smtClean="0"/>
-              <a:t>{ </a:t>
-            </a:r>
-            <a:r>
-              <a:rPr lang="en-US" sz="2600" dirty="0"/>
-              <a:t>5, 5, 5, 3, 1 </a:t>
-            </a:r>
-            <a:r>
-              <a:rPr lang="en-US" sz="2600" dirty="0" smtClean="0"/>
+            <a:r>
+              <a:rPr lang="fr-FR" sz="2100" dirty="0"/>
+              <a:t>static void Perm&lt;T&gt;(T[] arr, int k)</a:t>
+            </a:r>
+          </a:p>
+          <a:p>
+            <a:r>
+              <a:rPr lang="bg-BG" sz="2100" dirty="0"/>
+              <a:t>{</a:t>
+            </a:r>
+          </a:p>
+          <a:p>
+            <a:r>
+              <a:rPr lang="fr-FR" sz="2100" dirty="0" smtClean="0"/>
+              <a:t>  if </a:t>
+            </a:r>
+            <a:r>
+              <a:rPr lang="fr-FR" sz="2100" dirty="0"/>
+              <a:t>(k &gt;= arr.Length)</a:t>
+            </a:r>
+          </a:p>
+          <a:p>
+            <a:r>
+              <a:rPr lang="fr-FR" sz="2100" dirty="0" smtClean="0"/>
+              <a:t>    Print(arr</a:t>
+            </a:r>
+            <a:r>
+              <a:rPr lang="fr-FR" sz="2100" dirty="0"/>
+              <a:t>);</a:t>
+            </a:r>
+          </a:p>
+          <a:p>
+            <a:r>
+              <a:rPr lang="fr-FR" sz="2100" dirty="0" smtClean="0"/>
+              <a:t>  else</a:t>
+            </a:r>
+            <a:endParaRPr lang="fr-FR" sz="2100" dirty="0"/>
+          </a:p>
+          <a:p>
+            <a:r>
+              <a:rPr lang="en-US" sz="2100" dirty="0" smtClean="0"/>
+              <a:t>  </a:t>
+            </a:r>
+            <a:r>
+              <a:rPr lang="bg-BG" sz="2100" dirty="0" smtClean="0"/>
+              <a:t>{</a:t>
+            </a:r>
+            <a:endParaRPr lang="bg-BG" sz="2100" dirty="0"/>
+          </a:p>
+          <a:p>
+            <a:r>
+              <a:rPr lang="fr-FR" sz="2100" dirty="0" smtClean="0"/>
+              <a:t>    Perm(arr</a:t>
+            </a:r>
+            <a:r>
+              <a:rPr lang="fr-FR" sz="2100" dirty="0"/>
+              <a:t>, k + 1);</a:t>
+            </a:r>
+          </a:p>
+          <a:p>
+            <a:r>
+              <a:rPr lang="nn-NO" sz="2100" dirty="0" smtClean="0"/>
+              <a:t>    for </a:t>
+            </a:r>
+            <a:r>
+              <a:rPr lang="nn-NO" sz="2100" dirty="0"/>
+              <a:t>(int i = k + 1; i &lt; arr.Length; i++)</a:t>
+            </a:r>
+          </a:p>
+          <a:p>
+            <a:r>
+              <a:rPr lang="en-US" sz="2100" dirty="0" smtClean="0"/>
+              <a:t>    </a:t>
+            </a:r>
+            <a:r>
+              <a:rPr lang="bg-BG" sz="2100" dirty="0" smtClean="0"/>
+              <a:t>{</a:t>
+            </a:r>
+            <a:endParaRPr lang="bg-BG" sz="2100" dirty="0"/>
+          </a:p>
+          <a:p>
+            <a:r>
+              <a:rPr lang="fr-FR" sz="2100" dirty="0" smtClean="0"/>
+              <a:t>      Swap(ref </a:t>
+            </a:r>
+            <a:r>
+              <a:rPr lang="fr-FR" sz="2100" dirty="0"/>
+              <a:t>arr[k], ref arr[i]);</a:t>
+            </a:r>
+          </a:p>
+          <a:p>
+            <a:r>
+              <a:rPr lang="fr-FR" sz="2100" dirty="0" smtClean="0"/>
+              <a:t>      Perm(arr</a:t>
+            </a:r>
+            <a:r>
+              <a:rPr lang="fr-FR" sz="2100" dirty="0"/>
+              <a:t>, k + 1);</a:t>
+            </a:r>
+          </a:p>
+          <a:p>
+            <a:r>
+              <a:rPr lang="fr-FR" sz="2100" dirty="0" smtClean="0"/>
+              <a:t>      Swap(ref </a:t>
+            </a:r>
+            <a:r>
+              <a:rPr lang="fr-FR" sz="2100" dirty="0"/>
+              <a:t>arr[k], ref arr[i]);</a:t>
+            </a:r>
+          </a:p>
+          <a:p>
+            <a:r>
+              <a:rPr lang="en-US" sz="2100" dirty="0" smtClean="0"/>
+              <a:t>    </a:t>
+            </a:r>
+            <a:r>
+              <a:rPr lang="bg-BG" sz="2100" dirty="0" smtClean="0"/>
               <a:t>}</a:t>
             </a:r>
-          </a:p>
-          <a:p>
-            <a:pPr marL="342900" indent="-342900">
-              <a:lnSpc>
-                <a:spcPct val="110000"/>
-              </a:lnSpc>
-              <a:spcBef>
-                <a:spcPts val="1200"/>
-              </a:spcBef>
-              <a:spcAft>
-                <a:spcPts val="0"/>
-              </a:spcAft>
-            </a:pPr>
-            <a:r>
-              <a:rPr lang="en-US" sz="2600" dirty="0" smtClean="0"/>
-              <a:t>We to efficiently avoid the repeating combinations, i.e. to work fast for </a:t>
-            </a:r>
-            <a:r>
-              <a:rPr lang="en-US" sz="2400" dirty="0"/>
-              <a:t>{ 1, 5, 5, 5, 5, 5, 5, 5, 5, 5, 5, 5, 5, 5, 5, 5, 5, </a:t>
-            </a:r>
-            <a:r>
-              <a:rPr lang="en-US" sz="2400" dirty="0" smtClean="0"/>
-              <a:t>5}</a:t>
-            </a:r>
-            <a:endParaRPr lang="en-US" sz="2600" dirty="0"/>
-          </a:p>
-          <a:p>
-            <a:pPr marL="347663" lvl="1" indent="0">
-              <a:lnSpc>
-                <a:spcPct val="110000"/>
-              </a:lnSpc>
-              <a:spcAft>
-                <a:spcPts val="0"/>
-              </a:spcAft>
-              <a:buNone/>
-            </a:pPr>
-            <a:endParaRPr lang="en-US" sz="2600" dirty="0"/>
+            <a:endParaRPr lang="bg-BG" sz="2100" dirty="0"/>
+          </a:p>
+          <a:p>
+            <a:r>
+              <a:rPr lang="en-US" sz="2100" dirty="0" smtClean="0"/>
+              <a:t>  </a:t>
+            </a:r>
+            <a:r>
+              <a:rPr lang="bg-BG" sz="2100" dirty="0" smtClean="0"/>
+              <a:t>}</a:t>
+            </a:r>
+            <a:endParaRPr lang="bg-BG" sz="2100" dirty="0"/>
+          </a:p>
+          <a:p>
+            <a:r>
+              <a:rPr lang="bg-BG" sz="2100" dirty="0"/>
+              <a:t>}</a:t>
+            </a:r>
           </a:p>
         </p:txBody>
       </p:sp>
-      <p:sp>
-        <p:nvSpPr>
-          <p:cNvPr id="4" name="Slide Number Placeholder 3"/>
-          <p:cNvSpPr>
-            <a:spLocks noGrp="1"/>
-          </p:cNvSpPr>
-          <p:nvPr>
-            <p:ph type="sldNum" sz="quarter" idx="10"/>
-          </p:nvPr>
-        </p:nvSpPr>
-        <p:spPr/>
-        <p:txBody>
-          <a:bodyPr/>
-          <a:lstStyle/>
-          <a:p>
-            <a:pPr>
-              <a:defRPr/>
-            </a:pPr>
-            <a:fld id="{58452FF4-89E3-4D1B-9927-2DBDC00E58D7}" type="slidenum">
-              <a:rPr lang="en-US" smtClean="0"/>
-              <a:pPr>
-                <a:defRPr/>
-              </a:pPr>
-              <a:t>20</a:t>
-            </a:fld>
-            <a:endParaRPr lang="en-US" dirty="0"/>
-          </a:p>
-        </p:txBody>
-      </p:sp>
+      <p:pic>
+        <p:nvPicPr>
+          <p:cNvPr id="6147" name="Picture 3"/>
+          <p:cNvPicPr>
+            <a:picLocks noChangeAspect="1" noChangeArrowheads="1"/>
+          </p:cNvPicPr>
+          <p:nvPr/>
+        </p:nvPicPr>
+        <p:blipFill>
+          <a:blip r:embed="rId2">
+            <a:extLst>
+              <a:ext uri="{28A0092B-C50C-407E-A947-70E740481C1C}">
+                <a14:useLocalDpi xmlns:a14="http://schemas.microsoft.com/office/drawing/2010/main" val="0"/>
+              </a:ext>
+            </a:extLst>
+          </a:blip>
+          <a:srcRect/>
+          <a:stretch>
+            <a:fillRect/>
+          </a:stretch>
+        </p:blipFill>
+        <p:spPr bwMode="auto">
+          <a:xfrm>
+            <a:off x="7669022" y="1406981"/>
+            <a:ext cx="1093978" cy="4713754"/>
+          </a:xfrm>
+          <a:prstGeom prst="rect">
+            <a:avLst/>
+          </a:prstGeom>
+          <a:ln>
+            <a:noFill/>
+          </a:ln>
+          <a:effectLst>
+            <a:outerShdw blurRad="190500" algn="tl" rotWithShape="0">
+              <a:srgbClr val="000000">
+                <a:alpha val="70000"/>
+              </a:srgbClr>
+            </a:outerShdw>
+          </a:effectLst>
+          <a:extLst>
+            <a:ext uri="{909E8E84-426E-40DD-AFC4-6F175D3DCCD1}">
+              <a14:hiddenFill xmlns:a14="http://schemas.microsoft.com/office/drawing/2010/main">
+                <a:solidFill>
+                  <a:schemeClr val="accent1"/>
+                </a:solidFill>
+              </a14:hiddenFill>
+            </a:ext>
+            <a:ext uri="{91240B29-F687-4F45-9708-019B960494DF}">
+              <a14:hiddenLine xmlns:a14="http://schemas.microsoft.com/office/drawing/2010/main" w="9525">
+                <a:solidFill>
+                  <a:schemeClr val="tx1"/>
+                </a:solidFill>
+                <a:miter lim="800000"/>
+                <a:headEnd/>
+                <a:tailEnd/>
+              </a14:hiddenLine>
+            </a:ext>
+          </a:extLst>
+        </p:spPr>
+      </p:pic>
     </p:spTree>
     <p:extLst>
       <p:ext uri="{BB962C8B-B14F-4D97-AF65-F5344CB8AC3E}">
-        <p14:creationId xmlns:p14="http://schemas.microsoft.com/office/powerpoint/2010/main" val="2963895914"/>
+        <p14:creationId xmlns:p14="http://schemas.microsoft.com/office/powerpoint/2010/main" val="49663460"/>
       </p:ext>
     </p:extLst>
   </p:cSld>
@@ -10655,6 +10931,551 @@
             <a:spLocks noGrp="1"/>
           </p:cNvSpPr>
           <p:nvPr>
+            <p:ph type="ctrTitle"/>
+          </p:nvPr>
+        </p:nvSpPr>
+        <p:spPr>
+          <a:xfrm>
+            <a:off x="609600" y="1219200"/>
+            <a:ext cx="7924800" cy="914400"/>
+          </a:xfrm>
+        </p:spPr>
+        <p:txBody>
+          <a:bodyPr/>
+          <a:lstStyle/>
+          <a:p>
+            <a:r>
+              <a:rPr lang="en-US" sz="5400" dirty="0" smtClean="0"/>
+              <a:t>Generating Permutations</a:t>
+            </a:r>
+            <a:endParaRPr lang="bg-BG" dirty="0"/>
+          </a:p>
+        </p:txBody>
+      </p:sp>
+      <p:sp>
+        <p:nvSpPr>
+          <p:cNvPr id="7" name="Subtitle 6"/>
+          <p:cNvSpPr>
+            <a:spLocks noGrp="1"/>
+          </p:cNvSpPr>
+          <p:nvPr>
+            <p:ph type="subTitle" idx="1"/>
+          </p:nvPr>
+        </p:nvSpPr>
+        <p:spPr>
+          <a:xfrm>
+            <a:off x="609600" y="2209800"/>
+            <a:ext cx="7924800" cy="569120"/>
+          </a:xfrm>
+        </p:spPr>
+        <p:txBody>
+          <a:bodyPr/>
+          <a:lstStyle/>
+          <a:p>
+            <a:r>
+              <a:rPr lang="en-US" dirty="0" smtClean="0"/>
+              <a:t>Live Demo</a:t>
+            </a:r>
+            <a:endParaRPr lang="bg-BG" dirty="0"/>
+          </a:p>
+        </p:txBody>
+      </p:sp>
+      <p:pic>
+        <p:nvPicPr>
+          <p:cNvPr id="7170" name="Picture 2"/>
+          <p:cNvPicPr>
+            <a:picLocks noChangeAspect="1" noChangeArrowheads="1"/>
+          </p:cNvPicPr>
+          <p:nvPr/>
+        </p:nvPicPr>
+        <p:blipFill>
+          <a:blip r:embed="rId2">
+            <a:extLst>
+              <a:ext uri="{28A0092B-C50C-407E-A947-70E740481C1C}">
+                <a14:useLocalDpi xmlns:a14="http://schemas.microsoft.com/office/drawing/2010/main" val="0"/>
+              </a:ext>
+            </a:extLst>
+          </a:blip>
+          <a:srcRect/>
+          <a:stretch>
+            <a:fillRect/>
+          </a:stretch>
+        </p:blipFill>
+        <p:spPr bwMode="auto">
+          <a:xfrm>
+            <a:off x="1385455" y="3048000"/>
+            <a:ext cx="6366740" cy="3124200"/>
+          </a:xfrm>
+          <a:prstGeom prst="rect">
+            <a:avLst/>
+          </a:prstGeom>
+          <a:noFill/>
+          <a:ln>
+            <a:noFill/>
+          </a:ln>
+          <a:extLst>
+            <a:ext uri="{909E8E84-426E-40DD-AFC4-6F175D3DCCD1}">
+              <a14:hiddenFill xmlns:a14="http://schemas.microsoft.com/office/drawing/2010/main">
+                <a:solidFill>
+                  <a:schemeClr val="accent1"/>
+                </a:solidFill>
+              </a14:hiddenFill>
+            </a:ext>
+            <a:ext uri="{91240B29-F687-4F45-9708-019B960494DF}">
+              <a14:hiddenLine xmlns:a14="http://schemas.microsoft.com/office/drawing/2010/main" w="9525">
+                <a:solidFill>
+                  <a:schemeClr val="tx1"/>
+                </a:solidFill>
+                <a:miter lim="800000"/>
+                <a:headEnd/>
+                <a:tailEnd/>
+              </a14:hiddenLine>
+            </a:ext>
+          </a:extLst>
+        </p:spPr>
+      </p:pic>
+    </p:spTree>
+    <p:extLst>
+      <p:ext uri="{BB962C8B-B14F-4D97-AF65-F5344CB8AC3E}">
+        <p14:creationId xmlns:p14="http://schemas.microsoft.com/office/powerpoint/2010/main" val="2304678170"/>
+      </p:ext>
+    </p:extLst>
+  </p:cSld>
+  <p:clrMapOvr>
+    <a:masterClrMapping/>
+  </p:clrMapOvr>
+</p:sld>
+</file>
+
+<file path=ppt/slides/slide22.xml><?xml version="1.0" encoding="utf-8"?>
+<p:sld xmlns:a="http://schemas.openxmlformats.org/drawingml/2006/main" xmlns:r="http://schemas.openxmlformats.org/officeDocument/2006/relationships" xmlns:p="http://schemas.openxmlformats.org/presentationml/2006/main">
+  <p:cSld>
+    <p:spTree>
+      <p:nvGrpSpPr>
+        <p:cNvPr id="1" name=""/>
+        <p:cNvGrpSpPr/>
+        <p:nvPr/>
+      </p:nvGrpSpPr>
+      <p:grpSpPr>
+        <a:xfrm>
+          <a:off x="0" y="0"/>
+          <a:ext cx="0" cy="0"/>
+          <a:chOff x="0" y="0"/>
+          <a:chExt cx="0" cy="0"/>
+        </a:xfrm>
+      </p:grpSpPr>
+      <p:sp>
+        <p:nvSpPr>
+          <p:cNvPr id="2" name="Title 1"/>
+          <p:cNvSpPr>
+            <a:spLocks noGrp="1"/>
+          </p:cNvSpPr>
+          <p:nvPr>
+            <p:ph type="title"/>
+          </p:nvPr>
+        </p:nvSpPr>
+        <p:spPr/>
+        <p:txBody>
+          <a:bodyPr/>
+          <a:lstStyle/>
+          <a:p>
+            <a:r>
+              <a:rPr lang="en-US" sz="3800" dirty="0" smtClean="0"/>
+              <a:t>Permutations with Repetitions</a:t>
+            </a:r>
+            <a:endParaRPr lang="en-US" sz="3800" dirty="0"/>
+          </a:p>
+        </p:txBody>
+      </p:sp>
+      <p:sp>
+        <p:nvSpPr>
+          <p:cNvPr id="3" name="Content Placeholder 2"/>
+          <p:cNvSpPr>
+            <a:spLocks noGrp="1"/>
+          </p:cNvSpPr>
+          <p:nvPr>
+            <p:ph idx="1"/>
+          </p:nvPr>
+        </p:nvSpPr>
+        <p:spPr/>
+        <p:txBody>
+          <a:bodyPr/>
+          <a:lstStyle/>
+          <a:p>
+            <a:pPr>
+              <a:lnSpc>
+                <a:spcPct val="110000"/>
+              </a:lnSpc>
+              <a:spcBef>
+                <a:spcPts val="0"/>
+              </a:spcBef>
+              <a:spcAft>
+                <a:spcPts val="0"/>
+              </a:spcAft>
+            </a:pPr>
+            <a:r>
+              <a:rPr lang="en-US" sz="2800" dirty="0" smtClean="0"/>
+              <a:t>We have a set of elements, with repetitions</a:t>
+            </a:r>
+          </a:p>
+          <a:p>
+            <a:pPr lvl="1">
+              <a:lnSpc>
+                <a:spcPct val="110000"/>
+              </a:lnSpc>
+              <a:spcBef>
+                <a:spcPts val="0"/>
+              </a:spcBef>
+              <a:spcAft>
+                <a:spcPts val="0"/>
+              </a:spcAft>
+            </a:pPr>
+            <a:r>
+              <a:rPr lang="en-US" sz="2800" dirty="0" smtClean="0"/>
+              <a:t>E. g. set = </a:t>
+            </a:r>
+            <a:r>
+              <a:rPr lang="en-US" sz="2800" noProof="1" smtClean="0"/>
+              <a:t>{ 3, 5, 1, 5, 5 }</a:t>
+            </a:r>
+          </a:p>
+          <a:p>
+            <a:pPr>
+              <a:lnSpc>
+                <a:spcPct val="110000"/>
+              </a:lnSpc>
+              <a:spcBef>
+                <a:spcPts val="1200"/>
+              </a:spcBef>
+              <a:spcAft>
+                <a:spcPts val="0"/>
+              </a:spcAft>
+            </a:pPr>
+            <a:r>
+              <a:rPr lang="en-US" sz="2800" dirty="0" smtClean="0"/>
+              <a:t>We want to generate all unique permutations (without duplicates):</a:t>
+            </a:r>
+          </a:p>
+          <a:p>
+            <a:pPr marL="347663" lvl="1" indent="0">
+              <a:lnSpc>
+                <a:spcPct val="110000"/>
+              </a:lnSpc>
+              <a:spcAft>
+                <a:spcPts val="0"/>
+              </a:spcAft>
+              <a:buNone/>
+            </a:pPr>
+            <a:r>
+              <a:rPr lang="en-US" sz="2600" dirty="0"/>
+              <a:t>{ 1, 3, 5, 5, 5 }   </a:t>
+            </a:r>
+            <a:r>
+              <a:rPr lang="en-US" sz="2600" dirty="0" smtClean="0"/>
+              <a:t>{ </a:t>
+            </a:r>
+            <a:r>
+              <a:rPr lang="en-US" sz="2600" dirty="0"/>
+              <a:t>1, 5, 3, 5, 5 </a:t>
+            </a:r>
+            <a:r>
+              <a:rPr lang="en-US" sz="2600" dirty="0" smtClean="0"/>
+              <a:t>}   { </a:t>
+            </a:r>
+            <a:r>
+              <a:rPr lang="en-US" sz="2600" dirty="0"/>
+              <a:t>1, 5, 5, 3, 5 </a:t>
+            </a:r>
+            <a:r>
+              <a:rPr lang="en-US" sz="2600" dirty="0" smtClean="0"/>
+              <a:t>}   </a:t>
+            </a:r>
+            <a:r>
+              <a:rPr lang="en-US" sz="2600" dirty="0"/>
+              <a:t>{ 1, 5, 5, 5, 3 }</a:t>
+            </a:r>
+          </a:p>
+          <a:p>
+            <a:pPr marL="347663" lvl="1" indent="0">
+              <a:lnSpc>
+                <a:spcPct val="110000"/>
+              </a:lnSpc>
+              <a:spcAft>
+                <a:spcPts val="0"/>
+              </a:spcAft>
+              <a:buNone/>
+            </a:pPr>
+            <a:r>
+              <a:rPr lang="en-US" sz="2600" dirty="0"/>
+              <a:t>{ 3, 1, 5, 5, 5 }   </a:t>
+            </a:r>
+            <a:r>
+              <a:rPr lang="en-US" sz="2600" dirty="0" smtClean="0"/>
+              <a:t>{ </a:t>
+            </a:r>
+            <a:r>
+              <a:rPr lang="en-US" sz="2600" dirty="0"/>
+              <a:t>3, 5, 1, 5, 5 </a:t>
+            </a:r>
+            <a:r>
+              <a:rPr lang="en-US" sz="2600" dirty="0" smtClean="0"/>
+              <a:t>}   { </a:t>
+            </a:r>
+            <a:r>
+              <a:rPr lang="en-US" sz="2600" dirty="0"/>
+              <a:t>3, 5, 5, 1, 5 }  </a:t>
+            </a:r>
+            <a:r>
+              <a:rPr lang="en-US" sz="2600" dirty="0" smtClean="0"/>
+              <a:t> </a:t>
+            </a:r>
+            <a:r>
+              <a:rPr lang="en-US" sz="2600" dirty="0"/>
+              <a:t>{ 3, 5, 5, 5, 1 }</a:t>
+            </a:r>
+          </a:p>
+          <a:p>
+            <a:pPr marL="347663" lvl="1" indent="0">
+              <a:lnSpc>
+                <a:spcPct val="110000"/>
+              </a:lnSpc>
+              <a:spcAft>
+                <a:spcPts val="0"/>
+              </a:spcAft>
+              <a:buNone/>
+            </a:pPr>
+            <a:r>
+              <a:rPr lang="en-US" sz="2600" dirty="0"/>
+              <a:t>{ 5, 1, 3, 5, 5 }   </a:t>
+            </a:r>
+            <a:r>
+              <a:rPr lang="en-US" sz="2600" dirty="0" smtClean="0"/>
+              <a:t>{ </a:t>
+            </a:r>
+            <a:r>
+              <a:rPr lang="en-US" sz="2600" dirty="0"/>
+              <a:t>5, 1, 5, 3, 5 </a:t>
+            </a:r>
+            <a:r>
+              <a:rPr lang="en-US" sz="2600" dirty="0" smtClean="0"/>
+              <a:t>}   { </a:t>
+            </a:r>
+            <a:r>
+              <a:rPr lang="en-US" sz="2600" dirty="0"/>
+              <a:t>5, 1, 5, 5, 3 }   </a:t>
+            </a:r>
+            <a:r>
+              <a:rPr lang="en-US" sz="2600" dirty="0" smtClean="0"/>
+              <a:t>{ </a:t>
+            </a:r>
+            <a:r>
+              <a:rPr lang="en-US" sz="2600" dirty="0"/>
+              <a:t>5, 3, 1, 5, 5 }</a:t>
+            </a:r>
+          </a:p>
+          <a:p>
+            <a:pPr marL="347663" lvl="1" indent="0">
+              <a:lnSpc>
+                <a:spcPct val="110000"/>
+              </a:lnSpc>
+              <a:spcAft>
+                <a:spcPts val="0"/>
+              </a:spcAft>
+              <a:buNone/>
+            </a:pPr>
+            <a:r>
+              <a:rPr lang="en-US" sz="2600" dirty="0"/>
+              <a:t>{ 5, 3, 5, 1, 5 }   </a:t>
+            </a:r>
+            <a:r>
+              <a:rPr lang="en-US" sz="2600" dirty="0" smtClean="0"/>
+              <a:t>{ </a:t>
+            </a:r>
+            <a:r>
+              <a:rPr lang="en-US" sz="2600" dirty="0"/>
+              <a:t>5, 3, 5, 5, 1 </a:t>
+            </a:r>
+            <a:r>
+              <a:rPr lang="en-US" sz="2600" dirty="0" smtClean="0"/>
+              <a:t>}   { </a:t>
+            </a:r>
+            <a:r>
+              <a:rPr lang="en-US" sz="2600" dirty="0"/>
+              <a:t>5, 5, 1, 3, 5 }   </a:t>
+            </a:r>
+            <a:r>
+              <a:rPr lang="en-US" sz="2600" dirty="0" smtClean="0"/>
+              <a:t>{ </a:t>
+            </a:r>
+            <a:r>
+              <a:rPr lang="en-US" sz="2600" dirty="0"/>
+              <a:t>5, 5, 1, 5, 3 }</a:t>
+            </a:r>
+          </a:p>
+          <a:p>
+            <a:pPr marL="347663" lvl="1" indent="0">
+              <a:lnSpc>
+                <a:spcPct val="110000"/>
+              </a:lnSpc>
+              <a:spcAft>
+                <a:spcPts val="0"/>
+              </a:spcAft>
+              <a:buNone/>
+            </a:pPr>
+            <a:r>
+              <a:rPr lang="en-US" sz="2600" dirty="0"/>
+              <a:t>{ 5, </a:t>
+            </a:r>
+            <a:r>
+              <a:rPr lang="en-US" sz="2600" dirty="0" smtClean="0"/>
+              <a:t>5, </a:t>
+            </a:r>
+            <a:r>
+              <a:rPr lang="en-US" sz="2600" dirty="0"/>
+              <a:t>3, 1, 5 }   </a:t>
+            </a:r>
+            <a:r>
+              <a:rPr lang="en-US" sz="2600" dirty="0" smtClean="0"/>
+              <a:t>{ </a:t>
+            </a:r>
+            <a:r>
+              <a:rPr lang="en-US" sz="2600" dirty="0"/>
+              <a:t>5, 5, 3, 5, 1 </a:t>
+            </a:r>
+            <a:r>
+              <a:rPr lang="en-US" sz="2600" dirty="0" smtClean="0"/>
+              <a:t>}   { </a:t>
+            </a:r>
+            <a:r>
+              <a:rPr lang="en-US" sz="2600" dirty="0"/>
+              <a:t>5, 5, 5, 1, 3 }   </a:t>
+            </a:r>
+            <a:r>
+              <a:rPr lang="en-US" sz="2600" dirty="0" smtClean="0"/>
+              <a:t>{ </a:t>
+            </a:r>
+            <a:r>
+              <a:rPr lang="en-US" sz="2600" dirty="0"/>
+              <a:t>5, 5, 5, 3, 1 </a:t>
+            </a:r>
+            <a:r>
+              <a:rPr lang="en-US" sz="2600" dirty="0" smtClean="0"/>
+              <a:t>}</a:t>
+            </a:r>
+          </a:p>
+          <a:p>
+            <a:pPr marL="342900" indent="-342900">
+              <a:lnSpc>
+                <a:spcPct val="110000"/>
+              </a:lnSpc>
+              <a:spcBef>
+                <a:spcPts val="1200"/>
+              </a:spcBef>
+              <a:spcAft>
+                <a:spcPts val="0"/>
+              </a:spcAft>
+            </a:pPr>
+            <a:r>
+              <a:rPr lang="en-US" sz="2600" dirty="0" smtClean="0"/>
+              <a:t>We want to efficiently avoid the repeating ones, i.e. to work fast for </a:t>
+            </a:r>
+            <a:r>
+              <a:rPr lang="en-US" sz="2400" dirty="0"/>
+              <a:t>{ 1, 5, 5, 5, 5, 5, 5, 5, 5, 5, 5, 5, 5, 5, 5, 5, 5, </a:t>
+            </a:r>
+            <a:r>
+              <a:rPr lang="en-US" sz="2400" dirty="0" smtClean="0"/>
+              <a:t>5}</a:t>
+            </a:r>
+            <a:endParaRPr lang="en-US" sz="2600" dirty="0"/>
+          </a:p>
+          <a:p>
+            <a:pPr marL="347663" lvl="1" indent="0">
+              <a:lnSpc>
+                <a:spcPct val="110000"/>
+              </a:lnSpc>
+              <a:spcAft>
+                <a:spcPts val="0"/>
+              </a:spcAft>
+              <a:buNone/>
+            </a:pPr>
+            <a:endParaRPr lang="en-US" sz="2600" dirty="0"/>
+          </a:p>
+        </p:txBody>
+      </p:sp>
+      <p:sp>
+        <p:nvSpPr>
+          <p:cNvPr id="4" name="Slide Number Placeholder 3"/>
+          <p:cNvSpPr>
+            <a:spLocks noGrp="1"/>
+          </p:cNvSpPr>
+          <p:nvPr>
+            <p:ph type="sldNum" sz="quarter" idx="10"/>
+          </p:nvPr>
+        </p:nvSpPr>
+        <p:spPr/>
+        <p:txBody>
+          <a:bodyPr/>
+          <a:lstStyle/>
+          <a:p>
+            <a:pPr>
+              <a:defRPr/>
+            </a:pPr>
+            <a:fld id="{58452FF4-89E3-4D1B-9927-2DBDC00E58D7}" type="slidenum">
+              <a:rPr lang="en-US" smtClean="0"/>
+              <a:pPr>
+                <a:defRPr/>
+              </a:pPr>
+              <a:t>22</a:t>
+            </a:fld>
+            <a:endParaRPr lang="en-US" dirty="0"/>
+          </a:p>
+        </p:txBody>
+      </p:sp>
+    </p:spTree>
+    <p:extLst>
+      <p:ext uri="{BB962C8B-B14F-4D97-AF65-F5344CB8AC3E}">
+        <p14:creationId xmlns:p14="http://schemas.microsoft.com/office/powerpoint/2010/main" val="2963895914"/>
+      </p:ext>
+    </p:extLst>
+  </p:cSld>
+  <p:clrMapOvr>
+    <a:masterClrMapping/>
+  </p:clrMapOvr>
+  <p:timing>
+    <p:tnLst>
+      <p:par>
+        <p:cTn id="1" dur="indefinite" restart="never" nodeType="tmRoot"/>
+      </p:par>
+    </p:tnLst>
+  </p:timing>
+</p:sld>
+</file>
+
+<file path=ppt/slides/slide23.xml><?xml version="1.0" encoding="utf-8"?>
+<p:sld xmlns:a="http://schemas.openxmlformats.org/drawingml/2006/main" xmlns:r="http://schemas.openxmlformats.org/officeDocument/2006/relationships" xmlns:p="http://schemas.openxmlformats.org/presentationml/2006/main">
+  <p:cSld>
+    <p:spTree>
+      <p:nvGrpSpPr>
+        <p:cNvPr id="1" name=""/>
+        <p:cNvGrpSpPr/>
+        <p:nvPr/>
+      </p:nvGrpSpPr>
+      <p:grpSpPr>
+        <a:xfrm>
+          <a:off x="0" y="0"/>
+          <a:ext cx="0" cy="0"/>
+          <a:chOff x="0" y="0"/>
+          <a:chExt cx="0" cy="0"/>
+        </a:xfrm>
+      </p:grpSpPr>
+      <p:sp>
+        <p:nvSpPr>
+          <p:cNvPr id="6" name="Title 5"/>
+          <p:cNvSpPr>
+            <a:spLocks noGrp="1"/>
+          </p:cNvSpPr>
+          <p:nvPr>
             <p:ph type="title"/>
           </p:nvPr>
         </p:nvSpPr>
@@ -10670,11 +11491,7 @@
           <a:p>
             <a:r>
               <a:rPr lang="en-US" dirty="0" smtClean="0"/>
-              <a:t>Generating </a:t>
-            </a:r>
-            <a:r>
-              <a:rPr lang="en-US" dirty="0" smtClean="0"/>
-              <a:t>Permutations</a:t>
+              <a:t>Generating Permutations</a:t>
             </a:r>
             <a:r>
               <a:rPr lang="en-US" smtClean="0"/>
@@ -10746,7 +11563,6 @@
               <a:rPr lang="en-US" sz="1700" noProof="1" smtClean="0"/>
               <a:t>PermuteRep(arr, 0, arr.Length);</a:t>
             </a:r>
-            <a:endParaRPr lang="en-US" sz="1700" noProof="1" smtClean="0"/>
           </a:p>
           <a:p>
             <a:pPr>
@@ -11021,7 +11837,7 @@
 </p:sld>
 </file>
 
-<file path=ppt/slides/slide22.xml><?xml version="1.0" encoding="utf-8"?>
+<file path=ppt/slides/slide24.xml><?xml version="1.0" encoding="utf-8"?>
 <p:sld xmlns:a="http://schemas.openxmlformats.org/drawingml/2006/main" xmlns:r="http://schemas.openxmlformats.org/officeDocument/2006/relationships" xmlns:p="http://schemas.openxmlformats.org/presentationml/2006/main">
   <p:cSld>
     <p:spTree>
@@ -11168,7 +11984,7 @@
 </p:sld>
 </file>
 
-<file path=ppt/slides/slide23.xml><?xml version="1.0" encoding="utf-8"?>
+<file path=ppt/slides/slide25.xml><?xml version="1.0" encoding="utf-8"?>
 <p:sld xmlns:a="http://schemas.openxmlformats.org/drawingml/2006/main" xmlns:r="http://schemas.openxmlformats.org/officeDocument/2006/relationships" xmlns:p="http://schemas.openxmlformats.org/presentationml/2006/main">
   <p:cSld>
     <p:spTree>
@@ -11293,7 +12109,7 @@
 </p:sld>
 </file>
 
-<file path=ppt/slides/slide24.xml><?xml version="1.0" encoding="utf-8"?>
+<file path=ppt/slides/slide26.xml><?xml version="1.0" encoding="utf-8"?>
 <p:sld xmlns:a="http://schemas.openxmlformats.org/drawingml/2006/main" xmlns:r="http://schemas.openxmlformats.org/officeDocument/2006/relationships" xmlns:p="http://schemas.openxmlformats.org/presentationml/2006/main">
   <p:cSld>
     <p:spTree>
@@ -11564,7 +12380,7 @@
               <a:pPr>
                 <a:defRPr/>
               </a:pPr>
-              <a:t>24</a:t>
+              <a:t>26</a:t>
             </a:fld>
             <a:endParaRPr lang="en-US" dirty="0"/>
           </a:p>
@@ -11590,7 +12406,7 @@
 </p:sld>
 </file>
 
-<file path=ppt/slides/slide25.xml><?xml version="1.0" encoding="utf-8"?>
+<file path=ppt/slides/slide27.xml><?xml version="1.0" encoding="utf-8"?>
 <p:sld xmlns:a="http://schemas.openxmlformats.org/drawingml/2006/main" xmlns:r="http://schemas.openxmlformats.org/officeDocument/2006/relationships" xmlns:p="http://schemas.openxmlformats.org/presentationml/2006/main">
   <p:cSld>
     <p:spTree>
@@ -11783,7 +12599,7 @@
               <a:pPr>
                 <a:defRPr/>
               </a:pPr>
-              <a:t>25</a:t>
+              <a:t>27</a:t>
             </a:fld>
             <a:endParaRPr lang="en-US" dirty="0"/>
           </a:p>
@@ -12314,8 +13130,8 @@
           </a:graphicData>
         </a:graphic>
       </p:graphicFrame>
-      <mc:AlternateContent xmlns:mc="http://schemas.openxmlformats.org/markup-compatibility/2006">
-        <mc:Choice xmlns:a14="http://schemas.microsoft.com/office/drawing/2010/main" Requires="a14">
+      <mc:AlternateContent xmlns:mc="http://schemas.openxmlformats.org/markup-compatibility/2006" xmlns:a14="http://schemas.microsoft.com/office/drawing/2010/main">
+        <mc:Choice Requires="a14">
           <p:sp>
             <p:nvSpPr>
               <p:cNvPr id="9" name="Rectangle 8"/>
@@ -12503,7 +13319,7 @@
             </p:txBody>
           </p:sp>
         </mc:Choice>
-        <mc:Fallback>
+        <mc:Fallback xmlns="">
           <p:sp>
             <p:nvSpPr>
               <p:cNvPr id="9" name="Rectangle 8"/>
@@ -12562,7 +13378,7 @@
 </p:sld>
 </file>
 
-<file path=ppt/slides/slide26.xml><?xml version="1.0" encoding="utf-8"?>
+<file path=ppt/slides/slide28.xml><?xml version="1.0" encoding="utf-8"?>
 <p:sld xmlns:a="http://schemas.openxmlformats.org/drawingml/2006/main" xmlns:r="http://schemas.openxmlformats.org/officeDocument/2006/relationships" xmlns:p="http://schemas.openxmlformats.org/presentationml/2006/main">
   <p:cSld>
     <p:spTree>
@@ -12602,7 +13418,7 @@
               <a:pPr>
                 <a:defRPr/>
               </a:pPr>
-              <a:t>26</a:t>
+              <a:t>28</a:t>
             </a:fld>
             <a:endParaRPr lang="en-US" dirty="0"/>
           </a:p>
@@ -12710,7 +13526,7 @@
           <a:p>
             <a:r>
               <a:rPr lang="en-US" noProof="1" smtClean="0"/>
-              <a:t>    PrintVariations();</a:t>
+              <a:t>    PrintCombinations();</a:t>
             </a:r>
           </a:p>
           <a:p>
@@ -12718,73 +13534,35 @@
               <a:rPr lang="en-US" noProof="1" smtClean="0"/>
               <a:t>  else</a:t>
             </a:r>
-            <a:endParaRPr lang="en-US" noProof="1" smtClean="0"/>
           </a:p>
           <a:p>
             <a:r>
               <a:rPr lang="en-US" noProof="1" smtClean="0"/>
-              <a:t>  </a:t>
-            </a:r>
+              <a:t>    for (int i = start; i &lt; n; i++)</a:t>
+            </a:r>
+          </a:p>
+          <a:p>
             <a:r>
               <a:rPr lang="en-US" noProof="1" smtClean="0"/>
-              <a:t>  for </a:t>
-            </a:r>
+              <a:t>    {</a:t>
+            </a:r>
+          </a:p>
+          <a:p>
             <a:r>
               <a:rPr lang="en-US" noProof="1" smtClean="0"/>
-              <a:t>(int i = start; i &lt; n; i++)</a:t>
+              <a:t>      arr[index] = i;</a:t>
             </a:r>
           </a:p>
           <a:p>
             <a:r>
               <a:rPr lang="en-US" noProof="1" smtClean="0"/>
-              <a:t>  </a:t>
-            </a:r>
+              <a:t>      Comb(index + 1, i + 1);</a:t>
+            </a:r>
+          </a:p>
+          <a:p>
             <a:r>
               <a:rPr lang="en-US" noProof="1" smtClean="0"/>
-              <a:t>  {</a:t>
-            </a:r>
-            <a:endParaRPr lang="en-US" noProof="1" smtClean="0"/>
-          </a:p>
-          <a:p>
-            <a:r>
-              <a:rPr lang="en-US" noProof="1" smtClean="0"/>
-              <a:t>    </a:t>
-            </a:r>
-            <a:r>
-              <a:rPr lang="en-US" noProof="1" smtClean="0"/>
-              <a:t>  arr[index</a:t>
-            </a:r>
-            <a:r>
-              <a:rPr lang="en-US" noProof="1" smtClean="0"/>
-              <a:t>] = i;</a:t>
-            </a:r>
-          </a:p>
-          <a:p>
-            <a:r>
-              <a:rPr lang="en-US" noProof="1" smtClean="0"/>
-              <a:t>    </a:t>
-            </a:r>
-            <a:r>
-              <a:rPr lang="en-US" noProof="1" smtClean="0"/>
-              <a:t>  Comb(index </a:t>
-            </a:r>
-            <a:r>
-              <a:rPr lang="en-US" noProof="1" smtClean="0"/>
-              <a:t>+ 1, i + 1);</a:t>
-            </a:r>
-          </a:p>
-          <a:p>
-            <a:r>
-              <a:rPr lang="en-US" noProof="1" smtClean="0"/>
-              <a:t> </a:t>
-            </a:r>
-            <a:r>
-              <a:rPr lang="en-US" noProof="1" smtClean="0"/>
-              <a:t>   </a:t>
-            </a:r>
-            <a:r>
-              <a:rPr lang="en-US" noProof="1" smtClean="0"/>
-              <a:t>}</a:t>
+              <a:t>    }</a:t>
             </a:r>
           </a:p>
           <a:p>
@@ -12876,7 +13654,7 @@
 </p:sld>
 </file>
 
-<file path=ppt/slides/slide27.xml><?xml version="1.0" encoding="utf-8"?>
+<file path=ppt/slides/slide29.xml><?xml version="1.0" encoding="utf-8"?>
 <p:sld xmlns:a="http://schemas.openxmlformats.org/drawingml/2006/main" xmlns:r="http://schemas.openxmlformats.org/officeDocument/2006/relationships" xmlns:p="http://schemas.openxmlformats.org/presentationml/2006/main">
   <p:cSld>
     <p:spTree>
@@ -13023,7 +13801,139 @@
 </p:sld>
 </file>
 
-<file path=ppt/slides/slide28.xml><?xml version="1.0" encoding="utf-8"?>
+<file path=ppt/slides/slide3.xml><?xml version="1.0" encoding="utf-8"?>
+<p:sld xmlns:a="http://schemas.openxmlformats.org/drawingml/2006/main" xmlns:r="http://schemas.openxmlformats.org/officeDocument/2006/relationships" xmlns:p="http://schemas.openxmlformats.org/presentationml/2006/main">
+  <p:cSld>
+    <p:spTree>
+      <p:nvGrpSpPr>
+        <p:cNvPr id="1" name=""/>
+        <p:cNvGrpSpPr/>
+        <p:nvPr/>
+      </p:nvGrpSpPr>
+      <p:grpSpPr>
+        <a:xfrm>
+          <a:off x="0" y="0"/>
+          <a:ext cx="0" cy="0"/>
+          <a:chOff x="0" y="0"/>
+          <a:chExt cx="0" cy="0"/>
+        </a:xfrm>
+      </p:grpSpPr>
+      <p:sp>
+        <p:nvSpPr>
+          <p:cNvPr id="5" name="Title 4"/>
+          <p:cNvSpPr>
+            <a:spLocks noGrp="1"/>
+          </p:cNvSpPr>
+          <p:nvPr>
+            <p:ph type="ctrTitle"/>
+          </p:nvPr>
+        </p:nvSpPr>
+        <p:spPr>
+          <a:xfrm>
+            <a:off x="609600" y="1371600"/>
+            <a:ext cx="7924800" cy="685800"/>
+          </a:xfrm>
+        </p:spPr>
+        <p:txBody>
+          <a:bodyPr/>
+          <a:lstStyle/>
+          <a:p>
+            <a:r>
+              <a:rPr lang="en-US" dirty="0" smtClean="0"/>
+              <a:t>Definitions in </a:t>
+            </a:r>
+            <a:r>
+              <a:rPr lang="en-US" dirty="0"/>
+              <a:t>Combinatorics</a:t>
+            </a:r>
+          </a:p>
+        </p:txBody>
+      </p:sp>
+      <p:pic>
+        <p:nvPicPr>
+          <p:cNvPr id="12292" name="Picture 4" descr="http://www.tikirobot.net/wp/wp-content/uploads/2006/04/critterSneeze.jpg"/>
+          <p:cNvPicPr>
+            <a:picLocks noChangeAspect="1" noChangeArrowheads="1"/>
+          </p:cNvPicPr>
+          <p:nvPr/>
+        </p:nvPicPr>
+        <p:blipFill>
+          <a:blip r:embed="rId2">
+            <a:extLst>
+              <a:ext uri="{28A0092B-C50C-407E-A947-70E740481C1C}">
+                <a14:useLocalDpi xmlns:a14="http://schemas.microsoft.com/office/drawing/2010/main" val="0"/>
+              </a:ext>
+            </a:extLst>
+          </a:blip>
+          <a:srcRect/>
+          <a:stretch>
+            <a:fillRect/>
+          </a:stretch>
+        </p:blipFill>
+        <p:spPr bwMode="auto">
+          <a:xfrm>
+            <a:off x="2027786" y="2514600"/>
+            <a:ext cx="5088429" cy="3449954"/>
+          </a:xfrm>
+          <a:prstGeom prst="ellipse">
+            <a:avLst/>
+          </a:prstGeom>
+          <a:ln w="63500" cap="rnd">
+            <a:solidFill>
+              <a:srgbClr val="333333"/>
+            </a:solidFill>
+          </a:ln>
+          <a:effectLst>
+            <a:outerShdw blurRad="381000" dist="292100" dir="5400000" sx="-80000" sy="-18000" rotWithShape="0">
+              <a:srgbClr val="000000">
+                <a:alpha val="22000"/>
+              </a:srgbClr>
+            </a:outerShdw>
+          </a:effectLst>
+          <a:scene3d>
+            <a:camera prst="orthographicFront"/>
+            <a:lightRig rig="contrasting" dir="t">
+              <a:rot lat="0" lon="0" rev="3000000"/>
+            </a:lightRig>
+          </a:scene3d>
+          <a:sp3d contourW="7620">
+            <a:bevelT w="95250" h="31750"/>
+            <a:contourClr>
+              <a:srgbClr val="333333"/>
+            </a:contourClr>
+          </a:sp3d>
+          <a:extLst>
+            <a:ext uri="{909E8E84-426E-40DD-AFC4-6F175D3DCCD1}">
+              <a14:hiddenFill xmlns:a14="http://schemas.microsoft.com/office/drawing/2010/main">
+                <a:solidFill>
+                  <a:srgbClr val="FFFFFF"/>
+                </a:solidFill>
+              </a14:hiddenFill>
+            </a:ext>
+          </a:extLst>
+        </p:spPr>
+      </p:pic>
+    </p:spTree>
+    <p:extLst>
+      <p:ext uri="{BB962C8B-B14F-4D97-AF65-F5344CB8AC3E}">
+        <p14:creationId xmlns:p14="http://schemas.microsoft.com/office/powerpoint/2010/main" val="806452078"/>
+      </p:ext>
+    </p:extLst>
+  </p:cSld>
+  <p:clrMapOvr>
+    <a:masterClrMapping/>
+  </p:clrMapOvr>
+  <p:timing>
+    <p:tnLst>
+      <p:par>
+        <p:cTn id="1" dur="indefinite" restart="never" nodeType="tmRoot"/>
+      </p:par>
+    </p:tnLst>
+  </p:timing>
+</p:sld>
+</file>
+
+<file path=ppt/slides/slide30.xml><?xml version="1.0" encoding="utf-8"?>
 <p:sld xmlns:a="http://schemas.openxmlformats.org/drawingml/2006/main" xmlns:r="http://schemas.openxmlformats.org/officeDocument/2006/relationships" xmlns:p="http://schemas.openxmlformats.org/presentationml/2006/main">
   <p:cSld>
     <p:spTree>
@@ -13212,7 +14122,7 @@
               <a:pPr>
                 <a:defRPr/>
               </a:pPr>
-              <a:t>28</a:t>
+              <a:t>30</a:t>
             </a:fld>
             <a:endParaRPr lang="en-US" dirty="0"/>
           </a:p>
@@ -13272,8 +14182,8 @@
           </a:extLst>
         </p:spPr>
       </p:pic>
-      <mc:AlternateContent xmlns:mc="http://schemas.openxmlformats.org/markup-compatibility/2006">
-        <mc:Choice xmlns:a14="http://schemas.microsoft.com/office/drawing/2010/main" Requires="a14">
+      <mc:AlternateContent xmlns:mc="http://schemas.openxmlformats.org/markup-compatibility/2006" xmlns:a14="http://schemas.microsoft.com/office/drawing/2010/main">
+        <mc:Choice Requires="a14">
           <p:sp>
             <p:nvSpPr>
               <p:cNvPr id="5" name="Rectangle 4"/>
@@ -13425,7 +14335,7 @@
             </p:txBody>
           </p:sp>
         </mc:Choice>
-        <mc:Fallback>
+        <mc:Fallback xmlns="">
           <p:sp>
             <p:nvSpPr>
               <p:cNvPr id="5" name="Rectangle 4"/>
@@ -13484,7 +14394,7 @@
 </p:sld>
 </file>
 
-<file path=ppt/slides/slide29.xml><?xml version="1.0" encoding="utf-8"?>
+<file path=ppt/slides/slide31.xml><?xml version="1.0" encoding="utf-8"?>
 <p:sld xmlns:a="http://schemas.openxmlformats.org/drawingml/2006/main" xmlns:r="http://schemas.openxmlformats.org/officeDocument/2006/relationships" xmlns:p="http://schemas.openxmlformats.org/presentationml/2006/main">
   <p:cSld>
     <p:spTree>
@@ -13637,7 +14547,7 @@
               <a:pPr>
                 <a:defRPr/>
               </a:pPr>
-              <a:t>29</a:t>
+              <a:t>31</a:t>
             </a:fld>
             <a:endParaRPr lang="en-US" dirty="0"/>
           </a:p>
@@ -13835,139 +14745,7 @@
 </p:sld>
 </file>
 
-<file path=ppt/slides/slide3.xml><?xml version="1.0" encoding="utf-8"?>
-<p:sld xmlns:a="http://schemas.openxmlformats.org/drawingml/2006/main" xmlns:r="http://schemas.openxmlformats.org/officeDocument/2006/relationships" xmlns:p="http://schemas.openxmlformats.org/presentationml/2006/main">
-  <p:cSld>
-    <p:spTree>
-      <p:nvGrpSpPr>
-        <p:cNvPr id="1" name=""/>
-        <p:cNvGrpSpPr/>
-        <p:nvPr/>
-      </p:nvGrpSpPr>
-      <p:grpSpPr>
-        <a:xfrm>
-          <a:off x="0" y="0"/>
-          <a:ext cx="0" cy="0"/>
-          <a:chOff x="0" y="0"/>
-          <a:chExt cx="0" cy="0"/>
-        </a:xfrm>
-      </p:grpSpPr>
-      <p:sp>
-        <p:nvSpPr>
-          <p:cNvPr id="5" name="Title 4"/>
-          <p:cNvSpPr>
-            <a:spLocks noGrp="1"/>
-          </p:cNvSpPr>
-          <p:nvPr>
-            <p:ph type="ctrTitle"/>
-          </p:nvPr>
-        </p:nvSpPr>
-        <p:spPr>
-          <a:xfrm>
-            <a:off x="609600" y="1371600"/>
-            <a:ext cx="7924800" cy="685800"/>
-          </a:xfrm>
-        </p:spPr>
-        <p:txBody>
-          <a:bodyPr/>
-          <a:lstStyle/>
-          <a:p>
-            <a:r>
-              <a:rPr lang="en-US" dirty="0" smtClean="0"/>
-              <a:t>Definitions in </a:t>
-            </a:r>
-            <a:r>
-              <a:rPr lang="en-US" dirty="0"/>
-              <a:t>Combinatorics</a:t>
-            </a:r>
-          </a:p>
-        </p:txBody>
-      </p:sp>
-      <p:pic>
-        <p:nvPicPr>
-          <p:cNvPr id="12292" name="Picture 4" descr="http://www.tikirobot.net/wp/wp-content/uploads/2006/04/critterSneeze.jpg"/>
-          <p:cNvPicPr>
-            <a:picLocks noChangeAspect="1" noChangeArrowheads="1"/>
-          </p:cNvPicPr>
-          <p:nvPr/>
-        </p:nvPicPr>
-        <p:blipFill>
-          <a:blip r:embed="rId2">
-            <a:extLst>
-              <a:ext uri="{28A0092B-C50C-407E-A947-70E740481C1C}">
-                <a14:useLocalDpi xmlns:a14="http://schemas.microsoft.com/office/drawing/2010/main" val="0"/>
-              </a:ext>
-            </a:extLst>
-          </a:blip>
-          <a:srcRect/>
-          <a:stretch>
-            <a:fillRect/>
-          </a:stretch>
-        </p:blipFill>
-        <p:spPr bwMode="auto">
-          <a:xfrm>
-            <a:off x="2027786" y="2514600"/>
-            <a:ext cx="5088429" cy="3449954"/>
-          </a:xfrm>
-          <a:prstGeom prst="ellipse">
-            <a:avLst/>
-          </a:prstGeom>
-          <a:ln w="63500" cap="rnd">
-            <a:solidFill>
-              <a:srgbClr val="333333"/>
-            </a:solidFill>
-          </a:ln>
-          <a:effectLst>
-            <a:outerShdw blurRad="381000" dist="292100" dir="5400000" sx="-80000" sy="-18000" rotWithShape="0">
-              <a:srgbClr val="000000">
-                <a:alpha val="22000"/>
-              </a:srgbClr>
-            </a:outerShdw>
-          </a:effectLst>
-          <a:scene3d>
-            <a:camera prst="orthographicFront"/>
-            <a:lightRig rig="contrasting" dir="t">
-              <a:rot lat="0" lon="0" rev="3000000"/>
-            </a:lightRig>
-          </a:scene3d>
-          <a:sp3d contourW="7620">
-            <a:bevelT w="95250" h="31750"/>
-            <a:contourClr>
-              <a:srgbClr val="333333"/>
-            </a:contourClr>
-          </a:sp3d>
-          <a:extLst>
-            <a:ext uri="{909E8E84-426E-40DD-AFC4-6F175D3DCCD1}">
-              <a14:hiddenFill xmlns:a14="http://schemas.microsoft.com/office/drawing/2010/main">
-                <a:solidFill>
-                  <a:srgbClr val="FFFFFF"/>
-                </a:solidFill>
-              </a14:hiddenFill>
-            </a:ext>
-          </a:extLst>
-        </p:spPr>
-      </p:pic>
-    </p:spTree>
-    <p:extLst>
-      <p:ext uri="{BB962C8B-B14F-4D97-AF65-F5344CB8AC3E}">
-        <p14:creationId xmlns:p14="http://schemas.microsoft.com/office/powerpoint/2010/main" val="806452078"/>
-      </p:ext>
-    </p:extLst>
-  </p:cSld>
-  <p:clrMapOvr>
-    <a:masterClrMapping/>
-  </p:clrMapOvr>
-  <p:timing>
-    <p:tnLst>
-      <p:par>
-        <p:cTn id="1" dur="indefinite" restart="never" nodeType="tmRoot"/>
-      </p:par>
-    </p:tnLst>
-  </p:timing>
-</p:sld>
-</file>
-
-<file path=ppt/slides/slide30.xml><?xml version="1.0" encoding="utf-8"?>
+<file path=ppt/slides/slide32.xml><?xml version="1.0" encoding="utf-8"?>
 <p:sld xmlns:a="http://schemas.openxmlformats.org/drawingml/2006/main" xmlns:r="http://schemas.openxmlformats.org/officeDocument/2006/relationships" xmlns:p="http://schemas.openxmlformats.org/presentationml/2006/main">
   <p:cSld>
     <p:spTree>
@@ -14913,7 +15691,7 @@
 </p:sld>
 </file>
 
-<file path=ppt/slides/slide31.xml><?xml version="1.0" encoding="utf-8"?>
+<file path=ppt/slides/slide33.xml><?xml version="1.0" encoding="utf-8"?>
 <p:sld xmlns:a="http://schemas.openxmlformats.org/drawingml/2006/main" xmlns:r="http://schemas.openxmlformats.org/officeDocument/2006/relationships" xmlns:p="http://schemas.openxmlformats.org/presentationml/2006/main">
   <p:cSld>
     <p:spTree>
@@ -15092,7 +15870,7 @@
               <a:pPr>
                 <a:defRPr/>
               </a:pPr>
-              <a:t>31</a:t>
+              <a:t>33</a:t>
             </a:fld>
             <a:endParaRPr lang="en-US" dirty="0"/>
           </a:p>
@@ -15243,7 +16021,7 @@
 </p:sld>
 </file>
 
-<file path=ppt/slides/slide32.xml><?xml version="1.0" encoding="utf-8"?>
+<file path=ppt/slides/slide34.xml><?xml version="1.0" encoding="utf-8"?>
 <p:sld xmlns:a="http://schemas.openxmlformats.org/drawingml/2006/main" xmlns:r="http://schemas.openxmlformats.org/officeDocument/2006/relationships" xmlns:p="http://schemas.openxmlformats.org/presentationml/2006/main">
   <p:cSld>
     <p:spTree>
@@ -15460,7 +16238,7 @@
               <a:pPr>
                 <a:defRPr/>
               </a:pPr>
-              <a:t>32</a:t>
+              <a:t>34</a:t>
             </a:fld>
             <a:endParaRPr lang="en-US" dirty="0"/>
           </a:p>
@@ -15742,7 +16520,7 @@
 </p:sld>
 </file>
 
-<file path=ppt/slides/slide33.xml><?xml version="1.0" encoding="utf-8"?>
+<file path=ppt/slides/slide35.xml><?xml version="1.0" encoding="utf-8"?>
 <p:sld xmlns:a="http://schemas.openxmlformats.org/drawingml/2006/main" xmlns:r="http://schemas.openxmlformats.org/officeDocument/2006/relationships" xmlns:p="http://schemas.openxmlformats.org/presentationml/2006/main">
   <p:cSld>
     <p:spTree>
@@ -15953,7 +16731,7 @@
               <a:pPr>
                 <a:defRPr/>
               </a:pPr>
-              <a:t>33</a:t>
+              <a:t>35</a:t>
             </a:fld>
             <a:endParaRPr lang="en-US" dirty="0"/>
           </a:p>
@@ -16309,7 +17087,7 @@
 </p:sld>
 </file>
 
-<file path=ppt/slides/slide34.xml><?xml version="1.0" encoding="utf-8"?>
+<file path=ppt/slides/slide36.xml><?xml version="1.0" encoding="utf-8"?>
 <p:sld xmlns:a="http://schemas.openxmlformats.org/drawingml/2006/main" xmlns:r="http://schemas.openxmlformats.org/officeDocument/2006/relationships" xmlns:p="http://schemas.openxmlformats.org/presentationml/2006/main">
   <p:cSld>
     <p:spTree>
@@ -16349,7 +17127,7 @@
               <a:pPr>
                 <a:defRPr/>
               </a:pPr>
-              <a:t>34</a:t>
+              <a:t>36</a:t>
             </a:fld>
             <a:endParaRPr lang="en-US" dirty="0"/>
           </a:p>
@@ -16377,22 +17155,14 @@
           <a:p>
             <a:r>
               <a:rPr lang="en-US" sz="3600" dirty="0" smtClean="0"/>
-              <a:t>Generate </a:t>
-            </a:r>
-            <a:r>
-              <a:rPr lang="en-US" sz="3600" dirty="0" smtClean="0"/>
-              <a:t>Combinations</a:t>
+              <a:t>Generate Combinations</a:t>
             </a:r>
             <a:br>
               <a:rPr lang="en-US" sz="3600" dirty="0" smtClean="0"/>
             </a:br>
             <a:r>
               <a:rPr lang="en-US" sz="3600" dirty="0" smtClean="0"/>
-              <a:t>with </a:t>
-            </a:r>
-            <a:r>
-              <a:rPr lang="en-US" sz="3600" dirty="0" smtClean="0"/>
-              <a:t>Repetitions</a:t>
+              <a:t>with Repetitions</a:t>
             </a:r>
             <a:endParaRPr lang="bg-BG" sz="3600" dirty="0"/>
           </a:p>
@@ -16447,19 +17217,7 @@
           <a:p>
             <a:r>
               <a:rPr lang="en-US" noProof="1" smtClean="0"/>
-              <a:t>static </a:t>
-            </a:r>
-            <a:r>
-              <a:rPr lang="en-US" noProof="1" smtClean="0"/>
-              <a:t>void </a:t>
-            </a:r>
-            <a:r>
-              <a:rPr lang="en-US" noProof="1" smtClean="0"/>
-              <a:t>CombReps(int </a:t>
-            </a:r>
-            <a:r>
-              <a:rPr lang="en-US" noProof="1" smtClean="0"/>
-              <a:t>index, int start)</a:t>
+              <a:t>static void CombReps(int index, int start)</a:t>
             </a:r>
           </a:p>
           <a:p>
@@ -16485,82 +17243,35 @@
               <a:rPr lang="en-US" noProof="1" smtClean="0"/>
               <a:t>  else</a:t>
             </a:r>
-            <a:endParaRPr lang="en-US" noProof="1" smtClean="0"/>
           </a:p>
           <a:p>
             <a:r>
               <a:rPr lang="en-US" noProof="1" smtClean="0"/>
-              <a:t>  </a:t>
-            </a:r>
+              <a:t>    for (int i = start; i &lt; n; i++)</a:t>
+            </a:r>
+          </a:p>
+          <a:p>
             <a:r>
               <a:rPr lang="en-US" noProof="1" smtClean="0"/>
-              <a:t>  for </a:t>
-            </a:r>
+              <a:t>    {</a:t>
+            </a:r>
+          </a:p>
+          <a:p>
             <a:r>
               <a:rPr lang="en-US" noProof="1" smtClean="0"/>
-              <a:t>(int i = start; i &lt; n; i++)</a:t>
+              <a:t>      arr[index] = i;</a:t>
             </a:r>
           </a:p>
           <a:p>
             <a:r>
               <a:rPr lang="en-US" noProof="1" smtClean="0"/>
-              <a:t>  </a:t>
-            </a:r>
+              <a:t>      CombReps(index + 1, i);</a:t>
+            </a:r>
+          </a:p>
+          <a:p>
             <a:r>
               <a:rPr lang="en-US" noProof="1" smtClean="0"/>
-              <a:t>  {</a:t>
-            </a:r>
-            <a:endParaRPr lang="en-US" noProof="1" smtClean="0"/>
-          </a:p>
-          <a:p>
-            <a:r>
-              <a:rPr lang="en-US" noProof="1" smtClean="0"/>
-              <a:t>    </a:t>
-            </a:r>
-            <a:r>
-              <a:rPr lang="en-US" noProof="1" smtClean="0"/>
-              <a:t>  arr[index</a:t>
-            </a:r>
-            <a:r>
-              <a:rPr lang="en-US" noProof="1" smtClean="0"/>
-              <a:t>] = i;</a:t>
-            </a:r>
-          </a:p>
-          <a:p>
-            <a:r>
-              <a:rPr lang="en-US" noProof="1" smtClean="0"/>
-              <a:t>    </a:t>
-            </a:r>
-            <a:r>
-              <a:rPr lang="en-US" noProof="1" smtClean="0"/>
-              <a:t>  CombReps(index </a:t>
-            </a:r>
-            <a:r>
-              <a:rPr lang="en-US" noProof="1" smtClean="0"/>
-              <a:t>+ 1</a:t>
-            </a:r>
-            <a:r>
-              <a:rPr lang="en-US" noProof="1" smtClean="0"/>
-              <a:t>, </a:t>
-            </a:r>
-            <a:r>
-              <a:rPr lang="en-US" noProof="1" smtClean="0"/>
-              <a:t>i);</a:t>
-            </a:r>
-            <a:endParaRPr lang="en-US" noProof="1" smtClean="0"/>
-          </a:p>
-          <a:p>
-            <a:r>
-              <a:rPr lang="en-US" noProof="1" smtClean="0"/>
-              <a:t> </a:t>
-            </a:r>
-            <a:r>
-              <a:rPr lang="en-US" noProof="1" smtClean="0"/>
-              <a:t>   </a:t>
-            </a:r>
-            <a:r>
-              <a:rPr lang="en-US" noProof="1" smtClean="0"/>
-              <a:t>}</a:t>
+              <a:t>    }</a:t>
             </a:r>
           </a:p>
           <a:p>
@@ -16646,7 +17357,7 @@
 </p:sld>
 </file>
 
-<file path=ppt/slides/slide35.xml><?xml version="1.0" encoding="utf-8"?>
+<file path=ppt/slides/slide37.xml><?xml version="1.0" encoding="utf-8"?>
 <p:sld xmlns:a="http://schemas.openxmlformats.org/drawingml/2006/main" xmlns:r="http://schemas.openxmlformats.org/officeDocument/2006/relationships" xmlns:p="http://schemas.openxmlformats.org/presentationml/2006/main">
   <p:cSld>
     <p:spTree>
@@ -16793,7 +17504,7 @@
 </p:sld>
 </file>
 
-<file path=ppt/slides/slide36.xml><?xml version="1.0" encoding="utf-8"?>
+<file path=ppt/slides/slide38.xml><?xml version="1.0" encoding="utf-8"?>
 <p:sld xmlns:a="http://schemas.openxmlformats.org/drawingml/2006/main" xmlns:r="http://schemas.openxmlformats.org/officeDocument/2006/relationships" xmlns:p="http://schemas.openxmlformats.org/presentationml/2006/main">
   <p:cSld>
     <p:spTree>
@@ -16886,7 +17597,7 @@
               <a:pPr>
                 <a:defRPr/>
               </a:pPr>
-              <a:t>36</a:t>
+              <a:t>38</a:t>
             </a:fld>
             <a:endParaRPr lang="en-US" dirty="0"/>
           </a:p>
@@ -16970,7 +17681,7 @@
 </p:sld>
 </file>
 
-<file path=ppt/slides/slide37.xml><?xml version="1.0" encoding="utf-8"?>
+<file path=ppt/slides/slide39.xml><?xml version="1.0" encoding="utf-8"?>
 <p:sld xmlns:a="http://schemas.openxmlformats.org/drawingml/2006/main" xmlns:r="http://schemas.openxmlformats.org/officeDocument/2006/relationships" xmlns:p="http://schemas.openxmlformats.org/presentationml/2006/main">
   <p:cSld>
     <p:spTree>
@@ -17085,7 +17796,312 @@
 </p:sld>
 </file>
 
-<file path=ppt/slides/slide38.xml><?xml version="1.0" encoding="utf-8"?>
+<file path=ppt/slides/slide4.xml><?xml version="1.0" encoding="utf-8"?>
+<p:sld xmlns:a="http://schemas.openxmlformats.org/drawingml/2006/main" xmlns:r="http://schemas.openxmlformats.org/officeDocument/2006/relationships" xmlns:p="http://schemas.openxmlformats.org/presentationml/2006/main">
+  <p:cSld>
+    <p:spTree>
+      <p:nvGrpSpPr>
+        <p:cNvPr id="1" name=""/>
+        <p:cNvGrpSpPr/>
+        <p:nvPr/>
+      </p:nvGrpSpPr>
+      <p:grpSpPr>
+        <a:xfrm>
+          <a:off x="0" y="0"/>
+          <a:ext cx="0" cy="0"/>
+          <a:chOff x="0" y="0"/>
+          <a:chExt cx="0" cy="0"/>
+        </a:xfrm>
+      </p:grpSpPr>
+      <p:sp>
+        <p:nvSpPr>
+          <p:cNvPr id="4" name="Title 3"/>
+          <p:cNvSpPr>
+            <a:spLocks noGrp="1"/>
+          </p:cNvSpPr>
+          <p:nvPr>
+            <p:ph type="title"/>
+          </p:nvPr>
+        </p:nvSpPr>
+        <p:spPr/>
+        <p:txBody>
+          <a:bodyPr/>
+          <a:lstStyle/>
+          <a:p>
+            <a:r>
+              <a:rPr lang="en-US" dirty="0" smtClean="0"/>
+              <a:t>Combinatorics</a:t>
+            </a:r>
+            <a:endParaRPr lang="bg-BG" dirty="0"/>
+          </a:p>
+        </p:txBody>
+      </p:sp>
+      <p:sp>
+        <p:nvSpPr>
+          <p:cNvPr id="5" name="Content Placeholder 4"/>
+          <p:cNvSpPr>
+            <a:spLocks noGrp="1"/>
+          </p:cNvSpPr>
+          <p:nvPr>
+            <p:ph idx="1"/>
+          </p:nvPr>
+        </p:nvSpPr>
+        <p:spPr>
+          <a:xfrm>
+            <a:off x="228600" y="838200"/>
+            <a:ext cx="8686800" cy="5715000"/>
+          </a:xfrm>
+        </p:spPr>
+        <p:txBody>
+          <a:bodyPr/>
+          <a:lstStyle/>
+          <a:p>
+            <a:r>
+              <a:rPr lang="en-US" dirty="0">
+                <a:solidFill>
+                  <a:schemeClr val="accent5">
+                    <a:lumMod val="20000"/>
+                    <a:lumOff val="80000"/>
+                  </a:schemeClr>
+                </a:solidFill>
+              </a:rPr>
+              <a:t>Combinatorics</a:t>
+            </a:r>
+            <a:r>
+              <a:rPr lang="en-US" dirty="0"/>
+              <a:t> is a branch of </a:t>
+            </a:r>
+            <a:r>
+              <a:rPr lang="en-US" dirty="0" smtClean="0"/>
+              <a:t>mathematics</a:t>
+            </a:r>
+          </a:p>
+          <a:p>
+            <a:pPr lvl="1"/>
+            <a:r>
+              <a:rPr lang="en-US" dirty="0" smtClean="0"/>
+              <a:t>Concerning </a:t>
+            </a:r>
+            <a:r>
+              <a:rPr lang="en-US" dirty="0"/>
+              <a:t>the study of finite or countable discrete </a:t>
+            </a:r>
+            <a:r>
+              <a:rPr lang="en-US" dirty="0" smtClean="0"/>
+              <a:t>structures</a:t>
+            </a:r>
+          </a:p>
+          <a:p>
+            <a:r>
+              <a:rPr lang="en-US" dirty="0"/>
+              <a:t>Combinatorial problems arise </a:t>
+            </a:r>
+            <a:r>
+              <a:rPr lang="en-US" dirty="0" smtClean="0"/>
+              <a:t>in</a:t>
+            </a:r>
+            <a:br>
+              <a:rPr lang="en-US" dirty="0" smtClean="0"/>
+            </a:br>
+            <a:r>
+              <a:rPr lang="en-US" dirty="0" smtClean="0"/>
+              <a:t>many </a:t>
+            </a:r>
+            <a:r>
+              <a:rPr lang="en-US" dirty="0"/>
+              <a:t>areas of pure </a:t>
+            </a:r>
+            <a:r>
+              <a:rPr lang="en-US" dirty="0" smtClean="0"/>
+              <a:t>mathematics</a:t>
+            </a:r>
+          </a:p>
+          <a:p>
+            <a:pPr lvl="1"/>
+            <a:r>
+              <a:rPr lang="en-US" dirty="0" smtClean="0"/>
+              <a:t>Notably </a:t>
+            </a:r>
+            <a:r>
+              <a:rPr lang="en-US" dirty="0"/>
+              <a:t>in algebra, </a:t>
+            </a:r>
+            <a:r>
+              <a:rPr lang="en-US" dirty="0" smtClean="0"/>
+              <a:t>probability</a:t>
+            </a:r>
+            <a:br>
+              <a:rPr lang="en-US" dirty="0" smtClean="0"/>
+            </a:br>
+            <a:r>
+              <a:rPr lang="en-US" dirty="0" smtClean="0"/>
+              <a:t>theory</a:t>
+            </a:r>
+            <a:r>
+              <a:rPr lang="en-US" dirty="0"/>
+              <a:t>, </a:t>
+            </a:r>
+            <a:r>
+              <a:rPr lang="en-US" dirty="0" smtClean="0"/>
+              <a:t>topology</a:t>
+            </a:r>
+            <a:r>
+              <a:rPr lang="en-US" dirty="0"/>
+              <a:t>, </a:t>
+            </a:r>
+            <a:r>
+              <a:rPr lang="en-US" dirty="0" smtClean="0"/>
+              <a:t>geometry,</a:t>
+            </a:r>
+            <a:br>
+              <a:rPr lang="en-US" dirty="0" smtClean="0"/>
+            </a:br>
+            <a:r>
+              <a:rPr lang="en-US" dirty="0" smtClean="0"/>
+              <a:t>physics, chemistry, biology, etc.</a:t>
+            </a:r>
+            <a:endParaRPr lang="bg-BG" dirty="0"/>
+          </a:p>
+        </p:txBody>
+      </p:sp>
+      <p:pic>
+        <p:nvPicPr>
+          <p:cNvPr id="13315" name="Picture 3"/>
+          <p:cNvPicPr>
+            <a:picLocks noChangeAspect="1" noChangeArrowheads="1"/>
+          </p:cNvPicPr>
+          <p:nvPr/>
+        </p:nvPicPr>
+        <p:blipFill>
+          <a:blip r:embed="rId2">
+            <a:extLst>
+              <a:ext uri="{28A0092B-C50C-407E-A947-70E740481C1C}">
+                <a14:useLocalDpi xmlns:a14="http://schemas.microsoft.com/office/drawing/2010/main" val="0"/>
+              </a:ext>
+            </a:extLst>
+          </a:blip>
+          <a:srcRect/>
+          <a:stretch>
+            <a:fillRect/>
+          </a:stretch>
+        </p:blipFill>
+        <p:spPr bwMode="auto">
+          <a:xfrm>
+            <a:off x="6810375" y="2362200"/>
+            <a:ext cx="1638300" cy="3228975"/>
+          </a:xfrm>
+          <a:prstGeom prst="roundRect">
+            <a:avLst>
+              <a:gd name="adj" fmla="val 8594"/>
+            </a:avLst>
+          </a:prstGeom>
+          <a:solidFill>
+            <a:srgbClr val="FFFFFF">
+              <a:shade val="85000"/>
+            </a:srgbClr>
+          </a:solidFill>
+          <a:ln>
+            <a:noFill/>
+          </a:ln>
+          <a:effectLst>
+            <a:reflection blurRad="12700" stA="38000" endPos="28000" dist="5000" dir="5400000" sy="-100000" algn="bl" rotWithShape="0"/>
+          </a:effectLst>
+          <a:extLst>
+            <a:ext uri="{91240B29-F687-4F45-9708-019B960494DF}">
+              <a14:hiddenLine xmlns:a14="http://schemas.microsoft.com/office/drawing/2010/main" w="9525">
+                <a:solidFill>
+                  <a:schemeClr val="tx1"/>
+                </a:solidFill>
+                <a:miter lim="800000"/>
+                <a:headEnd/>
+                <a:tailEnd/>
+              </a14:hiddenLine>
+            </a:ext>
+            <a:ext uri="{AF507438-7753-43E0-B8FC-AC1667EBCBE1}">
+              <a14:hiddenEffects xmlns:a14="http://schemas.microsoft.com/office/drawing/2010/main">
+                <a:effectLst>
+                  <a:outerShdw dist="35921" dir="2700000" algn="ctr" rotWithShape="0">
+                    <a:schemeClr val="bg2"/>
+                  </a:outerShdw>
+                </a:effectLst>
+              </a14:hiddenEffects>
+            </a:ext>
+          </a:extLst>
+        </p:spPr>
+      </p:pic>
+      <p:pic>
+        <p:nvPicPr>
+          <p:cNvPr id="13317" name="Picture 5" descr="http://www.cms.caltech.edu/images/labs/dna.jpg?1349995401"/>
+          <p:cNvPicPr>
+            <a:picLocks noChangeAspect="1" noChangeArrowheads="1"/>
+          </p:cNvPicPr>
+          <p:nvPr/>
+        </p:nvPicPr>
+        <p:blipFill>
+          <a:blip r:embed="rId3" cstate="print">
+            <a:extLst>
+              <a:ext uri="{28A0092B-C50C-407E-A947-70E740481C1C}">
+                <a14:useLocalDpi xmlns:a14="http://schemas.microsoft.com/office/drawing/2010/main" val="0"/>
+              </a:ext>
+            </a:extLst>
+          </a:blip>
+          <a:srcRect/>
+          <a:stretch>
+            <a:fillRect/>
+          </a:stretch>
+        </p:blipFill>
+        <p:spPr bwMode="auto">
+          <a:xfrm>
+            <a:off x="2370912" y="5591175"/>
+            <a:ext cx="2286000" cy="792804"/>
+          </a:xfrm>
+          <a:prstGeom prst="roundRect">
+            <a:avLst>
+              <a:gd name="adj" fmla="val 4008"/>
+            </a:avLst>
+          </a:prstGeom>
+          <a:ln>
+            <a:noFill/>
+          </a:ln>
+          <a:effectLst>
+            <a:outerShdw blurRad="190500" algn="tl" rotWithShape="0">
+              <a:srgbClr val="000000">
+                <a:alpha val="70000"/>
+              </a:srgbClr>
+            </a:outerShdw>
+          </a:effectLst>
+          <a:extLst>
+            <a:ext uri="{909E8E84-426E-40DD-AFC4-6F175D3DCCD1}">
+              <a14:hiddenFill xmlns:a14="http://schemas.microsoft.com/office/drawing/2010/main">
+                <a:solidFill>
+                  <a:srgbClr val="FFFFFF"/>
+                </a:solidFill>
+              </a14:hiddenFill>
+            </a:ext>
+          </a:extLst>
+        </p:spPr>
+      </p:pic>
+    </p:spTree>
+    <p:extLst>
+      <p:ext uri="{BB962C8B-B14F-4D97-AF65-F5344CB8AC3E}">
+        <p14:creationId xmlns:p14="http://schemas.microsoft.com/office/powerpoint/2010/main" val="2066550533"/>
+      </p:ext>
+    </p:extLst>
+  </p:cSld>
+  <p:clrMapOvr>
+    <a:masterClrMapping/>
+  </p:clrMapOvr>
+  <p:timing>
+    <p:tnLst>
+      <p:par>
+        <p:cTn id="1" dur="indefinite" restart="never" nodeType="tmRoot"/>
+      </p:par>
+    </p:tnLst>
+  </p:timing>
+</p:sld>
+</file>
+
+<file path=ppt/slides/slide40.xml><?xml version="1.0" encoding="utf-8"?>
 <p:sld xmlns:a="http://schemas.openxmlformats.org/drawingml/2006/main" xmlns:r="http://schemas.openxmlformats.org/officeDocument/2006/relationships" xmlns:p="http://schemas.openxmlformats.org/presentationml/2006/main">
   <p:cSld>
     <p:spTree>
@@ -17394,7 +18410,7 @@
 </p:sld>
 </file>
 
-<file path=ppt/slides/slide39.xml><?xml version="1.0" encoding="utf-8"?>
+<file path=ppt/slides/slide41.xml><?xml version="1.0" encoding="utf-8"?>
 <p:sld xmlns:a="http://schemas.openxmlformats.org/drawingml/2006/main" xmlns:r="http://schemas.openxmlformats.org/officeDocument/2006/relationships" xmlns:p="http://schemas.openxmlformats.org/presentationml/2006/main">
   <p:cSld>
     <p:spTree>
@@ -17542,7 +18558,7 @@
               <a:pPr>
                 <a:defRPr/>
               </a:pPr>
-              <a:t>39</a:t>
+              <a:t>41</a:t>
             </a:fld>
             <a:endParaRPr lang="en-US" dirty="0"/>
           </a:p>
@@ -19746,312 +20762,7 @@
 </p:sld>
 </file>
 
-<file path=ppt/slides/slide4.xml><?xml version="1.0" encoding="utf-8"?>
-<p:sld xmlns:a="http://schemas.openxmlformats.org/drawingml/2006/main" xmlns:r="http://schemas.openxmlformats.org/officeDocument/2006/relationships" xmlns:p="http://schemas.openxmlformats.org/presentationml/2006/main">
-  <p:cSld>
-    <p:spTree>
-      <p:nvGrpSpPr>
-        <p:cNvPr id="1" name=""/>
-        <p:cNvGrpSpPr/>
-        <p:nvPr/>
-      </p:nvGrpSpPr>
-      <p:grpSpPr>
-        <a:xfrm>
-          <a:off x="0" y="0"/>
-          <a:ext cx="0" cy="0"/>
-          <a:chOff x="0" y="0"/>
-          <a:chExt cx="0" cy="0"/>
-        </a:xfrm>
-      </p:grpSpPr>
-      <p:sp>
-        <p:nvSpPr>
-          <p:cNvPr id="4" name="Title 3"/>
-          <p:cNvSpPr>
-            <a:spLocks noGrp="1"/>
-          </p:cNvSpPr>
-          <p:nvPr>
-            <p:ph type="title"/>
-          </p:nvPr>
-        </p:nvSpPr>
-        <p:spPr/>
-        <p:txBody>
-          <a:bodyPr/>
-          <a:lstStyle/>
-          <a:p>
-            <a:r>
-              <a:rPr lang="en-US" dirty="0" smtClean="0"/>
-              <a:t>Combinatorics</a:t>
-            </a:r>
-            <a:endParaRPr lang="bg-BG" dirty="0"/>
-          </a:p>
-        </p:txBody>
-      </p:sp>
-      <p:sp>
-        <p:nvSpPr>
-          <p:cNvPr id="5" name="Content Placeholder 4"/>
-          <p:cNvSpPr>
-            <a:spLocks noGrp="1"/>
-          </p:cNvSpPr>
-          <p:nvPr>
-            <p:ph idx="1"/>
-          </p:nvPr>
-        </p:nvSpPr>
-        <p:spPr>
-          <a:xfrm>
-            <a:off x="228600" y="838200"/>
-            <a:ext cx="8686800" cy="5715000"/>
-          </a:xfrm>
-        </p:spPr>
-        <p:txBody>
-          <a:bodyPr/>
-          <a:lstStyle/>
-          <a:p>
-            <a:r>
-              <a:rPr lang="en-US" dirty="0">
-                <a:solidFill>
-                  <a:schemeClr val="accent5">
-                    <a:lumMod val="20000"/>
-                    <a:lumOff val="80000"/>
-                  </a:schemeClr>
-                </a:solidFill>
-              </a:rPr>
-              <a:t>Combinatorics</a:t>
-            </a:r>
-            <a:r>
-              <a:rPr lang="en-US" dirty="0"/>
-              <a:t> is a branch of </a:t>
-            </a:r>
-            <a:r>
-              <a:rPr lang="en-US" dirty="0" smtClean="0"/>
-              <a:t>mathematics</a:t>
-            </a:r>
-          </a:p>
-          <a:p>
-            <a:pPr lvl="1"/>
-            <a:r>
-              <a:rPr lang="en-US" dirty="0" smtClean="0"/>
-              <a:t>Concerning </a:t>
-            </a:r>
-            <a:r>
-              <a:rPr lang="en-US" dirty="0"/>
-              <a:t>the study of finite or countable discrete </a:t>
-            </a:r>
-            <a:r>
-              <a:rPr lang="en-US" dirty="0" smtClean="0"/>
-              <a:t>structures</a:t>
-            </a:r>
-          </a:p>
-          <a:p>
-            <a:r>
-              <a:rPr lang="en-US" dirty="0"/>
-              <a:t>Combinatorial problems arise </a:t>
-            </a:r>
-            <a:r>
-              <a:rPr lang="en-US" dirty="0" smtClean="0"/>
-              <a:t>in</a:t>
-            </a:r>
-            <a:br>
-              <a:rPr lang="en-US" dirty="0" smtClean="0"/>
-            </a:br>
-            <a:r>
-              <a:rPr lang="en-US" dirty="0" smtClean="0"/>
-              <a:t>many </a:t>
-            </a:r>
-            <a:r>
-              <a:rPr lang="en-US" dirty="0"/>
-              <a:t>areas of pure </a:t>
-            </a:r>
-            <a:r>
-              <a:rPr lang="en-US" dirty="0" smtClean="0"/>
-              <a:t>mathematics</a:t>
-            </a:r>
-          </a:p>
-          <a:p>
-            <a:pPr lvl="1"/>
-            <a:r>
-              <a:rPr lang="en-US" dirty="0" smtClean="0"/>
-              <a:t>Notably </a:t>
-            </a:r>
-            <a:r>
-              <a:rPr lang="en-US" dirty="0"/>
-              <a:t>in algebra, </a:t>
-            </a:r>
-            <a:r>
-              <a:rPr lang="en-US" dirty="0" smtClean="0"/>
-              <a:t>probability</a:t>
-            </a:r>
-            <a:br>
-              <a:rPr lang="en-US" dirty="0" smtClean="0"/>
-            </a:br>
-            <a:r>
-              <a:rPr lang="en-US" dirty="0" smtClean="0"/>
-              <a:t>theory</a:t>
-            </a:r>
-            <a:r>
-              <a:rPr lang="en-US" dirty="0"/>
-              <a:t>, </a:t>
-            </a:r>
-            <a:r>
-              <a:rPr lang="en-US" dirty="0" smtClean="0"/>
-              <a:t>topology</a:t>
-            </a:r>
-            <a:r>
-              <a:rPr lang="en-US" dirty="0"/>
-              <a:t>, </a:t>
-            </a:r>
-            <a:r>
-              <a:rPr lang="en-US" dirty="0" smtClean="0"/>
-              <a:t>geometry,</a:t>
-            </a:r>
-            <a:br>
-              <a:rPr lang="en-US" dirty="0" smtClean="0"/>
-            </a:br>
-            <a:r>
-              <a:rPr lang="en-US" dirty="0" smtClean="0"/>
-              <a:t>physics, chemistry, biology, etc.</a:t>
-            </a:r>
-            <a:endParaRPr lang="bg-BG" dirty="0"/>
-          </a:p>
-        </p:txBody>
-      </p:sp>
-      <p:pic>
-        <p:nvPicPr>
-          <p:cNvPr id="13315" name="Picture 3"/>
-          <p:cNvPicPr>
-            <a:picLocks noChangeAspect="1" noChangeArrowheads="1"/>
-          </p:cNvPicPr>
-          <p:nvPr/>
-        </p:nvPicPr>
-        <p:blipFill>
-          <a:blip r:embed="rId2">
-            <a:extLst>
-              <a:ext uri="{28A0092B-C50C-407E-A947-70E740481C1C}">
-                <a14:useLocalDpi xmlns:a14="http://schemas.microsoft.com/office/drawing/2010/main" val="0"/>
-              </a:ext>
-            </a:extLst>
-          </a:blip>
-          <a:srcRect/>
-          <a:stretch>
-            <a:fillRect/>
-          </a:stretch>
-        </p:blipFill>
-        <p:spPr bwMode="auto">
-          <a:xfrm>
-            <a:off x="6810375" y="2362200"/>
-            <a:ext cx="1638300" cy="3228975"/>
-          </a:xfrm>
-          <a:prstGeom prst="roundRect">
-            <a:avLst>
-              <a:gd name="adj" fmla="val 8594"/>
-            </a:avLst>
-          </a:prstGeom>
-          <a:solidFill>
-            <a:srgbClr val="FFFFFF">
-              <a:shade val="85000"/>
-            </a:srgbClr>
-          </a:solidFill>
-          <a:ln>
-            <a:noFill/>
-          </a:ln>
-          <a:effectLst>
-            <a:reflection blurRad="12700" stA="38000" endPos="28000" dist="5000" dir="5400000" sy="-100000" algn="bl" rotWithShape="0"/>
-          </a:effectLst>
-          <a:extLst>
-            <a:ext uri="{91240B29-F687-4F45-9708-019B960494DF}">
-              <a14:hiddenLine xmlns:a14="http://schemas.microsoft.com/office/drawing/2010/main" w="9525">
-                <a:solidFill>
-                  <a:schemeClr val="tx1"/>
-                </a:solidFill>
-                <a:miter lim="800000"/>
-                <a:headEnd/>
-                <a:tailEnd/>
-              </a14:hiddenLine>
-            </a:ext>
-            <a:ext uri="{AF507438-7753-43E0-B8FC-AC1667EBCBE1}">
-              <a14:hiddenEffects xmlns:a14="http://schemas.microsoft.com/office/drawing/2010/main">
-                <a:effectLst>
-                  <a:outerShdw dist="35921" dir="2700000" algn="ctr" rotWithShape="0">
-                    <a:schemeClr val="bg2"/>
-                  </a:outerShdw>
-                </a:effectLst>
-              </a14:hiddenEffects>
-            </a:ext>
-          </a:extLst>
-        </p:spPr>
-      </p:pic>
-      <p:pic>
-        <p:nvPicPr>
-          <p:cNvPr id="13317" name="Picture 5" descr="http://www.cms.caltech.edu/images/labs/dna.jpg?1349995401"/>
-          <p:cNvPicPr>
-            <a:picLocks noChangeAspect="1" noChangeArrowheads="1"/>
-          </p:cNvPicPr>
-          <p:nvPr/>
-        </p:nvPicPr>
-        <p:blipFill>
-          <a:blip r:embed="rId3" cstate="print">
-            <a:extLst>
-              <a:ext uri="{28A0092B-C50C-407E-A947-70E740481C1C}">
-                <a14:useLocalDpi xmlns:a14="http://schemas.microsoft.com/office/drawing/2010/main" val="0"/>
-              </a:ext>
-            </a:extLst>
-          </a:blip>
-          <a:srcRect/>
-          <a:stretch>
-            <a:fillRect/>
-          </a:stretch>
-        </p:blipFill>
-        <p:spPr bwMode="auto">
-          <a:xfrm>
-            <a:off x="2370912" y="5591175"/>
-            <a:ext cx="2286000" cy="792804"/>
-          </a:xfrm>
-          <a:prstGeom prst="roundRect">
-            <a:avLst>
-              <a:gd name="adj" fmla="val 4008"/>
-            </a:avLst>
-          </a:prstGeom>
-          <a:ln>
-            <a:noFill/>
-          </a:ln>
-          <a:effectLst>
-            <a:outerShdw blurRad="190500" algn="tl" rotWithShape="0">
-              <a:srgbClr val="000000">
-                <a:alpha val="70000"/>
-              </a:srgbClr>
-            </a:outerShdw>
-          </a:effectLst>
-          <a:extLst>
-            <a:ext uri="{909E8E84-426E-40DD-AFC4-6F175D3DCCD1}">
-              <a14:hiddenFill xmlns:a14="http://schemas.microsoft.com/office/drawing/2010/main">
-                <a:solidFill>
-                  <a:srgbClr val="FFFFFF"/>
-                </a:solidFill>
-              </a14:hiddenFill>
-            </a:ext>
-          </a:extLst>
-        </p:spPr>
-      </p:pic>
-    </p:spTree>
-    <p:extLst>
-      <p:ext uri="{BB962C8B-B14F-4D97-AF65-F5344CB8AC3E}">
-        <p14:creationId xmlns:p14="http://schemas.microsoft.com/office/powerpoint/2010/main" val="2066550533"/>
-      </p:ext>
-    </p:extLst>
-  </p:cSld>
-  <p:clrMapOvr>
-    <a:masterClrMapping/>
-  </p:clrMapOvr>
-  <p:timing>
-    <p:tnLst>
-      <p:par>
-        <p:cTn id="1" dur="indefinite" restart="never" nodeType="tmRoot"/>
-      </p:par>
-    </p:tnLst>
-  </p:timing>
-</p:sld>
-</file>
-
-<file path=ppt/slides/slide40.xml><?xml version="1.0" encoding="utf-8"?>
+<file path=ppt/slides/slide42.xml><?xml version="1.0" encoding="utf-8"?>
 <p:sld xmlns:a="http://schemas.openxmlformats.org/drawingml/2006/main" xmlns:r="http://schemas.openxmlformats.org/officeDocument/2006/relationships" xmlns:p="http://schemas.openxmlformats.org/presentationml/2006/main">
   <p:cSld>
     <p:spTree>
@@ -20085,19 +20796,7 @@
           <a:p>
             <a:r>
               <a:rPr lang="en-US" dirty="0" smtClean="0"/>
-              <a:t>Gray </a:t>
-            </a:r>
-            <a:r>
-              <a:rPr lang="en-US" dirty="0" smtClean="0"/>
-              <a:t>Code – </a:t>
-            </a:r>
-            <a:r>
-              <a:rPr lang="en-US" dirty="0" smtClean="0"/>
-              <a:t>Source </a:t>
-            </a:r>
-            <a:r>
-              <a:rPr lang="en-US" dirty="0" smtClean="0"/>
-              <a:t>Code </a:t>
+              <a:t>Gray Code – Source Code </a:t>
             </a:r>
             <a:endParaRPr lang="bg-BG" dirty="0"/>
           </a:p>
@@ -20125,26 +20824,44 @@
           <a:p>
             <a:r>
               <a:rPr lang="en-US" noProof="1" smtClean="0"/>
-              <a:t>int n = 4, a[1000], i;</a:t>
-            </a:r>
-          </a:p>
-          <a:p>
+              <a:t>static int </a:t>
+            </a:r>
             <a:r>
               <a:rPr lang="en-US" noProof="1" smtClean="0"/>
-              <a:t>void print(void)</a:t>
+              <a:t>n = 4, a[1000], i;</a:t>
             </a:r>
           </a:p>
           <a:p>
             <a:r>
               <a:rPr lang="en-US" noProof="1" smtClean="0"/>
-              <a:t>{  for (i = n; i &gt;= 1; i--) printf("%d ", a[i]);</a:t>
-            </a:r>
+              <a:t>static void Print()</a:t>
+            </a:r>
+            <a:endParaRPr lang="en-US" noProof="1" smtClean="0"/>
           </a:p>
           <a:p>
             <a:r>
               <a:rPr lang="en-US" noProof="1" smtClean="0"/>
-              <a:t>   printf("\n");</a:t>
-            </a:r>
+              <a:t>{  for (i = n; i &gt;= 1; i--) </a:t>
+            </a:r>
+            <a:r>
+              <a:rPr lang="en-US" noProof="1" smtClean="0"/>
+              <a:t>Console.Write("{0} </a:t>
+            </a:r>
+            <a:r>
+              <a:rPr lang="en-US" noProof="1" smtClean="0"/>
+              <a:t>", a[i]);</a:t>
+            </a:r>
+          </a:p>
+          <a:p>
+            <a:r>
+              <a:rPr lang="en-US" noProof="1" smtClean="0"/>
+              <a:t>   </a:t>
+            </a:r>
+            <a:r>
+              <a:rPr lang="en-US" noProof="1" smtClean="0"/>
+              <a:t>Console.WriteLine();</a:t>
+            </a:r>
+            <a:endParaRPr lang="en-US" noProof="1" smtClean="0"/>
           </a:p>
           <a:p>
             <a:r>
@@ -20155,25 +20872,53 @@
           <a:p>
             <a:r>
               <a:rPr lang="en-US" noProof="1" smtClean="0"/>
-              <a:t>void backgray(int k)</a:t>
-            </a:r>
-          </a:p>
-          <a:p>
+              <a:t>static void Backgray(int </a:t>
+            </a:r>
             <a:r>
               <a:rPr lang="en-US" noProof="1" smtClean="0"/>
-              <a:t>{  if (0 == k) { print(); return; }</a:t>
+              <a:t>k)</a:t>
             </a:r>
           </a:p>
           <a:p>
             <a:r>
               <a:rPr lang="en-US" noProof="1" smtClean="0"/>
-              <a:t>   a[k] = 1;  forwgray(k - 1);</a:t>
-            </a:r>
-          </a:p>
-          <a:p>
+              <a:t>{  if (0 == k) { </a:t>
+            </a:r>
             <a:r>
               <a:rPr lang="en-US" noProof="1" smtClean="0"/>
-              <a:t>   a[k] = 0;  backgray(k - 1);</a:t>
+              <a:t>Print</a:t>
+            </a:r>
+            <a:r>
+              <a:rPr lang="en-US" noProof="1" smtClean="0"/>
+              <a:t>(); return; }</a:t>
+            </a:r>
+          </a:p>
+          <a:p>
+            <a:r>
+              <a:rPr lang="en-US" noProof="1" smtClean="0"/>
+              <a:t>   a[k] = 1;  </a:t>
+            </a:r>
+            <a:r>
+              <a:rPr lang="en-US" noProof="1" smtClean="0"/>
+              <a:t>Forwgray(k </a:t>
+            </a:r>
+            <a:r>
+              <a:rPr lang="en-US" noProof="1" smtClean="0"/>
+              <a:t>- 1);</a:t>
+            </a:r>
+          </a:p>
+          <a:p>
+            <a:r>
+              <a:rPr lang="en-US" noProof="1" smtClean="0"/>
+              <a:t>   a[k] = 0;  </a:t>
+            </a:r>
+            <a:r>
+              <a:rPr lang="en-US" noProof="1" smtClean="0"/>
+              <a:t>Backgray(k </a:t>
+            </a:r>
+            <a:r>
+              <a:rPr lang="en-US" noProof="1" smtClean="0"/>
+              <a:t>- 1);</a:t>
             </a:r>
           </a:p>
           <a:p>
@@ -20185,25 +20930,53 @@
           <a:p>
             <a:r>
               <a:rPr lang="en-US" noProof="1" smtClean="0"/>
-              <a:t>void forwgray(int k)</a:t>
-            </a:r>
-          </a:p>
-          <a:p>
+              <a:t>static void Forwgray(int </a:t>
+            </a:r>
             <a:r>
               <a:rPr lang="en-US" noProof="1" smtClean="0"/>
-              <a:t>{  if (0 == k) {  print(); return; }</a:t>
+              <a:t>k)</a:t>
             </a:r>
           </a:p>
           <a:p>
             <a:r>
               <a:rPr lang="en-US" noProof="1" smtClean="0"/>
-              <a:t>   a[k] = 0;  forwgray(k - 1);</a:t>
-            </a:r>
-          </a:p>
-          <a:p>
+              <a:t>{  if (0 == k) { </a:t>
+            </a:r>
             <a:r>
               <a:rPr lang="en-US" noProof="1" smtClean="0"/>
-              <a:t>   a[k] = 1;  backgray(k - 1);</a:t>
+              <a:t>Print</a:t>
+            </a:r>
+            <a:r>
+              <a:rPr lang="en-US" noProof="1" smtClean="0"/>
+              <a:t>(); return; }</a:t>
+            </a:r>
+          </a:p>
+          <a:p>
+            <a:r>
+              <a:rPr lang="en-US" noProof="1" smtClean="0"/>
+              <a:t>   a[k] = 0;  </a:t>
+            </a:r>
+            <a:r>
+              <a:rPr lang="en-US" noProof="1" smtClean="0"/>
+              <a:t>Forwgray(k </a:t>
+            </a:r>
+            <a:r>
+              <a:rPr lang="en-US" noProof="1" smtClean="0"/>
+              <a:t>- 1);</a:t>
+            </a:r>
+          </a:p>
+          <a:p>
+            <a:r>
+              <a:rPr lang="en-US" noProof="1" smtClean="0"/>
+              <a:t>   a[k] = 1;  </a:t>
+            </a:r>
+            <a:r>
+              <a:rPr lang="en-US" noProof="1" smtClean="0"/>
+              <a:t>Backgray(k </a:t>
+            </a:r>
+            <a:r>
+              <a:rPr lang="en-US" noProof="1" smtClean="0"/>
+              <a:t>- 1);</a:t>
             </a:r>
           </a:p>
           <a:p>
@@ -20215,15 +20988,19 @@
           <a:p>
             <a:r>
               <a:rPr lang="en-US" noProof="1" smtClean="0"/>
-              <a:t>int main() { forwgray(n); return 0</a:t>
+              <a:t>static int Main</a:t>
             </a:r>
             <a:r>
               <a:rPr lang="en-US" noProof="1" smtClean="0"/>
-              <a:t>; </a:t>
+              <a:t>() { </a:t>
             </a:r>
             <a:r>
               <a:rPr lang="en-US" noProof="1" smtClean="0"/>
-              <a:t>}</a:t>
+              <a:t>Forwgray(n</a:t>
+            </a:r>
+            <a:r>
+              <a:rPr lang="en-US" noProof="1" smtClean="0"/>
+              <a:t>); return 0; }</a:t>
             </a:r>
             <a:endParaRPr lang="en-US" noProof="1"/>
           </a:p>
@@ -20309,7 +21086,7 @@
 </p:sld>
 </file>
 
-<file path=ppt/slides/slide41.xml><?xml version="1.0" encoding="utf-8"?>
+<file path=ppt/slides/slide43.xml><?xml version="1.0" encoding="utf-8"?>
 <p:sld xmlns:a="http://schemas.openxmlformats.org/drawingml/2006/main" xmlns:r="http://schemas.openxmlformats.org/officeDocument/2006/relationships" xmlns:p="http://schemas.openxmlformats.org/presentationml/2006/main">
   <p:cSld>
     <p:spTree>
@@ -20449,7 +21226,264 @@
 </p:sld>
 </file>
 
-<file path=ppt/slides/slide42.xml><?xml version="1.0" encoding="utf-8"?>
+<file path=ppt/slides/slide44.xml><?xml version="1.0" encoding="utf-8"?>
+<p:sld xmlns:a="http://schemas.openxmlformats.org/drawingml/2006/main" xmlns:r="http://schemas.openxmlformats.org/officeDocument/2006/relationships" xmlns:p="http://schemas.openxmlformats.org/presentationml/2006/main">
+  <p:cSld>
+    <p:spTree>
+      <p:nvGrpSpPr>
+        <p:cNvPr id="1" name=""/>
+        <p:cNvGrpSpPr/>
+        <p:nvPr/>
+      </p:nvGrpSpPr>
+      <p:grpSpPr>
+        <a:xfrm>
+          <a:off x="0" y="0"/>
+          <a:ext cx="0" cy="0"/>
+          <a:chOff x="0" y="0"/>
+          <a:chExt cx="0" cy="0"/>
+        </a:xfrm>
+      </p:grpSpPr>
+      <p:sp>
+        <p:nvSpPr>
+          <p:cNvPr id="2" name="Title 1"/>
+          <p:cNvSpPr>
+            <a:spLocks noGrp="1"/>
+          </p:cNvSpPr>
+          <p:nvPr>
+            <p:ph type="title"/>
+          </p:nvPr>
+        </p:nvSpPr>
+        <p:spPr/>
+        <p:txBody>
+          <a:bodyPr/>
+          <a:lstStyle/>
+          <a:p>
+            <a:r>
+              <a:rPr lang="en-US" dirty="0" smtClean="0"/>
+              <a:t>Resources</a:t>
+            </a:r>
+            <a:endParaRPr lang="en-US" dirty="0"/>
+          </a:p>
+        </p:txBody>
+      </p:sp>
+      <p:sp>
+        <p:nvSpPr>
+          <p:cNvPr id="3" name="Content Placeholder 2"/>
+          <p:cNvSpPr>
+            <a:spLocks noGrp="1"/>
+          </p:cNvSpPr>
+          <p:nvPr>
+            <p:ph idx="1"/>
+          </p:nvPr>
+        </p:nvSpPr>
+        <p:spPr>
+          <a:xfrm>
+            <a:off x="228600" y="762000"/>
+            <a:ext cx="8686800" cy="5791200"/>
+          </a:xfrm>
+        </p:spPr>
+        <p:txBody>
+          <a:bodyPr/>
+          <a:lstStyle/>
+          <a:p>
+            <a:r>
+              <a:rPr lang="en-US" dirty="0" smtClean="0"/>
+              <a:t>Video lectures (in Bulgarian)</a:t>
+            </a:r>
+          </a:p>
+          <a:p>
+            <a:pPr lvl="1"/>
+            <a:r>
+              <a:rPr lang="en-US" dirty="0">
+                <a:hlinkClick r:id="rId2"/>
+              </a:rPr>
+              <a:t>http://cs.maycamp.com/?</a:t>
+            </a:r>
+            <a:r>
+              <a:rPr lang="en-US" dirty="0" smtClean="0">
+                <a:hlinkClick r:id="rId2"/>
+              </a:rPr>
+              <a:t>page_id=685</a:t>
+            </a:r>
+            <a:endParaRPr lang="en-US" dirty="0" smtClean="0"/>
+          </a:p>
+          <a:p>
+            <a:pPr lvl="1"/>
+            <a:r>
+              <a:rPr lang="en-US" dirty="0">
+                <a:hlinkClick r:id="rId3"/>
+              </a:rPr>
+              <a:t>http://cs.maycamp.com/?</a:t>
+            </a:r>
+            <a:r>
+              <a:rPr lang="en-US" dirty="0" smtClean="0">
+                <a:hlinkClick r:id="rId3"/>
+              </a:rPr>
+              <a:t>page_id=760</a:t>
+            </a:r>
+            <a:endParaRPr lang="en-US" dirty="0" smtClean="0"/>
+          </a:p>
+          <a:p>
+            <a:pPr lvl="1"/>
+            <a:r>
+              <a:rPr lang="en-US" dirty="0">
+                <a:hlinkClick r:id="rId4"/>
+              </a:rPr>
+              <a:t>http://cs.maycamp.com/?</a:t>
+            </a:r>
+            <a:r>
+              <a:rPr lang="en-US" dirty="0" smtClean="0">
+                <a:hlinkClick r:id="rId4"/>
+              </a:rPr>
+              <a:t>page_id=764</a:t>
+            </a:r>
+            <a:endParaRPr lang="en-US" dirty="0" smtClean="0"/>
+          </a:p>
+          <a:p>
+            <a:r>
+              <a:rPr lang="en-US" dirty="0" err="1" smtClean="0"/>
+              <a:t>TopCoder</a:t>
+            </a:r>
+            <a:r>
+              <a:rPr lang="en-US" dirty="0"/>
+              <a:t> </a:t>
+            </a:r>
+            <a:r>
+              <a:rPr lang="en-US" dirty="0" smtClean="0"/>
+              <a:t>article: </a:t>
+            </a:r>
+            <a:r>
+              <a:rPr lang="en-US" dirty="0">
+                <a:hlinkClick r:id="rId5"/>
+              </a:rPr>
+              <a:t>http://</a:t>
+            </a:r>
+            <a:r>
+              <a:rPr lang="en-US" dirty="0" smtClean="0">
+                <a:hlinkClick r:id="rId5"/>
+              </a:rPr>
+              <a:t>goo.gl/bN9RL</a:t>
+            </a:r>
+            <a:endParaRPr lang="en-US" dirty="0" smtClean="0"/>
+          </a:p>
+          <a:p>
+            <a:r>
+              <a:rPr lang="en-US" dirty="0">
+                <a:hlinkClick r:id="rId6"/>
+              </a:rPr>
+              <a:t>http://</a:t>
+            </a:r>
+            <a:r>
+              <a:rPr lang="en-US" dirty="0" smtClean="0">
+                <a:hlinkClick r:id="rId6"/>
+              </a:rPr>
+              <a:t>en.wikipedia.org/wiki/Permutation</a:t>
+            </a:r>
+            <a:endParaRPr lang="en-US" dirty="0" smtClean="0"/>
+          </a:p>
+          <a:p>
+            <a:r>
+              <a:rPr lang="en-US" dirty="0">
+                <a:hlinkClick r:id="rId7"/>
+              </a:rPr>
+              <a:t>http://</a:t>
+            </a:r>
+            <a:r>
+              <a:rPr lang="en-US" dirty="0" smtClean="0">
+                <a:hlinkClick r:id="rId7"/>
+              </a:rPr>
+              <a:t>en.wikipedia.org/wiki/Combination</a:t>
+            </a:r>
+            <a:endParaRPr lang="en-US" dirty="0" smtClean="0"/>
+          </a:p>
+          <a:p>
+            <a:r>
+              <a:rPr lang="en-US" dirty="0" smtClean="0"/>
+              <a:t>Book: </a:t>
+            </a:r>
+            <a:r>
+              <a:rPr lang="en-US" dirty="0">
+                <a:hlinkClick r:id="rId8"/>
+              </a:rPr>
+              <a:t>http://</a:t>
+            </a:r>
+            <a:r>
+              <a:rPr lang="en-US" dirty="0" smtClean="0">
+                <a:hlinkClick r:id="rId8"/>
+              </a:rPr>
+              <a:t>goo.gl/Z2Knl</a:t>
+            </a:r>
+            <a:endParaRPr lang="en-US" dirty="0" smtClean="0"/>
+          </a:p>
+          <a:p>
+            <a:r>
+              <a:rPr lang="en-US" dirty="0" err="1" smtClean="0"/>
+              <a:t>Nakov’s</a:t>
+            </a:r>
+            <a:r>
+              <a:rPr lang="en-US" dirty="0" smtClean="0"/>
+              <a:t> book: Programming </a:t>
+            </a:r>
+            <a:r>
+              <a:rPr lang="en-US" dirty="0"/>
+              <a:t>= ++Algorithms;</a:t>
+            </a:r>
+          </a:p>
+          <a:p>
+            <a:endParaRPr lang="en-US" dirty="0" smtClean="0"/>
+          </a:p>
+        </p:txBody>
+      </p:sp>
+      <p:sp>
+        <p:nvSpPr>
+          <p:cNvPr id="4" name="Slide Number Placeholder 3"/>
+          <p:cNvSpPr>
+            <a:spLocks noGrp="1"/>
+          </p:cNvSpPr>
+          <p:nvPr>
+            <p:ph type="sldNum" sz="quarter" idx="10"/>
+          </p:nvPr>
+        </p:nvSpPr>
+        <p:spPr/>
+        <p:txBody>
+          <a:bodyPr/>
+          <a:lstStyle/>
+          <a:p>
+            <a:pPr>
+              <a:defRPr/>
+            </a:pPr>
+            <a:fld id="{58452FF4-89E3-4D1B-9927-2DBDC00E58D7}" type="slidenum">
+              <a:rPr lang="en-US" smtClean="0"/>
+              <a:pPr>
+                <a:defRPr/>
+              </a:pPr>
+              <a:t>44</a:t>
+            </a:fld>
+            <a:endParaRPr lang="en-US" dirty="0"/>
+          </a:p>
+        </p:txBody>
+      </p:sp>
+    </p:spTree>
+    <p:extLst>
+      <p:ext uri="{BB962C8B-B14F-4D97-AF65-F5344CB8AC3E}">
+        <p14:creationId xmlns:p14="http://schemas.microsoft.com/office/powerpoint/2010/main" val="2906961571"/>
+      </p:ext>
+    </p:extLst>
+  </p:cSld>
+  <p:clrMapOvr>
+    <a:masterClrMapping/>
+  </p:clrMapOvr>
+  <p:timing>
+    <p:tnLst>
+      <p:par>
+        <p:cTn id="1" dur="indefinite" restart="never" nodeType="tmRoot"/>
+      </p:par>
+    </p:tnLst>
+  </p:timing>
+</p:sld>
+</file>
+
+<file path=ppt/slides/slide45.xml><?xml version="1.0" encoding="utf-8"?>
 <p:sld xmlns:a="http://schemas.openxmlformats.org/drawingml/2006/main" xmlns:r="http://schemas.openxmlformats.org/officeDocument/2006/relationships" xmlns:p="http://schemas.openxmlformats.org/presentationml/2006/main">
   <p:cSld>
     <p:spTree>
@@ -20539,7 +21573,7 @@
 </p:sld>
 </file>
 
-<file path=ppt/slides/slide43.xml><?xml version="1.0" encoding="utf-8"?>
+<file path=ppt/slides/slide46.xml><?xml version="1.0" encoding="utf-8"?>
 <p:sld xmlns:a="http://schemas.openxmlformats.org/drawingml/2006/main" xmlns:r="http://schemas.openxmlformats.org/officeDocument/2006/relationships" xmlns:p="http://schemas.openxmlformats.org/presentationml/2006/main">
   <p:cSld>
     <p:spTree>
@@ -20659,7 +21693,7 @@
               <a:pPr>
                 <a:defRPr/>
               </a:pPr>
-              <a:t>43</a:t>
+              <a:t>46</a:t>
             </a:fld>
             <a:endParaRPr lang="en-US" dirty="0"/>
           </a:p>
@@ -20678,7 +21712,7 @@
 </p:sld>
 </file>
 
-<file path=ppt/slides/slide44.xml><?xml version="1.0" encoding="utf-8"?>
+<file path=ppt/slides/slide47.xml><?xml version="1.0" encoding="utf-8"?>
 <p:sld xmlns:a="http://schemas.openxmlformats.org/drawingml/2006/main" xmlns:r="http://schemas.openxmlformats.org/officeDocument/2006/relationships" xmlns:p="http://schemas.openxmlformats.org/presentationml/2006/main">
   <p:cSld>
     <p:spTree>
@@ -21940,6 +22974,1156 @@
       </p:grpSpPr>
       <p:sp>
         <p:nvSpPr>
+          <p:cNvPr id="2" name="Title 1"/>
+          <p:cNvSpPr>
+            <a:spLocks noGrp="1"/>
+          </p:cNvSpPr>
+          <p:nvPr>
+            <p:ph type="title"/>
+          </p:nvPr>
+        </p:nvSpPr>
+        <p:spPr/>
+        <p:txBody>
+          <a:bodyPr/>
+          <a:lstStyle/>
+          <a:p>
+            <a:r>
+              <a:rPr lang="en-US" dirty="0" smtClean="0"/>
+              <a:t>Factorial</a:t>
+            </a:r>
+            <a:endParaRPr lang="en-US" dirty="0"/>
+          </a:p>
+        </p:txBody>
+      </p:sp>
+      <p:sp>
+        <p:nvSpPr>
+          <p:cNvPr id="3" name="Content Placeholder 2"/>
+          <p:cNvSpPr>
+            <a:spLocks noGrp="1"/>
+          </p:cNvSpPr>
+          <p:nvPr>
+            <p:ph idx="1"/>
+          </p:nvPr>
+        </p:nvSpPr>
+        <p:spPr/>
+        <p:txBody>
+          <a:bodyPr/>
+          <a:lstStyle/>
+          <a:p>
+            <a:r>
+              <a:rPr lang="en-US" dirty="0" smtClean="0"/>
+              <a:t>The factorial function (</a:t>
+            </a:r>
+            <a:r>
+              <a:rPr lang="en-US" dirty="0" smtClean="0">
+                <a:solidFill>
+                  <a:schemeClr val="accent4"/>
+                </a:solidFill>
+              </a:rPr>
+              <a:t>!</a:t>
+            </a:r>
+            <a:r>
+              <a:rPr lang="en-US" dirty="0" smtClean="0"/>
+              <a:t>) just means to multiply a series of descending natural numbers</a:t>
+            </a:r>
+          </a:p>
+          <a:p>
+            <a:pPr lvl="1"/>
+            <a:r>
+              <a:rPr lang="en-US" dirty="0" smtClean="0"/>
+              <a:t>n</a:t>
+            </a:r>
+            <a:r>
+              <a:rPr lang="en-US" dirty="0"/>
+              <a:t>! = n × (n-1</a:t>
+            </a:r>
+            <a:r>
+              <a:rPr lang="en-US" dirty="0" smtClean="0"/>
+              <a:t>)!</a:t>
+            </a:r>
+          </a:p>
+          <a:p>
+            <a:pPr lvl="2"/>
+            <a:r>
+              <a:rPr lang="en-US" dirty="0"/>
+              <a:t>1! = 1, 0! = </a:t>
+            </a:r>
+            <a:r>
+              <a:rPr lang="en-US" dirty="0" smtClean="0"/>
+              <a:t>1</a:t>
+            </a:r>
+            <a:endParaRPr lang="en-US" dirty="0"/>
+          </a:p>
+          <a:p>
+            <a:pPr lvl="2"/>
+            <a:r>
+              <a:rPr lang="en-US" dirty="0" smtClean="0"/>
+              <a:t>4</a:t>
+            </a:r>
+            <a:r>
+              <a:rPr lang="en-US" dirty="0"/>
+              <a:t>! = 4 × 3 × 2 × 1 = </a:t>
+            </a:r>
+            <a:r>
+              <a:rPr lang="en-US" dirty="0" smtClean="0"/>
+              <a:t>24</a:t>
+            </a:r>
+          </a:p>
+          <a:p>
+            <a:pPr lvl="2"/>
+            <a:r>
+              <a:rPr lang="en-US" dirty="0"/>
+              <a:t>7! = 7 × 6 × 5 × 4 × 3 × 2 × 1 = </a:t>
+            </a:r>
+            <a:r>
+              <a:rPr lang="en-US" dirty="0" smtClean="0"/>
+              <a:t>5040</a:t>
+            </a:r>
+          </a:p>
+          <a:p>
+            <a:endParaRPr lang="en-US" dirty="0"/>
+          </a:p>
+        </p:txBody>
+      </p:sp>
+      <p:sp>
+        <p:nvSpPr>
+          <p:cNvPr id="4" name="Slide Number Placeholder 3"/>
+          <p:cNvSpPr>
+            <a:spLocks noGrp="1"/>
+          </p:cNvSpPr>
+          <p:nvPr>
+            <p:ph type="sldNum" sz="quarter" idx="10"/>
+          </p:nvPr>
+        </p:nvSpPr>
+        <p:spPr/>
+        <p:txBody>
+          <a:bodyPr/>
+          <a:lstStyle/>
+          <a:p>
+            <a:pPr>
+              <a:defRPr/>
+            </a:pPr>
+            <a:fld id="{58452FF4-89E3-4D1B-9927-2DBDC00E58D7}" type="slidenum">
+              <a:rPr lang="en-US" smtClean="0"/>
+              <a:pPr>
+                <a:defRPr/>
+              </a:pPr>
+              <a:t>7</a:t>
+            </a:fld>
+            <a:endParaRPr lang="en-US" dirty="0"/>
+          </a:p>
+        </p:txBody>
+      </p:sp>
+      <p:pic>
+        <p:nvPicPr>
+          <p:cNvPr id="6149" name="Picture 5"/>
+          <p:cNvPicPr>
+            <a:picLocks noChangeAspect="1" noChangeArrowheads="1"/>
+          </p:cNvPicPr>
+          <p:nvPr/>
+        </p:nvPicPr>
+        <p:blipFill>
+          <a:blip r:embed="rId2">
+            <a:extLst>
+              <a:ext uri="{28A0092B-C50C-407E-A947-70E740481C1C}">
+                <a14:useLocalDpi xmlns:a14="http://schemas.microsoft.com/office/drawing/2010/main" val="0"/>
+              </a:ext>
+            </a:extLst>
+          </a:blip>
+          <a:srcRect/>
+          <a:stretch>
+            <a:fillRect/>
+          </a:stretch>
+        </p:blipFill>
+        <p:spPr bwMode="auto">
+          <a:xfrm>
+            <a:off x="6019800" y="2438400"/>
+            <a:ext cx="1905000" cy="1174010"/>
+          </a:xfrm>
+          <a:prstGeom prst="rect">
+            <a:avLst/>
+          </a:prstGeom>
+          <a:ln w="38100" cap="sq">
+            <a:solidFill>
+              <a:srgbClr val="000000"/>
+            </a:solidFill>
+            <a:prstDash val="solid"/>
+            <a:miter lim="800000"/>
+          </a:ln>
+          <a:effectLst>
+            <a:outerShdw blurRad="50800" dist="38100" dir="2700000" algn="tl" rotWithShape="0">
+              <a:srgbClr val="000000">
+                <a:alpha val="43000"/>
+              </a:srgbClr>
+            </a:outerShdw>
+          </a:effectLst>
+          <a:extLst>
+            <a:ext uri="{909E8E84-426E-40DD-AFC4-6F175D3DCCD1}">
+              <a14:hiddenFill xmlns:a14="http://schemas.microsoft.com/office/drawing/2010/main">
+                <a:solidFill>
+                  <a:schemeClr val="accent1"/>
+                </a:solidFill>
+              </a14:hiddenFill>
+            </a:ext>
+          </a:extLst>
+        </p:spPr>
+      </p:pic>
+      <p:pic>
+        <p:nvPicPr>
+          <p:cNvPr id="6152" name="Picture 8"/>
+          <p:cNvPicPr>
+            <a:picLocks noChangeAspect="1" noChangeArrowheads="1"/>
+          </p:cNvPicPr>
+          <p:nvPr/>
+        </p:nvPicPr>
+        <p:blipFill>
+          <a:blip r:embed="rId3">
+            <a:extLst>
+              <a:ext uri="{28A0092B-C50C-407E-A947-70E740481C1C}">
+                <a14:useLocalDpi xmlns:a14="http://schemas.microsoft.com/office/drawing/2010/main" val="0"/>
+              </a:ext>
+            </a:extLst>
+          </a:blip>
+          <a:srcRect/>
+          <a:stretch>
+            <a:fillRect/>
+          </a:stretch>
+        </p:blipFill>
+        <p:spPr bwMode="auto">
+          <a:xfrm>
+            <a:off x="2133600" y="4953000"/>
+            <a:ext cx="4572000" cy="1200371"/>
+          </a:xfrm>
+          <a:prstGeom prst="rect">
+            <a:avLst/>
+          </a:prstGeom>
+          <a:ln w="228600" cap="sq" cmpd="thickThin">
+            <a:solidFill>
+              <a:srgbClr val="000000"/>
+            </a:solidFill>
+            <a:prstDash val="solid"/>
+            <a:miter lim="800000"/>
+          </a:ln>
+          <a:effectLst>
+            <a:innerShdw blurRad="76200">
+              <a:srgbClr val="000000"/>
+            </a:innerShdw>
+          </a:effectLst>
+          <a:extLst>
+            <a:ext uri="{909E8E84-426E-40DD-AFC4-6F175D3DCCD1}">
+              <a14:hiddenFill xmlns:a14="http://schemas.microsoft.com/office/drawing/2010/main">
+                <a:solidFill>
+                  <a:schemeClr val="accent1"/>
+                </a:solidFill>
+              </a14:hiddenFill>
+            </a:ext>
+          </a:extLst>
+        </p:spPr>
+      </p:pic>
+    </p:spTree>
+    <p:extLst>
+      <p:ext uri="{BB962C8B-B14F-4D97-AF65-F5344CB8AC3E}">
+        <p14:creationId xmlns:p14="http://schemas.microsoft.com/office/powerpoint/2010/main" val="72086214"/>
+      </p:ext>
+    </p:extLst>
+  </p:cSld>
+  <p:clrMapOvr>
+    <a:masterClrMapping/>
+  </p:clrMapOvr>
+  <p:timing>
+    <p:tnLst>
+      <p:par>
+        <p:cTn id="1" dur="indefinite" restart="never" nodeType="tmRoot"/>
+      </p:par>
+    </p:tnLst>
+  </p:timing>
+</p:sld>
+</file>
+
+<file path=ppt/slides/slide8.xml><?xml version="1.0" encoding="utf-8"?>
+<p:sld xmlns:a="http://schemas.openxmlformats.org/drawingml/2006/main" xmlns:r="http://schemas.openxmlformats.org/officeDocument/2006/relationships" xmlns:p="http://schemas.openxmlformats.org/presentationml/2006/main">
+  <p:cSld>
+    <p:spTree>
+      <p:nvGrpSpPr>
+        <p:cNvPr id="1" name=""/>
+        <p:cNvGrpSpPr/>
+        <p:nvPr/>
+      </p:nvGrpSpPr>
+      <p:grpSpPr>
+        <a:xfrm>
+          <a:off x="0" y="0"/>
+          <a:ext cx="0" cy="0"/>
+          <a:chOff x="0" y="0"/>
+          <a:chExt cx="0" cy="0"/>
+        </a:xfrm>
+      </p:grpSpPr>
+      <p:sp>
+        <p:nvSpPr>
+          <p:cNvPr id="5" name="Title 4"/>
+          <p:cNvSpPr>
+            <a:spLocks noGrp="1"/>
+          </p:cNvSpPr>
+          <p:nvPr>
+            <p:ph type="title"/>
+          </p:nvPr>
+        </p:nvSpPr>
+        <p:spPr/>
+        <p:txBody>
+          <a:bodyPr/>
+          <a:lstStyle/>
+          <a:p>
+            <a:pPr eaLnBrk="0" hangingPunct="0"/>
+            <a:r>
+              <a:rPr lang="en-US" dirty="0">
+                <a:effectLst>
+                  <a:outerShdw blurRad="38100" dist="38100" dir="2700000" algn="tl">
+                    <a:srgbClr val="000000">
+                      <a:alpha val="43137"/>
+                    </a:srgbClr>
+                  </a:outerShdw>
+                  <a:reflection blurRad="12700" stA="20000" endPos="50000" dist="12700" dir="5400000" sy="-100000" algn="bl" rotWithShape="0"/>
+                </a:effectLst>
+              </a:rPr>
+              <a:t>Factorial - Source code</a:t>
+            </a:r>
+            <a:endParaRPr lang="bg-BG" dirty="0">
+              <a:effectLst>
+                <a:outerShdw blurRad="38100" dist="38100" dir="2700000" algn="tl">
+                  <a:srgbClr val="000000">
+                    <a:alpha val="43137"/>
+                  </a:srgbClr>
+                </a:outerShdw>
+                <a:reflection blurRad="12700" stA="20000" endPos="50000" dist="12700" dir="5400000" sy="-100000" algn="bl" rotWithShape="0"/>
+              </a:effectLst>
+            </a:endParaRPr>
+          </a:p>
+        </p:txBody>
+      </p:sp>
+      <p:sp>
+        <p:nvSpPr>
+          <p:cNvPr id="6" name="Content Placeholder 5"/>
+          <p:cNvSpPr>
+            <a:spLocks noGrp="1"/>
+          </p:cNvSpPr>
+          <p:nvPr>
+            <p:ph idx="1"/>
+          </p:nvPr>
+        </p:nvSpPr>
+        <p:spPr>
+          <a:xfrm>
+            <a:off x="381000" y="3581400"/>
+            <a:ext cx="8382000" cy="579646"/>
+          </a:xfrm>
+        </p:spPr>
+        <p:txBody>
+          <a:bodyPr wrap="square">
+            <a:spAutoFit/>
+          </a:bodyPr>
+          <a:lstStyle/>
+          <a:p>
+            <a:r>
+              <a:rPr lang="en-US" dirty="0"/>
+              <a:t>Factorial – iterative</a:t>
+            </a:r>
+            <a:endParaRPr lang="bg-BG" dirty="0"/>
+          </a:p>
+        </p:txBody>
+      </p:sp>
+      <p:sp>
+        <p:nvSpPr>
+          <p:cNvPr id="7" name="Text Placeholder 6"/>
+          <p:cNvSpPr>
+            <a:spLocks noGrp="1"/>
+          </p:cNvSpPr>
+          <p:nvPr>
+            <p:ph type="body" sz="quarter" idx="10"/>
+          </p:nvPr>
+        </p:nvSpPr>
+        <p:spPr>
+          <a:xfrm>
+            <a:off x="381000" y="4267200"/>
+            <a:ext cx="8382000" cy="2031325"/>
+          </a:xfrm>
+        </p:spPr>
+        <p:txBody>
+          <a:bodyPr/>
+          <a:lstStyle/>
+          <a:p>
+            <a:r>
+              <a:rPr lang="en-US" dirty="0" smtClean="0"/>
+              <a:t>static </a:t>
+            </a:r>
+            <a:r>
+              <a:rPr lang="en-US" dirty="0"/>
+              <a:t>long </a:t>
+            </a:r>
+            <a:r>
+              <a:rPr lang="en-US" dirty="0" smtClean="0"/>
+              <a:t>Factorial(</a:t>
+            </a:r>
+            <a:r>
+              <a:rPr lang="en-US" dirty="0" err="1" smtClean="0"/>
+              <a:t>int</a:t>
+            </a:r>
+            <a:r>
+              <a:rPr lang="en-US" dirty="0" smtClean="0"/>
+              <a:t> </a:t>
+            </a:r>
+            <a:r>
+              <a:rPr lang="en-US" dirty="0"/>
+              <a:t>n)</a:t>
+            </a:r>
+          </a:p>
+          <a:p>
+            <a:r>
+              <a:rPr lang="en-US" dirty="0"/>
+              <a:t>{</a:t>
+            </a:r>
+          </a:p>
+          <a:p>
+            <a:r>
+              <a:rPr lang="en-US" dirty="0" smtClean="0"/>
+              <a:t>    long </a:t>
+            </a:r>
+            <a:r>
+              <a:rPr lang="en-US" dirty="0"/>
+              <a:t>result = 1;</a:t>
+            </a:r>
+          </a:p>
+          <a:p>
+            <a:r>
+              <a:rPr lang="en-US" dirty="0" smtClean="0"/>
+              <a:t>    for(</a:t>
+            </a:r>
+            <a:r>
+              <a:rPr lang="en-US" dirty="0" err="1" smtClean="0"/>
+              <a:t>int</a:t>
+            </a:r>
+            <a:r>
+              <a:rPr lang="en-US" dirty="0" smtClean="0"/>
+              <a:t> </a:t>
+            </a:r>
+            <a:r>
+              <a:rPr lang="en-US" dirty="0" err="1"/>
+              <a:t>i</a:t>
+            </a:r>
+            <a:r>
+              <a:rPr lang="en-US" dirty="0"/>
+              <a:t> = 2; </a:t>
+            </a:r>
+            <a:r>
+              <a:rPr lang="en-US" dirty="0" err="1"/>
+              <a:t>i</a:t>
+            </a:r>
+            <a:r>
+              <a:rPr lang="en-US" dirty="0"/>
+              <a:t> &lt;= n; </a:t>
+            </a:r>
+            <a:r>
+              <a:rPr lang="en-US" dirty="0" err="1"/>
+              <a:t>i</a:t>
+            </a:r>
+            <a:r>
+              <a:rPr lang="en-US" dirty="0" smtClean="0"/>
+              <a:t>++)</a:t>
+            </a:r>
+          </a:p>
+          <a:p>
+            <a:r>
+              <a:rPr lang="en-US" dirty="0"/>
+              <a:t> </a:t>
+            </a:r>
+            <a:r>
+              <a:rPr lang="en-US" dirty="0" smtClean="0"/>
+              <a:t>       result </a:t>
+            </a:r>
+            <a:r>
+              <a:rPr lang="en-US" dirty="0"/>
+              <a:t>= result * </a:t>
+            </a:r>
+            <a:r>
+              <a:rPr lang="en-US" dirty="0" err="1" smtClean="0"/>
+              <a:t>i</a:t>
+            </a:r>
+            <a:r>
+              <a:rPr lang="en-US" dirty="0" smtClean="0"/>
+              <a:t>;</a:t>
+            </a:r>
+          </a:p>
+          <a:p>
+            <a:r>
+              <a:rPr lang="en-US" dirty="0" smtClean="0"/>
+              <a:t>    return </a:t>
+            </a:r>
+            <a:r>
+              <a:rPr lang="en-US" dirty="0"/>
+              <a:t>result;</a:t>
+            </a:r>
+          </a:p>
+          <a:p>
+            <a:r>
+              <a:rPr lang="en-US" dirty="0" smtClean="0"/>
+              <a:t>}</a:t>
+            </a:r>
+            <a:endParaRPr lang="en-US" dirty="0"/>
+          </a:p>
+        </p:txBody>
+      </p:sp>
+      <p:sp>
+        <p:nvSpPr>
+          <p:cNvPr id="13" name="Content Placeholder 5"/>
+          <p:cNvSpPr txBox="1">
+            <a:spLocks/>
+          </p:cNvSpPr>
+          <p:nvPr/>
+        </p:nvSpPr>
+        <p:spPr>
+          <a:xfrm>
+            <a:off x="381000" y="1096754"/>
+            <a:ext cx="8382000" cy="579646"/>
+          </a:xfrm>
+          <a:prstGeom prst="rect">
+            <a:avLst/>
+          </a:prstGeom>
+        </p:spPr>
+        <p:txBody>
+          <a:bodyPr wrap="square">
+            <a:spAutoFit/>
+          </a:bodyPr>
+          <a:lstStyle>
+            <a:lvl1pPr marL="282575" indent="-282575" algn="l" rtl="0" eaLnBrk="1" fontAlgn="base" hangingPunct="1">
+              <a:lnSpc>
+                <a:spcPts val="3800"/>
+              </a:lnSpc>
+              <a:spcBef>
+                <a:spcPts val="600"/>
+              </a:spcBef>
+              <a:spcAft>
+                <a:spcPts val="600"/>
+              </a:spcAft>
+              <a:buClr>
+                <a:schemeClr val="accent5">
+                  <a:lumMod val="40000"/>
+                  <a:lumOff val="60000"/>
+                </a:schemeClr>
+              </a:buClr>
+              <a:buSzPct val="70000"/>
+              <a:buFont typeface="Wingdings 2" pitchFamily="18" charset="2"/>
+              <a:buNone/>
+              <a:tabLst>
+                <a:tab pos="282575" algn="l"/>
+              </a:tabLst>
+              <a:defRPr sz="3000" b="1" kern="1200" baseline="0">
+                <a:solidFill>
+                  <a:schemeClr val="tx1">
+                    <a:lumMod val="40000"/>
+                    <a:lumOff val="60000"/>
+                  </a:schemeClr>
+                </a:solidFill>
+                <a:effectLst>
+                  <a:outerShdw blurRad="38100" dist="38100" dir="2700000" algn="tl">
+                    <a:srgbClr val="000000">
+                      <a:alpha val="43137"/>
+                    </a:srgbClr>
+                  </a:outerShdw>
+                </a:effectLst>
+                <a:latin typeface="+mn-lt"/>
+                <a:ea typeface="+mn-ea"/>
+                <a:cs typeface="+mn-cs"/>
+              </a:defRPr>
+            </a:lvl1pPr>
+            <a:lvl2pPr marL="630238" indent="-273050" algn="l" rtl="0" eaLnBrk="1" fontAlgn="base" hangingPunct="1">
+              <a:lnSpc>
+                <a:spcPts val="3800"/>
+              </a:lnSpc>
+              <a:spcBef>
+                <a:spcPts val="600"/>
+              </a:spcBef>
+              <a:spcAft>
+                <a:spcPts val="600"/>
+              </a:spcAft>
+              <a:buClr>
+                <a:srgbClr val="8FD600"/>
+              </a:buClr>
+              <a:buFont typeface="Wingdings 2" pitchFamily="18" charset="2"/>
+              <a:buChar char=""/>
+              <a:defRPr sz="3000" b="1" kern="1200">
+                <a:solidFill>
+                  <a:schemeClr val="tx1">
+                    <a:lumMod val="40000"/>
+                    <a:lumOff val="60000"/>
+                  </a:schemeClr>
+                </a:solidFill>
+                <a:effectLst>
+                  <a:outerShdw blurRad="38100" dist="38100" dir="2700000" algn="tl">
+                    <a:srgbClr val="000000">
+                      <a:alpha val="43137"/>
+                    </a:srgbClr>
+                  </a:outerShdw>
+                </a:effectLst>
+                <a:latin typeface="+mn-lt"/>
+                <a:ea typeface="+mn-ea"/>
+                <a:cs typeface="+mn-cs"/>
+              </a:defRPr>
+            </a:lvl2pPr>
+            <a:lvl3pPr marL="922338" indent="-273050" algn="l" rtl="0" eaLnBrk="1" fontAlgn="base" hangingPunct="1">
+              <a:lnSpc>
+                <a:spcPts val="3800"/>
+              </a:lnSpc>
+              <a:spcBef>
+                <a:spcPts val="600"/>
+              </a:spcBef>
+              <a:spcAft>
+                <a:spcPts val="600"/>
+              </a:spcAft>
+              <a:buClr>
+                <a:srgbClr val="FFAD9F"/>
+              </a:buClr>
+              <a:buFont typeface="Wingdings 2" pitchFamily="18" charset="2"/>
+              <a:buChar char=""/>
+              <a:defRPr sz="2800" b="1" kern="1200">
+                <a:solidFill>
+                  <a:schemeClr val="tx1">
+                    <a:lumMod val="40000"/>
+                    <a:lumOff val="60000"/>
+                  </a:schemeClr>
+                </a:solidFill>
+                <a:effectLst>
+                  <a:outerShdw blurRad="38100" dist="38100" dir="2700000" algn="tl">
+                    <a:srgbClr val="000000">
+                      <a:alpha val="43137"/>
+                    </a:srgbClr>
+                  </a:outerShdw>
+                </a:effectLst>
+                <a:latin typeface="+mn-lt"/>
+                <a:ea typeface="+mn-ea"/>
+                <a:cs typeface="+mn-cs"/>
+              </a:defRPr>
+            </a:lvl3pPr>
+            <a:lvl4pPr marL="1187450" indent="-228600" algn="l" rtl="0" eaLnBrk="1" fontAlgn="base" hangingPunct="1">
+              <a:lnSpc>
+                <a:spcPts val="3800"/>
+              </a:lnSpc>
+              <a:spcBef>
+                <a:spcPts val="600"/>
+              </a:spcBef>
+              <a:spcAft>
+                <a:spcPts val="600"/>
+              </a:spcAft>
+              <a:buClr>
+                <a:srgbClr val="FACF82"/>
+              </a:buClr>
+              <a:buFont typeface="Wingdings 2" pitchFamily="18" charset="2"/>
+              <a:buChar char=""/>
+              <a:defRPr sz="2600" b="1" kern="1200">
+                <a:solidFill>
+                  <a:schemeClr val="tx1">
+                    <a:lumMod val="40000"/>
+                    <a:lumOff val="60000"/>
+                  </a:schemeClr>
+                </a:solidFill>
+                <a:effectLst>
+                  <a:outerShdw blurRad="38100" dist="38100" dir="2700000" algn="tl">
+                    <a:srgbClr val="000000">
+                      <a:alpha val="43137"/>
+                    </a:srgbClr>
+                  </a:outerShdw>
+                </a:effectLst>
+                <a:latin typeface="+mn-lt"/>
+                <a:ea typeface="+mn-ea"/>
+                <a:cs typeface="+mn-cs"/>
+              </a:defRPr>
+            </a:lvl4pPr>
+            <a:lvl5pPr marL="1425575" indent="-228600" algn="l" rtl="0" eaLnBrk="1" fontAlgn="base" hangingPunct="1">
+              <a:lnSpc>
+                <a:spcPts val="3800"/>
+              </a:lnSpc>
+              <a:spcBef>
+                <a:spcPts val="600"/>
+              </a:spcBef>
+              <a:spcAft>
+                <a:spcPts val="600"/>
+              </a:spcAft>
+              <a:buClr>
+                <a:srgbClr val="46A6BD"/>
+              </a:buClr>
+              <a:buFont typeface="Wingdings 2" pitchFamily="18" charset="2"/>
+              <a:buChar char=""/>
+              <a:defRPr sz="2400" b="1" kern="1200">
+                <a:solidFill>
+                  <a:schemeClr val="tx1">
+                    <a:lumMod val="40000"/>
+                    <a:lumOff val="60000"/>
+                  </a:schemeClr>
+                </a:solidFill>
+                <a:effectLst>
+                  <a:outerShdw blurRad="38100" dist="38100" dir="2700000" algn="tl">
+                    <a:srgbClr val="000000">
+                      <a:alpha val="43137"/>
+                    </a:srgbClr>
+                  </a:outerShdw>
+                </a:effectLst>
+                <a:latin typeface="+mn-lt"/>
+                <a:ea typeface="+mn-ea"/>
+                <a:cs typeface="+mn-cs"/>
+              </a:defRPr>
+            </a:lvl5pPr>
+            <a:lvl6pPr marL="1673352" indent="-228600" algn="l" rtl="0" eaLnBrk="1" latinLnBrk="0" hangingPunct="1">
+              <a:spcBef>
+                <a:spcPct val="20000"/>
+              </a:spcBef>
+              <a:buClr>
+                <a:schemeClr val="accent6"/>
+              </a:buClr>
+              <a:buFont typeface="Wingdings 2"/>
+              <a:buChar char=""/>
+              <a:defRPr sz="1800" kern="1200">
+                <a:solidFill>
+                  <a:schemeClr val="tx1"/>
+                </a:solidFill>
+                <a:latin typeface="+mn-lt"/>
+                <a:ea typeface="+mn-ea"/>
+                <a:cs typeface="+mn-cs"/>
+              </a:defRPr>
+            </a:lvl6pPr>
+            <a:lvl7pPr marL="1911096" indent="-228600" algn="l" rtl="0" eaLnBrk="1" latinLnBrk="0" hangingPunct="1">
+              <a:spcBef>
+                <a:spcPct val="20000"/>
+              </a:spcBef>
+              <a:buClr>
+                <a:schemeClr val="tx2"/>
+              </a:buClr>
+              <a:buFont typeface="Wingdings 2"/>
+              <a:buChar char=""/>
+              <a:defRPr sz="1600" kern="1200">
+                <a:solidFill>
+                  <a:schemeClr val="tx1"/>
+                </a:solidFill>
+                <a:latin typeface="+mn-lt"/>
+                <a:ea typeface="+mn-ea"/>
+                <a:cs typeface="+mn-cs"/>
+              </a:defRPr>
+            </a:lvl7pPr>
+            <a:lvl8pPr marL="2121408" indent="-182880" algn="l" rtl="0" eaLnBrk="1" latinLnBrk="0" hangingPunct="1">
+              <a:spcBef>
+                <a:spcPct val="20000"/>
+              </a:spcBef>
+              <a:buClr>
+                <a:schemeClr val="tx2"/>
+              </a:buClr>
+              <a:buFont typeface="Wingdings 2"/>
+              <a:buChar char=""/>
+              <a:defRPr sz="1400" kern="1200">
+                <a:solidFill>
+                  <a:schemeClr val="tx1"/>
+                </a:solidFill>
+                <a:latin typeface="+mn-lt"/>
+                <a:ea typeface="+mn-ea"/>
+                <a:cs typeface="+mn-cs"/>
+              </a:defRPr>
+            </a:lvl8pPr>
+            <a:lvl9pPr marL="2322576" indent="-182880" algn="l" rtl="0" eaLnBrk="1" latinLnBrk="0" hangingPunct="1">
+              <a:spcBef>
+                <a:spcPct val="20000"/>
+              </a:spcBef>
+              <a:buClr>
+                <a:schemeClr val="tx2"/>
+              </a:buClr>
+              <a:buFont typeface="Wingdings 2"/>
+              <a:buChar char=""/>
+              <a:defRPr sz="1400" kern="1200">
+                <a:solidFill>
+                  <a:schemeClr val="tx1"/>
+                </a:solidFill>
+                <a:latin typeface="+mn-lt"/>
+                <a:ea typeface="+mn-ea"/>
+                <a:cs typeface="+mn-cs"/>
+              </a:defRPr>
+            </a:lvl9pPr>
+          </a:lstStyle>
+          <a:p>
+            <a:r>
+              <a:rPr lang="en-US" dirty="0" smtClean="0"/>
+              <a:t>Factorial – recursive</a:t>
+            </a:r>
+            <a:endParaRPr lang="bg-BG" dirty="0"/>
+          </a:p>
+        </p:txBody>
+      </p:sp>
+      <p:sp>
+        <p:nvSpPr>
+          <p:cNvPr id="14" name="Text Placeholder 6"/>
+          <p:cNvSpPr txBox="1">
+            <a:spLocks/>
+          </p:cNvSpPr>
+          <p:nvPr/>
+        </p:nvSpPr>
+        <p:spPr>
+          <a:xfrm>
+            <a:off x="381000" y="1752600"/>
+            <a:ext cx="8382000" cy="1477328"/>
+          </a:xfrm>
+          <a:prstGeom prst="rect">
+            <a:avLst/>
+          </a:prstGeom>
+          <a:solidFill>
+            <a:schemeClr val="accent5">
+              <a:lumMod val="40000"/>
+              <a:lumOff val="60000"/>
+              <a:alpha val="25000"/>
+            </a:schemeClr>
+          </a:solidFill>
+          <a:ln w="12700">
+            <a:solidFill>
+              <a:schemeClr val="accent5">
+                <a:lumMod val="60000"/>
+                <a:lumOff val="40000"/>
+              </a:schemeClr>
+            </a:solidFill>
+          </a:ln>
+        </p:spPr>
+        <p:txBody>
+          <a:bodyPr wrap="square">
+            <a:spAutoFit/>
+          </a:bodyPr>
+          <a:lstStyle>
+            <a:lvl1pPr marL="0" indent="0" algn="l" rtl="0" eaLnBrk="1" fontAlgn="base" hangingPunct="1">
+              <a:spcBef>
+                <a:spcPts val="0"/>
+              </a:spcBef>
+              <a:spcAft>
+                <a:spcPct val="0"/>
+              </a:spcAft>
+              <a:buClr>
+                <a:schemeClr val="accent5">
+                  <a:lumMod val="40000"/>
+                  <a:lumOff val="60000"/>
+                </a:schemeClr>
+              </a:buClr>
+              <a:buSzPct val="70000"/>
+              <a:buFont typeface="Wingdings 2" pitchFamily="18" charset="2"/>
+              <a:buNone/>
+              <a:defRPr lang="en-US" sz="1800" b="1" kern="1200" smtClean="0">
+                <a:solidFill>
+                  <a:srgbClr val="8CF4F2"/>
+                </a:solidFill>
+                <a:effectLst>
+                  <a:outerShdw blurRad="38100" dist="38100" dir="2700000" algn="tl">
+                    <a:srgbClr val="000000">
+                      <a:alpha val="43137"/>
+                    </a:srgbClr>
+                  </a:outerShdw>
+                </a:effectLst>
+                <a:latin typeface="Consolas" pitchFamily="49" charset="0"/>
+                <a:ea typeface="+mn-ea"/>
+                <a:cs typeface="Consolas" pitchFamily="49" charset="0"/>
+              </a:defRPr>
+            </a:lvl1pPr>
+            <a:lvl2pPr marL="630238" indent="-273050" algn="l" rtl="0" eaLnBrk="1" fontAlgn="base" hangingPunct="1">
+              <a:spcBef>
+                <a:spcPct val="20000"/>
+              </a:spcBef>
+              <a:spcAft>
+                <a:spcPct val="0"/>
+              </a:spcAft>
+              <a:buClr>
+                <a:schemeClr val="accent2">
+                  <a:lumMod val="60000"/>
+                  <a:lumOff val="40000"/>
+                </a:schemeClr>
+              </a:buClr>
+              <a:buFont typeface="Wingdings 2" pitchFamily="18" charset="2"/>
+              <a:buChar char=""/>
+              <a:defRPr sz="3000" b="1" kern="1200">
+                <a:solidFill>
+                  <a:schemeClr val="tx1">
+                    <a:lumMod val="20000"/>
+                    <a:lumOff val="80000"/>
+                  </a:schemeClr>
+                </a:solidFill>
+                <a:effectLst>
+                  <a:outerShdw blurRad="38100" dist="38100" dir="2700000" algn="tl">
+                    <a:srgbClr val="000000">
+                      <a:alpha val="43137"/>
+                    </a:srgbClr>
+                  </a:outerShdw>
+                </a:effectLst>
+                <a:latin typeface="+mn-lt"/>
+                <a:ea typeface="+mn-ea"/>
+                <a:cs typeface="+mn-cs"/>
+              </a:defRPr>
+            </a:lvl2pPr>
+            <a:lvl3pPr marL="922338" indent="-273050" algn="l" rtl="0" eaLnBrk="1" fontAlgn="base" hangingPunct="1">
+              <a:spcBef>
+                <a:spcPct val="20000"/>
+              </a:spcBef>
+              <a:spcAft>
+                <a:spcPct val="0"/>
+              </a:spcAft>
+              <a:buClr>
+                <a:schemeClr val="tx1">
+                  <a:lumMod val="50000"/>
+                </a:schemeClr>
+              </a:buClr>
+              <a:buFont typeface="Wingdings 2" pitchFamily="18" charset="2"/>
+              <a:buChar char=""/>
+              <a:defRPr sz="2800" b="1" kern="1200">
+                <a:solidFill>
+                  <a:schemeClr val="tx1">
+                    <a:lumMod val="20000"/>
+                    <a:lumOff val="80000"/>
+                  </a:schemeClr>
+                </a:solidFill>
+                <a:effectLst>
+                  <a:outerShdw blurRad="38100" dist="38100" dir="2700000" algn="tl">
+                    <a:srgbClr val="000000">
+                      <a:alpha val="43137"/>
+                    </a:srgbClr>
+                  </a:outerShdw>
+                </a:effectLst>
+                <a:latin typeface="+mn-lt"/>
+                <a:ea typeface="+mn-ea"/>
+                <a:cs typeface="+mn-cs"/>
+              </a:defRPr>
+            </a:lvl3pPr>
+            <a:lvl4pPr marL="1187450" indent="-228600" algn="l" rtl="0" eaLnBrk="1" fontAlgn="base" hangingPunct="1">
+              <a:spcBef>
+                <a:spcPct val="20000"/>
+              </a:spcBef>
+              <a:spcAft>
+                <a:spcPct val="0"/>
+              </a:spcAft>
+              <a:buClr>
+                <a:srgbClr val="F8BD52"/>
+              </a:buClr>
+              <a:buFont typeface="Wingdings 2" pitchFamily="18" charset="2"/>
+              <a:buChar char=""/>
+              <a:defRPr sz="2600" b="1" kern="1200">
+                <a:solidFill>
+                  <a:schemeClr val="tx1">
+                    <a:lumMod val="20000"/>
+                    <a:lumOff val="80000"/>
+                  </a:schemeClr>
+                </a:solidFill>
+                <a:effectLst>
+                  <a:outerShdw blurRad="38100" dist="38100" dir="2700000" algn="tl">
+                    <a:srgbClr val="000000">
+                      <a:alpha val="43137"/>
+                    </a:srgbClr>
+                  </a:outerShdw>
+                </a:effectLst>
+                <a:latin typeface="+mn-lt"/>
+                <a:ea typeface="+mn-ea"/>
+                <a:cs typeface="+mn-cs"/>
+              </a:defRPr>
+            </a:lvl4pPr>
+            <a:lvl5pPr marL="1425575" indent="-228600" algn="l" rtl="0" eaLnBrk="1" fontAlgn="base" hangingPunct="1">
+              <a:spcBef>
+                <a:spcPct val="20000"/>
+              </a:spcBef>
+              <a:spcAft>
+                <a:spcPct val="0"/>
+              </a:spcAft>
+              <a:buClr>
+                <a:srgbClr val="46A6BD"/>
+              </a:buClr>
+              <a:buFont typeface="Wingdings 2" pitchFamily="18" charset="2"/>
+              <a:buChar char=""/>
+              <a:defRPr sz="2400" b="1" kern="1200">
+                <a:solidFill>
+                  <a:schemeClr val="tx1">
+                    <a:lumMod val="20000"/>
+                    <a:lumOff val="80000"/>
+                  </a:schemeClr>
+                </a:solidFill>
+                <a:effectLst>
+                  <a:outerShdw blurRad="38100" dist="38100" dir="2700000" algn="tl">
+                    <a:srgbClr val="000000">
+                      <a:alpha val="43137"/>
+                    </a:srgbClr>
+                  </a:outerShdw>
+                </a:effectLst>
+                <a:latin typeface="+mn-lt"/>
+                <a:ea typeface="+mn-ea"/>
+                <a:cs typeface="+mn-cs"/>
+              </a:defRPr>
+            </a:lvl5pPr>
+            <a:lvl6pPr marL="1673352" indent="-228600" algn="l" rtl="0" eaLnBrk="1" latinLnBrk="0" hangingPunct="1">
+              <a:spcBef>
+                <a:spcPct val="20000"/>
+              </a:spcBef>
+              <a:buClr>
+                <a:schemeClr val="accent6"/>
+              </a:buClr>
+              <a:buFont typeface="Wingdings 2"/>
+              <a:buChar char=""/>
+              <a:defRPr sz="1800" kern="1200">
+                <a:solidFill>
+                  <a:schemeClr val="tx1"/>
+                </a:solidFill>
+                <a:latin typeface="+mn-lt"/>
+                <a:ea typeface="+mn-ea"/>
+                <a:cs typeface="+mn-cs"/>
+              </a:defRPr>
+            </a:lvl6pPr>
+            <a:lvl7pPr marL="1911096" indent="-228600" algn="l" rtl="0" eaLnBrk="1" latinLnBrk="0" hangingPunct="1">
+              <a:spcBef>
+                <a:spcPct val="20000"/>
+              </a:spcBef>
+              <a:buClr>
+                <a:schemeClr val="tx2"/>
+              </a:buClr>
+              <a:buFont typeface="Wingdings 2"/>
+              <a:buChar char=""/>
+              <a:defRPr sz="1600" kern="1200">
+                <a:solidFill>
+                  <a:schemeClr val="tx1"/>
+                </a:solidFill>
+                <a:latin typeface="+mn-lt"/>
+                <a:ea typeface="+mn-ea"/>
+                <a:cs typeface="+mn-cs"/>
+              </a:defRPr>
+            </a:lvl7pPr>
+            <a:lvl8pPr marL="2121408" indent="-182880" algn="l" rtl="0" eaLnBrk="1" latinLnBrk="0" hangingPunct="1">
+              <a:spcBef>
+                <a:spcPct val="20000"/>
+              </a:spcBef>
+              <a:buClr>
+                <a:schemeClr val="tx2"/>
+              </a:buClr>
+              <a:buFont typeface="Wingdings 2"/>
+              <a:buChar char=""/>
+              <a:defRPr sz="1400" kern="1200">
+                <a:solidFill>
+                  <a:schemeClr val="tx1"/>
+                </a:solidFill>
+                <a:latin typeface="+mn-lt"/>
+                <a:ea typeface="+mn-ea"/>
+                <a:cs typeface="+mn-cs"/>
+              </a:defRPr>
+            </a:lvl8pPr>
+            <a:lvl9pPr marL="2322576" indent="-182880" algn="l" rtl="0" eaLnBrk="1" latinLnBrk="0" hangingPunct="1">
+              <a:spcBef>
+                <a:spcPct val="20000"/>
+              </a:spcBef>
+              <a:buClr>
+                <a:schemeClr val="tx2"/>
+              </a:buClr>
+              <a:buFont typeface="Wingdings 2"/>
+              <a:buChar char=""/>
+              <a:defRPr sz="1400" kern="1200">
+                <a:solidFill>
+                  <a:schemeClr val="tx1"/>
+                </a:solidFill>
+                <a:latin typeface="+mn-lt"/>
+                <a:ea typeface="+mn-ea"/>
+                <a:cs typeface="+mn-cs"/>
+              </a:defRPr>
+            </a:lvl9pPr>
+          </a:lstStyle>
+          <a:p>
+            <a:r>
+              <a:rPr lang="en-US" dirty="0" smtClean="0"/>
+              <a:t>static long </a:t>
+            </a:r>
+            <a:r>
+              <a:rPr lang="en-US" dirty="0"/>
+              <a:t>F</a:t>
+            </a:r>
+            <a:r>
+              <a:rPr lang="en-US" dirty="0" smtClean="0"/>
+              <a:t>actorial(</a:t>
+            </a:r>
+            <a:r>
+              <a:rPr lang="en-US" dirty="0" err="1" smtClean="0"/>
+              <a:t>int</a:t>
+            </a:r>
+            <a:r>
+              <a:rPr lang="en-US" dirty="0" smtClean="0"/>
+              <a:t> </a:t>
+            </a:r>
+            <a:r>
+              <a:rPr lang="en-US" dirty="0"/>
+              <a:t>n)</a:t>
+            </a:r>
+          </a:p>
+          <a:p>
+            <a:r>
+              <a:rPr lang="en-US" dirty="0"/>
+              <a:t>{</a:t>
+            </a:r>
+          </a:p>
+          <a:p>
+            <a:r>
+              <a:rPr lang="en-US" dirty="0" smtClean="0"/>
+              <a:t>    if </a:t>
+            </a:r>
+            <a:r>
+              <a:rPr lang="en-US" dirty="0"/>
+              <a:t>(n == 0) return 1;</a:t>
+            </a:r>
+          </a:p>
+          <a:p>
+            <a:r>
+              <a:rPr lang="en-US" dirty="0"/>
+              <a:t>    return </a:t>
+            </a:r>
+            <a:r>
+              <a:rPr lang="en-US" dirty="0" smtClean="0"/>
+              <a:t>Factorial(n </a:t>
+            </a:r>
+            <a:r>
+              <a:rPr lang="en-US" dirty="0"/>
+              <a:t>- 1) * n;</a:t>
+            </a:r>
+          </a:p>
+          <a:p>
+            <a:r>
+              <a:rPr lang="en-US" dirty="0"/>
+              <a:t>}</a:t>
+            </a:r>
+          </a:p>
+        </p:txBody>
+      </p:sp>
+    </p:spTree>
+    <p:extLst>
+      <p:ext uri="{BB962C8B-B14F-4D97-AF65-F5344CB8AC3E}">
+        <p14:creationId xmlns:p14="http://schemas.microsoft.com/office/powerpoint/2010/main" val="1771221728"/>
+      </p:ext>
+    </p:extLst>
+  </p:cSld>
+  <p:clrMapOvr>
+    <a:masterClrMapping/>
+  </p:clrMapOvr>
+  <p:timing>
+    <p:tnLst>
+      <p:par>
+        <p:cTn id="1" dur="indefinite" restart="never" nodeType="tmRoot"/>
+      </p:par>
+    </p:tnLst>
+  </p:timing>
+</p:sld>
+</file>
+
+<file path=ppt/slides/slide9.xml><?xml version="1.0" encoding="utf-8"?>
+<p:sld xmlns:a="http://schemas.openxmlformats.org/drawingml/2006/main" xmlns:r="http://schemas.openxmlformats.org/officeDocument/2006/relationships" xmlns:p="http://schemas.openxmlformats.org/presentationml/2006/main">
+  <p:cSld>
+    <p:spTree>
+      <p:nvGrpSpPr>
+        <p:cNvPr id="1" name=""/>
+        <p:cNvGrpSpPr/>
+        <p:nvPr/>
+      </p:nvGrpSpPr>
+      <p:grpSpPr>
+        <a:xfrm>
+          <a:off x="0" y="0"/>
+          <a:ext cx="0" cy="0"/>
+          <a:chOff x="0" y="0"/>
+          <a:chExt cx="0" cy="0"/>
+        </a:xfrm>
+      </p:grpSpPr>
+      <p:sp>
+        <p:nvSpPr>
           <p:cNvPr id="5" name="Title 4"/>
           <p:cNvSpPr>
             <a:spLocks noGrp="1"/>
@@ -22016,691 +24200,6 @@
     <p:extLst>
       <p:ext uri="{BB962C8B-B14F-4D97-AF65-F5344CB8AC3E}">
         <p14:creationId xmlns:p14="http://schemas.microsoft.com/office/powerpoint/2010/main" val="2205311647"/>
-      </p:ext>
-    </p:extLst>
-  </p:cSld>
-  <p:clrMapOvr>
-    <a:masterClrMapping/>
-  </p:clrMapOvr>
-  <p:timing>
-    <p:tnLst>
-      <p:par>
-        <p:cTn id="1" dur="indefinite" restart="never" nodeType="tmRoot"/>
-      </p:par>
-    </p:tnLst>
-  </p:timing>
-</p:sld>
-</file>
-
-<file path=ppt/slides/slide8.xml><?xml version="1.0" encoding="utf-8"?>
-<p:sld xmlns:a="http://schemas.openxmlformats.org/drawingml/2006/main" xmlns:r="http://schemas.openxmlformats.org/officeDocument/2006/relationships" xmlns:p="http://schemas.openxmlformats.org/presentationml/2006/main">
-  <p:cSld>
-    <p:spTree>
-      <p:nvGrpSpPr>
-        <p:cNvPr id="1" name=""/>
-        <p:cNvGrpSpPr/>
-        <p:nvPr/>
-      </p:nvGrpSpPr>
-      <p:grpSpPr>
-        <a:xfrm>
-          <a:off x="0" y="0"/>
-          <a:ext cx="0" cy="0"/>
-          <a:chOff x="0" y="0"/>
-          <a:chExt cx="0" cy="0"/>
-        </a:xfrm>
-      </p:grpSpPr>
-      <p:sp>
-        <p:nvSpPr>
-          <p:cNvPr id="4" name="Title 3"/>
-          <p:cNvSpPr>
-            <a:spLocks noGrp="1"/>
-          </p:cNvSpPr>
-          <p:nvPr>
-            <p:ph type="title"/>
-          </p:nvPr>
-        </p:nvSpPr>
-        <p:spPr/>
-        <p:txBody>
-          <a:bodyPr/>
-          <a:lstStyle/>
-          <a:p>
-            <a:r>
-              <a:rPr lang="en-US" dirty="0" smtClean="0"/>
-              <a:t>Variations</a:t>
-            </a:r>
-            <a:endParaRPr lang="en-US" dirty="0"/>
-          </a:p>
-        </p:txBody>
-      </p:sp>
-      <p:sp>
-        <p:nvSpPr>
-          <p:cNvPr id="5" name="Content Placeholder 4"/>
-          <p:cNvSpPr>
-            <a:spLocks noGrp="1"/>
-          </p:cNvSpPr>
-          <p:nvPr>
-            <p:ph idx="1"/>
-          </p:nvPr>
-        </p:nvSpPr>
-        <p:spPr/>
-        <p:txBody>
-          <a:bodyPr/>
-          <a:lstStyle/>
-          <a:p>
-            <a:r>
-              <a:rPr lang="en-US" dirty="0" smtClean="0">
-                <a:solidFill>
-                  <a:schemeClr val="accent5">
-                    <a:lumMod val="20000"/>
-                    <a:lumOff val="80000"/>
-                  </a:schemeClr>
-                </a:solidFill>
-              </a:rPr>
-              <a:t>Variations (with repetitions)</a:t>
-            </a:r>
-          </a:p>
-          <a:p>
-            <a:pPr lvl="1"/>
-            <a:r>
-              <a:rPr lang="en-US" dirty="0" smtClean="0"/>
-              <a:t>Easiest </a:t>
-            </a:r>
-            <a:r>
-              <a:rPr lang="en-US" dirty="0"/>
-              <a:t>to </a:t>
-            </a:r>
-            <a:r>
-              <a:rPr lang="en-US" dirty="0" smtClean="0"/>
-              <a:t>calculate</a:t>
-            </a:r>
-            <a:endParaRPr lang="en-US" dirty="0"/>
-          </a:p>
-          <a:p>
-            <a:r>
-              <a:rPr lang="en-US" dirty="0"/>
-              <a:t>When you have </a:t>
-            </a:r>
-            <a:r>
-              <a:rPr lang="en-US" i="1" dirty="0">
-                <a:solidFill>
-                  <a:schemeClr val="accent5">
-                    <a:lumMod val="20000"/>
-                    <a:lumOff val="80000"/>
-                  </a:schemeClr>
-                </a:solidFill>
-              </a:rPr>
-              <a:t>n</a:t>
-            </a:r>
-            <a:r>
-              <a:rPr lang="en-US" dirty="0"/>
-              <a:t> things </a:t>
-            </a:r>
-            <a:r>
-              <a:rPr lang="en-US" dirty="0" smtClean="0"/>
-              <a:t>to</a:t>
-            </a:r>
-            <a:br>
-              <a:rPr lang="en-US" dirty="0" smtClean="0"/>
-            </a:br>
-            <a:r>
-              <a:rPr lang="en-US" dirty="0" smtClean="0"/>
-              <a:t>choose </a:t>
-            </a:r>
-            <a:r>
-              <a:rPr lang="en-US" dirty="0"/>
-              <a:t>from ... you </a:t>
-            </a:r>
-            <a:r>
-              <a:rPr lang="en-US" dirty="0" smtClean="0"/>
-              <a:t>have</a:t>
-            </a:r>
-            <a:br>
-              <a:rPr lang="en-US" dirty="0" smtClean="0"/>
-            </a:br>
-            <a:r>
-              <a:rPr lang="en-US" i="1" dirty="0">
-                <a:solidFill>
-                  <a:schemeClr val="accent5">
-                    <a:lumMod val="20000"/>
-                    <a:lumOff val="80000"/>
-                  </a:schemeClr>
-                </a:solidFill>
-              </a:rPr>
-              <a:t>n</a:t>
-            </a:r>
-            <a:r>
-              <a:rPr lang="en-US" dirty="0" smtClean="0"/>
-              <a:t> </a:t>
-            </a:r>
-            <a:r>
-              <a:rPr lang="en-US" dirty="0"/>
-              <a:t>choices each </a:t>
-            </a:r>
-            <a:r>
-              <a:rPr lang="en-US" dirty="0" smtClean="0"/>
-              <a:t>time!</a:t>
-            </a:r>
-          </a:p>
-          <a:p>
-            <a:r>
-              <a:rPr lang="en-US" dirty="0" smtClean="0"/>
-              <a:t>When </a:t>
-            </a:r>
-            <a:r>
-              <a:rPr lang="en-US" dirty="0"/>
-              <a:t>choosing </a:t>
-            </a:r>
-            <a:r>
-              <a:rPr lang="en-US" i="1" dirty="0" smtClean="0">
-                <a:solidFill>
-                  <a:schemeClr val="accent4"/>
-                </a:solidFill>
-              </a:rPr>
-              <a:t>k</a:t>
-            </a:r>
-            <a:r>
-              <a:rPr lang="en-US" dirty="0" smtClean="0"/>
-              <a:t> </a:t>
-            </a:r>
-            <a:r>
-              <a:rPr lang="en-US" dirty="0"/>
-              <a:t>of </a:t>
-            </a:r>
-            <a:r>
-              <a:rPr lang="en-US" dirty="0" smtClean="0"/>
-              <a:t>them,</a:t>
-            </a:r>
-            <a:br>
-              <a:rPr lang="en-US" dirty="0" smtClean="0"/>
-            </a:br>
-            <a:r>
-              <a:rPr lang="en-US" dirty="0" smtClean="0"/>
-              <a:t>the variations are</a:t>
-            </a:r>
-            <a:r>
-              <a:rPr lang="en-US" dirty="0"/>
-              <a:t>:</a:t>
-            </a:r>
-          </a:p>
-          <a:p>
-            <a:pPr lvl="1">
-              <a:spcAft>
-                <a:spcPts val="0"/>
-              </a:spcAft>
-            </a:pPr>
-            <a:r>
-              <a:rPr lang="en-US" sz="3200" i="1" dirty="0">
-                <a:solidFill>
-                  <a:schemeClr val="accent5">
-                    <a:lumMod val="20000"/>
-                    <a:lumOff val="80000"/>
-                  </a:schemeClr>
-                </a:solidFill>
-              </a:rPr>
-              <a:t>n</a:t>
-            </a:r>
-            <a:r>
-              <a:rPr lang="en-US" dirty="0"/>
-              <a:t> × </a:t>
-            </a:r>
-            <a:r>
-              <a:rPr lang="en-US" sz="3200" i="1" dirty="0">
-                <a:solidFill>
-                  <a:schemeClr val="accent5">
-                    <a:lumMod val="20000"/>
-                    <a:lumOff val="80000"/>
-                  </a:schemeClr>
-                </a:solidFill>
-              </a:rPr>
-              <a:t>n</a:t>
-            </a:r>
-            <a:r>
-              <a:rPr lang="en-US" dirty="0"/>
-              <a:t> × </a:t>
-            </a:r>
-            <a:r>
-              <a:rPr lang="en-US" dirty="0" smtClean="0"/>
-              <a:t>... </a:t>
-            </a:r>
-            <a:r>
-              <a:rPr lang="en-US" dirty="0"/>
-              <a:t>×</a:t>
-            </a:r>
-            <a:r>
-              <a:rPr lang="en-US" i="1" dirty="0" smtClean="0"/>
-              <a:t> </a:t>
-            </a:r>
-            <a:r>
-              <a:rPr lang="en-US" sz="3200" i="1" dirty="0">
-                <a:solidFill>
-                  <a:schemeClr val="accent5">
-                    <a:lumMod val="20000"/>
-                    <a:lumOff val="80000"/>
-                  </a:schemeClr>
-                </a:solidFill>
-              </a:rPr>
-              <a:t>n</a:t>
-            </a:r>
-            <a:r>
-              <a:rPr lang="en-US" dirty="0"/>
-              <a:t> </a:t>
-            </a:r>
-            <a:r>
-              <a:rPr lang="en-US" i="1" dirty="0" smtClean="0"/>
-              <a:t>(</a:t>
-            </a:r>
-            <a:r>
-              <a:rPr lang="en-US" sz="3200" i="1" dirty="0" smtClean="0">
-                <a:solidFill>
-                  <a:schemeClr val="accent4"/>
-                </a:solidFill>
-              </a:rPr>
-              <a:t>k</a:t>
-            </a:r>
-            <a:r>
-              <a:rPr lang="en-US" i="1" dirty="0" smtClean="0"/>
-              <a:t> </a:t>
-            </a:r>
-            <a:r>
-              <a:rPr lang="en-US" i="1" dirty="0"/>
-              <a:t>times</a:t>
-            </a:r>
-            <a:r>
-              <a:rPr lang="en-US" i="1" dirty="0" smtClean="0"/>
-              <a:t>)</a:t>
-            </a:r>
-          </a:p>
-          <a:p>
-            <a:pPr marL="357188" lvl="1" indent="0">
-              <a:spcBef>
-                <a:spcPts val="0"/>
-              </a:spcBef>
-              <a:buNone/>
-            </a:pPr>
-            <a:r>
-              <a:rPr lang="en-US" sz="6000" dirty="0" smtClean="0"/>
-              <a:t>	       </a:t>
-            </a:r>
-            <a:r>
-              <a:rPr lang="en-US" sz="5400" noProof="1" smtClean="0"/>
-              <a:t>n</a:t>
-            </a:r>
-            <a:r>
-              <a:rPr lang="en-US" sz="5400" baseline="30000" noProof="1" smtClean="0"/>
-              <a:t>k</a:t>
-            </a:r>
-            <a:endParaRPr lang="en-US" sz="5400" i="1" noProof="1" smtClean="0"/>
-          </a:p>
-        </p:txBody>
-      </p:sp>
-      <p:pic>
-        <p:nvPicPr>
-          <p:cNvPr id="3075" name="Picture 3"/>
-          <p:cNvPicPr>
-            <a:picLocks noChangeAspect="1" noChangeArrowheads="1"/>
-          </p:cNvPicPr>
-          <p:nvPr/>
-        </p:nvPicPr>
-        <p:blipFill>
-          <a:blip r:embed="rId2">
-            <a:extLst>
-              <a:ext uri="{BEBA8EAE-BF5A-486C-A8C5-ECC9F3942E4B}">
-                <a14:imgProps xmlns:a14="http://schemas.microsoft.com/office/drawing/2010/main">
-                  <a14:imgLayer r:embed="rId3">
-                    <a14:imgEffect>
-                      <a14:brightnessContrast contrast="20000"/>
-                    </a14:imgEffect>
-                  </a14:imgLayer>
-                </a14:imgProps>
-              </a:ext>
-              <a:ext uri="{28A0092B-C50C-407E-A947-70E740481C1C}">
-                <a14:useLocalDpi xmlns:a14="http://schemas.microsoft.com/office/drawing/2010/main" val="0"/>
-              </a:ext>
-            </a:extLst>
-          </a:blip>
-          <a:srcRect/>
-          <a:stretch>
-            <a:fillRect/>
-          </a:stretch>
-        </p:blipFill>
-        <p:spPr bwMode="auto">
-          <a:xfrm>
-            <a:off x="6346683" y="1066801"/>
-            <a:ext cx="2232310" cy="5381624"/>
-          </a:xfrm>
-          <a:prstGeom prst="rect">
-            <a:avLst/>
-          </a:prstGeom>
-          <a:noFill/>
-          <a:ln>
-            <a:noFill/>
-          </a:ln>
-          <a:effectLst/>
-          <a:extLst>
-            <a:ext uri="{909E8E84-426E-40DD-AFC4-6F175D3DCCD1}">
-              <a14:hiddenFill xmlns:a14="http://schemas.microsoft.com/office/drawing/2010/main">
-                <a:solidFill>
-                  <a:schemeClr val="accent1"/>
-                </a:solidFill>
-              </a14:hiddenFill>
-            </a:ext>
-            <a:ext uri="{91240B29-F687-4F45-9708-019B960494DF}">
-              <a14:hiddenLine xmlns:a14="http://schemas.microsoft.com/office/drawing/2010/main" w="9525">
-                <a:solidFill>
-                  <a:schemeClr val="tx1"/>
-                </a:solidFill>
-                <a:miter lim="800000"/>
-                <a:headEnd/>
-                <a:tailEnd/>
-              </a14:hiddenLine>
-            </a:ext>
-            <a:ext uri="{AF507438-7753-43E0-B8FC-AC1667EBCBE1}">
-              <a14:hiddenEffects xmlns:a14="http://schemas.microsoft.com/office/drawing/2010/main">
-                <a:effectLst>
-                  <a:outerShdw dist="35921" dir="2700000" algn="ctr" rotWithShape="0">
-                    <a:schemeClr val="bg2"/>
-                  </a:outerShdw>
-                </a:effectLst>
-              </a14:hiddenEffects>
-            </a:ext>
-          </a:extLst>
-        </p:spPr>
-      </p:pic>
-      <p:sp>
-        <p:nvSpPr>
-          <p:cNvPr id="6" name="Slide Number Placeholder 3"/>
-          <p:cNvSpPr>
-            <a:spLocks noGrp="1"/>
-          </p:cNvSpPr>
-          <p:nvPr>
-            <p:ph type="sldNum" sz="quarter" idx="10"/>
-          </p:nvPr>
-        </p:nvSpPr>
-        <p:spPr>
-          <a:xfrm>
-            <a:off x="8610600" y="6553200"/>
-            <a:ext cx="457200" cy="228600"/>
-          </a:xfrm>
-        </p:spPr>
-        <p:txBody>
-          <a:bodyPr/>
-          <a:lstStyle/>
-          <a:p>
-            <a:pPr>
-              <a:defRPr/>
-            </a:pPr>
-            <a:fld id="{58452FF4-89E3-4D1B-9927-2DBDC00E58D7}" type="slidenum">
-              <a:rPr lang="en-US" smtClean="0"/>
-              <a:pPr>
-                <a:defRPr/>
-              </a:pPr>
-              <a:t>8</a:t>
-            </a:fld>
-            <a:endParaRPr lang="en-US" dirty="0"/>
-          </a:p>
-        </p:txBody>
-      </p:sp>
-    </p:spTree>
-    <p:extLst>
-      <p:ext uri="{BB962C8B-B14F-4D97-AF65-F5344CB8AC3E}">
-        <p14:creationId xmlns:p14="http://schemas.microsoft.com/office/powerpoint/2010/main" val="1749888822"/>
-      </p:ext>
-    </p:extLst>
-  </p:cSld>
-  <p:clrMapOvr>
-    <a:masterClrMapping/>
-  </p:clrMapOvr>
-  <p:timing>
-    <p:tnLst>
-      <p:par>
-        <p:cTn id="1" dur="indefinite" restart="never" nodeType="tmRoot"/>
-      </p:par>
-    </p:tnLst>
-  </p:timing>
-</p:sld>
-</file>
-
-<file path=ppt/slides/slide9.xml><?xml version="1.0" encoding="utf-8"?>
-<p:sld xmlns:a="http://schemas.openxmlformats.org/drawingml/2006/main" xmlns:r="http://schemas.openxmlformats.org/officeDocument/2006/relationships" xmlns:p="http://schemas.openxmlformats.org/presentationml/2006/main">
-  <p:cSld>
-    <p:spTree>
-      <p:nvGrpSpPr>
-        <p:cNvPr id="1" name=""/>
-        <p:cNvGrpSpPr/>
-        <p:nvPr/>
-      </p:nvGrpSpPr>
-      <p:grpSpPr>
-        <a:xfrm>
-          <a:off x="0" y="0"/>
-          <a:ext cx="0" cy="0"/>
-          <a:chOff x="0" y="0"/>
-          <a:chExt cx="0" cy="0"/>
-        </a:xfrm>
-      </p:grpSpPr>
-      <p:sp>
-        <p:nvSpPr>
-          <p:cNvPr id="2" name="Title 1"/>
-          <p:cNvSpPr>
-            <a:spLocks noGrp="1"/>
-          </p:cNvSpPr>
-          <p:nvPr>
-            <p:ph type="title"/>
-          </p:nvPr>
-        </p:nvSpPr>
-        <p:spPr/>
-        <p:txBody>
-          <a:bodyPr/>
-          <a:lstStyle/>
-          <a:p>
-            <a:r>
-              <a:rPr lang="en-US" dirty="0" smtClean="0"/>
-              <a:t>Variations (2)</a:t>
-            </a:r>
-            <a:endParaRPr lang="en-US" dirty="0"/>
-          </a:p>
-        </p:txBody>
-      </p:sp>
-      <p:sp>
-        <p:nvSpPr>
-          <p:cNvPr id="3" name="Content Placeholder 2"/>
-          <p:cNvSpPr>
-            <a:spLocks noGrp="1"/>
-          </p:cNvSpPr>
-          <p:nvPr>
-            <p:ph idx="1"/>
-          </p:nvPr>
-        </p:nvSpPr>
-        <p:spPr/>
-        <p:txBody>
-          <a:bodyPr/>
-          <a:lstStyle/>
-          <a:p>
-            <a:r>
-              <a:rPr lang="en-US" dirty="0" smtClean="0"/>
-              <a:t>Example</a:t>
-            </a:r>
-            <a:r>
-              <a:rPr lang="en-US" dirty="0"/>
-              <a:t>: in the lock </a:t>
-            </a:r>
-            <a:r>
-              <a:rPr lang="en-US" dirty="0" smtClean="0"/>
-              <a:t>below, </a:t>
-            </a:r>
-            <a:r>
-              <a:rPr lang="en-US" dirty="0"/>
-              <a:t>there are 10 numbers to choose from (0</a:t>
-            </a:r>
-            <a:r>
-              <a:rPr lang="en-US" dirty="0" smtClean="0"/>
-              <a:t>, 1, … 9</a:t>
-            </a:r>
-            <a:r>
-              <a:rPr lang="en-US" dirty="0"/>
-              <a:t>) and you choose 3 of them:</a:t>
-            </a:r>
-          </a:p>
-          <a:p>
-            <a:pPr lvl="1"/>
-            <a:r>
-              <a:rPr lang="en-US" dirty="0"/>
-              <a:t>10 × 10 × </a:t>
-            </a:r>
-            <a:r>
-              <a:rPr lang="en-US" dirty="0" smtClean="0"/>
-              <a:t>10 </a:t>
-            </a:r>
-            <a:r>
-              <a:rPr lang="en-US" dirty="0"/>
-              <a:t>(3 times) = </a:t>
-            </a:r>
-            <a:r>
-              <a:rPr lang="en-US" i="1" dirty="0">
-                <a:solidFill>
-                  <a:schemeClr val="accent5">
-                    <a:lumMod val="20000"/>
-                    <a:lumOff val="80000"/>
-                  </a:schemeClr>
-                </a:solidFill>
-                <a:latin typeface="Consolas" panose="020B0609020204030204" pitchFamily="49" charset="0"/>
-                <a:cs typeface="Consolas" panose="020B0609020204030204" pitchFamily="49" charset="0"/>
-              </a:rPr>
-              <a:t>10</a:t>
-            </a:r>
-            <a:r>
-              <a:rPr lang="en-US" i="1" baseline="30000" dirty="0">
-                <a:solidFill>
-                  <a:schemeClr val="accent5">
-                    <a:lumMod val="20000"/>
-                    <a:lumOff val="80000"/>
-                  </a:schemeClr>
-                </a:solidFill>
-                <a:latin typeface="Consolas" panose="020B0609020204030204" pitchFamily="49" charset="0"/>
-                <a:cs typeface="Consolas" panose="020B0609020204030204" pitchFamily="49" charset="0"/>
-              </a:rPr>
-              <a:t>3</a:t>
-            </a:r>
-            <a:r>
-              <a:rPr lang="en-US" dirty="0"/>
-              <a:t> = </a:t>
-            </a:r>
-            <a:r>
-              <a:rPr lang="en-US" dirty="0" smtClean="0"/>
-              <a:t>1 000 variations</a:t>
-            </a:r>
-            <a:endParaRPr lang="en-US" dirty="0"/>
-          </a:p>
-          <a:p>
-            <a:endParaRPr lang="en-US" dirty="0" smtClean="0"/>
-          </a:p>
-          <a:p>
-            <a:endParaRPr lang="en-US" dirty="0"/>
-          </a:p>
-          <a:p>
-            <a:endParaRPr lang="en-US" dirty="0" smtClean="0"/>
-          </a:p>
-          <a:p>
-            <a:endParaRPr lang="en-US" dirty="0" smtClean="0"/>
-          </a:p>
-          <a:p>
-            <a:r>
-              <a:rPr lang="en-US" dirty="0" smtClean="0"/>
-              <a:t>All variations from (0, 0, 0) to (9, 9, 9) </a:t>
-            </a:r>
-            <a:endParaRPr lang="en-US" dirty="0"/>
-          </a:p>
-        </p:txBody>
-      </p:sp>
-      <p:sp>
-        <p:nvSpPr>
-          <p:cNvPr id="4" name="Slide Number Placeholder 3"/>
-          <p:cNvSpPr>
-            <a:spLocks noGrp="1"/>
-          </p:cNvSpPr>
-          <p:nvPr>
-            <p:ph type="sldNum" sz="quarter" idx="10"/>
-          </p:nvPr>
-        </p:nvSpPr>
-        <p:spPr/>
-        <p:txBody>
-          <a:bodyPr/>
-          <a:lstStyle/>
-          <a:p>
-            <a:pPr>
-              <a:defRPr/>
-            </a:pPr>
-            <a:fld id="{58452FF4-89E3-4D1B-9927-2DBDC00E58D7}" type="slidenum">
-              <a:rPr lang="en-US" smtClean="0"/>
-              <a:pPr>
-                <a:defRPr/>
-              </a:pPr>
-              <a:t>9</a:t>
-            </a:fld>
-            <a:endParaRPr lang="en-US" dirty="0"/>
-          </a:p>
-        </p:txBody>
-      </p:sp>
-      <p:pic>
-        <p:nvPicPr>
-          <p:cNvPr id="4099" name="Picture 3"/>
-          <p:cNvPicPr>
-            <a:picLocks noChangeAspect="1" noChangeArrowheads="1"/>
-          </p:cNvPicPr>
-          <p:nvPr/>
-        </p:nvPicPr>
-        <p:blipFill>
-          <a:blip r:embed="rId2">
-            <a:extLst>
-              <a:ext uri="{28A0092B-C50C-407E-A947-70E740481C1C}">
-                <a14:useLocalDpi xmlns:a14="http://schemas.microsoft.com/office/drawing/2010/main" val="0"/>
-              </a:ext>
-            </a:extLst>
-          </a:blip>
-          <a:srcRect/>
-          <a:stretch>
-            <a:fillRect/>
-          </a:stretch>
-        </p:blipFill>
-        <p:spPr bwMode="auto">
-          <a:xfrm>
-            <a:off x="2362200" y="3381500"/>
-            <a:ext cx="4419600" cy="2341006"/>
-          </a:xfrm>
-          <a:prstGeom prst="rect">
-            <a:avLst/>
-          </a:prstGeom>
-          <a:noFill/>
-          <a:ln>
-            <a:noFill/>
-          </a:ln>
-          <a:effectLst>
-            <a:softEdge rad="63500"/>
-          </a:effectLst>
-          <a:extLst>
-            <a:ext uri="{909E8E84-426E-40DD-AFC4-6F175D3DCCD1}">
-              <a14:hiddenFill xmlns:a14="http://schemas.microsoft.com/office/drawing/2010/main">
-                <a:solidFill>
-                  <a:schemeClr val="accent1"/>
-                </a:solidFill>
-              </a14:hiddenFill>
-            </a:ext>
-            <a:ext uri="{91240B29-F687-4F45-9708-019B960494DF}">
-              <a14:hiddenLine xmlns:a14="http://schemas.microsoft.com/office/drawing/2010/main" w="9525">
-                <a:solidFill>
-                  <a:schemeClr val="tx1"/>
-                </a:solidFill>
-                <a:miter lim="800000"/>
-                <a:headEnd/>
-                <a:tailEnd/>
-              </a14:hiddenLine>
-            </a:ext>
-          </a:extLst>
-        </p:spPr>
-      </p:pic>
-    </p:spTree>
-    <p:extLst>
-      <p:ext uri="{BB962C8B-B14F-4D97-AF65-F5344CB8AC3E}">
-        <p14:creationId xmlns:p14="http://schemas.microsoft.com/office/powerpoint/2010/main" val="2925390646"/>
       </p:ext>
     </p:extLst>
   </p:cSld>
